--- a/presentation.pptx
+++ b/presentation.pptx
@@ -113,6 +113,11 @@
       </a:defRPr>
     </a:lvl9pPr>
   </p:defaultTextStyle>
+  <p:extLst>
+    <p:ext uri="{EFAFB233-063F-42B5-8137-9DF3F51BA10A}">
+      <p15:sldGuideLst xmlns:p15="http://schemas.microsoft.com/office/powerpoint/2012/main"/>
+    </p:ext>
+  </p:extLst>
 </p:presentation>
 </file>
 
@@ -3732,7 +3737,7 @@
             <a:pPr algn="ctr"/>
             <a:r>
               <a:rPr lang="fr-FR" sz="2800" cap="small" dirty="0"/>
-              <a:t>Décomposition en valeurs singulières randomisée (RSVD)</a:t>
+              <a:t>Décomposition en valeurs singulières randomisée [RSVD]</a:t>
             </a:r>
             <a:endParaRPr lang="en-GB" sz="2800" cap="small" dirty="0"/>
           </a:p>
@@ -3913,7 +3918,7 @@
             </a:pPr>
             <a:r>
               <a:rPr lang="fr-FR" dirty="0"/>
-              <a:t>Réduction de dimension</a:t>
+              <a:t>Décomposition matricielle</a:t>
             </a:r>
           </a:p>
           <a:p>
@@ -3926,7 +3931,7 @@
             </a:pPr>
             <a:r>
               <a:rPr lang="fr-FR" dirty="0"/>
-              <a:t>Décomposition matricielle</a:t>
+              <a:t>Réduction de dimension</a:t>
             </a:r>
           </a:p>
           <a:p>
@@ -3986,6 +3991,9 @@
           <a:prstGeom prst="rect">
             <a:avLst/>
           </a:prstGeom>
+          <a:solidFill>
+            <a:srgbClr val="4D85AC"/>
+          </a:solidFill>
           <a:ln>
             <a:noFill/>
           </a:ln>
@@ -4035,6 +4043,9 @@
           <a:prstGeom prst="rect">
             <a:avLst/>
           </a:prstGeom>
+          <a:solidFill>
+            <a:srgbClr val="4D85AC"/>
+          </a:solidFill>
           <a:ln>
             <a:noFill/>
           </a:ln>
@@ -4465,6 +4476,9 @@
           <a:prstGeom prst="rect">
             <a:avLst/>
           </a:prstGeom>
+          <a:solidFill>
+            <a:srgbClr val="4D85AC"/>
+          </a:solidFill>
           <a:ln>
             <a:noFill/>
           </a:ln>
@@ -4514,6 +4528,9 @@
           <a:prstGeom prst="rect">
             <a:avLst/>
           </a:prstGeom>
+          <a:solidFill>
+            <a:srgbClr val="4D85AC"/>
+          </a:solidFill>
           <a:ln>
             <a:noFill/>
           </a:ln>
@@ -5038,6 +5055,9 @@
           <a:prstGeom prst="rect">
             <a:avLst/>
           </a:prstGeom>
+          <a:solidFill>
+            <a:srgbClr val="4D85AC"/>
+          </a:solidFill>
           <a:ln>
             <a:noFill/>
           </a:ln>
@@ -5087,6 +5107,9 @@
           <a:prstGeom prst="rect">
             <a:avLst/>
           </a:prstGeom>
+          <a:solidFill>
+            <a:srgbClr val="4D85AC"/>
+          </a:solidFill>
           <a:ln>
             <a:noFill/>
           </a:ln>
@@ -5502,7 +5525,7 @@
         <p:spPr>
           <a:xfrm>
             <a:off x="703349" y="2217428"/>
-            <a:ext cx="5812489" cy="2784737"/>
+            <a:ext cx="6043321" cy="2784737"/>
           </a:xfrm>
           <a:prstGeom prst="rect">
             <a:avLst/>
@@ -5601,7 +5624,7 @@
             </a:pPr>
             <a:r>
               <a:rPr lang="fr-FR" dirty="0"/>
-              <a:t>Diminution rapide des valeurs singulières (</a:t>
+              <a:t>Diminution rapide des valeurs singulières [</a:t>
             </a:r>
             <a:r>
               <a:rPr lang="fr-FR" i="1" dirty="0" err="1"/>
@@ -5613,7 +5636,7 @@
             </a:r>
             <a:r>
               <a:rPr lang="fr-FR" dirty="0"/>
-              <a:t>)</a:t>
+              <a:t>]</a:t>
             </a:r>
           </a:p>
         </p:txBody>
@@ -5700,7 +5723,21 @@
               <a:rPr lang="fr-FR" sz="1400" dirty="0">
                 <a:latin typeface="Consolas" panose="020B0609020204030204" pitchFamily="49" charset="0"/>
               </a:rPr>
-              <a:t>[inclure un graphique des valeurs propres selon les </a:t>
+              <a:t>[inclure un graphique des valeurs de </a:t>
+            </a:r>
+            <a:r>
+              <a:rPr lang="fr-FR" sz="1400" i="1" dirty="0" err="1"/>
+              <a:t>σ</a:t>
+            </a:r>
+            <a:r>
+              <a:rPr lang="fr-FR" sz="1400" i="1" baseline="-25000" dirty="0" err="1"/>
+              <a:t>r</a:t>
+            </a:r>
+            <a:r>
+              <a:rPr lang="fr-FR" sz="1400" dirty="0">
+                <a:latin typeface="Consolas" panose="020B0609020204030204" pitchFamily="49" charset="0"/>
+              </a:rPr>
+              <a:t> selon les </a:t>
             </a:r>
             <a:r>
               <a:rPr lang="fr-FR" sz="1400" i="1" dirty="0">
@@ -5812,6 +5849,9 @@
           <a:prstGeom prst="rect">
             <a:avLst/>
           </a:prstGeom>
+          <a:solidFill>
+            <a:srgbClr val="4D85AC"/>
+          </a:solidFill>
           <a:ln>
             <a:noFill/>
           </a:ln>
@@ -5861,6 +5901,9 @@
           <a:prstGeom prst="rect">
             <a:avLst/>
           </a:prstGeom>
+          <a:solidFill>
+            <a:srgbClr val="4D85AC"/>
+          </a:solidFill>
           <a:ln>
             <a:noFill/>
           </a:ln>
@@ -6241,6 +6284,100 @@
           </p:txBody>
         </p:sp>
       </p:grpSp>
+      <p:sp>
+        <p:nvSpPr>
+          <p:cNvPr id="13" name="ZoneTexte 12">
+            <a:extLst>
+              <a:ext uri="{FF2B5EF4-FFF2-40B4-BE49-F238E27FC236}">
+                <a16:creationId xmlns:a16="http://schemas.microsoft.com/office/drawing/2014/main" id="{DB7E07B5-1E11-4341-AED5-700E64176AEE}"/>
+              </a:ext>
+            </a:extLst>
+          </p:cNvPr>
+          <p:cNvSpPr txBox="1"/>
+          <p:nvPr/>
+        </p:nvSpPr>
+        <p:spPr>
+          <a:xfrm>
+            <a:off x="703349" y="2217428"/>
+            <a:ext cx="819455" cy="2784737"/>
+          </a:xfrm>
+          <a:prstGeom prst="rect">
+            <a:avLst/>
+          </a:prstGeom>
+          <a:noFill/>
+        </p:spPr>
+        <p:txBody>
+          <a:bodyPr wrap="none" rtlCol="0">
+            <a:spAutoFit/>
+          </a:bodyPr>
+          <a:lstStyle/>
+          <a:p>
+            <a:pPr marL="285750" indent="-285750">
+              <a:lnSpc>
+                <a:spcPct val="200000"/>
+              </a:lnSpc>
+              <a:buFont typeface="Arial" panose="020B0604020202020204" pitchFamily="34" charset="0"/>
+              <a:buChar char="•"/>
+            </a:pPr>
+            <a:r>
+              <a:rPr lang="fr-FR" dirty="0"/>
+              <a:t>___</a:t>
+            </a:r>
+          </a:p>
+          <a:p>
+            <a:pPr marL="285750" indent="-285750">
+              <a:lnSpc>
+                <a:spcPct val="200000"/>
+              </a:lnSpc>
+              <a:buFont typeface="Arial" panose="020B0604020202020204" pitchFamily="34" charset="0"/>
+              <a:buChar char="•"/>
+            </a:pPr>
+            <a:r>
+              <a:rPr lang="fr-FR" dirty="0"/>
+              <a:t>___</a:t>
+            </a:r>
+          </a:p>
+          <a:p>
+            <a:pPr marL="285750" indent="-285750">
+              <a:lnSpc>
+                <a:spcPct val="200000"/>
+              </a:lnSpc>
+              <a:buFont typeface="Arial" panose="020B0604020202020204" pitchFamily="34" charset="0"/>
+              <a:buChar char="•"/>
+            </a:pPr>
+            <a:r>
+              <a:rPr lang="fr-FR" dirty="0"/>
+              <a:t>__</a:t>
+            </a:r>
+          </a:p>
+          <a:p>
+            <a:pPr marL="285750" indent="-285750">
+              <a:lnSpc>
+                <a:spcPct val="200000"/>
+              </a:lnSpc>
+              <a:buFont typeface="Arial" panose="020B0604020202020204" pitchFamily="34" charset="0"/>
+              <a:buChar char="•"/>
+            </a:pPr>
+            <a:r>
+              <a:rPr lang="fr-FR" dirty="0"/>
+              <a:t>__</a:t>
+            </a:r>
+          </a:p>
+          <a:p>
+            <a:pPr marL="285750" indent="-285750">
+              <a:lnSpc>
+                <a:spcPct val="200000"/>
+              </a:lnSpc>
+              <a:buFont typeface="Arial" panose="020B0604020202020204" pitchFamily="34" charset="0"/>
+              <a:buChar char="•"/>
+            </a:pPr>
+            <a:r>
+              <a:rPr lang="fr-FR" dirty="0"/>
+              <a:t>_</a:t>
+            </a:r>
+          </a:p>
+        </p:txBody>
+      </p:sp>
     </p:spTree>
     <p:extLst>
       <p:ext uri="{BB962C8B-B14F-4D97-AF65-F5344CB8AC3E}">
@@ -6291,6 +6428,9 @@
           <a:prstGeom prst="rect">
             <a:avLst/>
           </a:prstGeom>
+          <a:solidFill>
+            <a:srgbClr val="4D85AC"/>
+          </a:solidFill>
           <a:ln>
             <a:noFill/>
           </a:ln>
@@ -6340,6 +6480,9 @@
           <a:prstGeom prst="rect">
             <a:avLst/>
           </a:prstGeom>
+          <a:solidFill>
+            <a:srgbClr val="4D85AC"/>
+          </a:solidFill>
           <a:ln>
             <a:noFill/>
           </a:ln>
@@ -6735,7 +6878,7 @@
         <p:spPr>
           <a:xfrm>
             <a:off x="703349" y="2217428"/>
-            <a:ext cx="9058698" cy="1953740"/>
+            <a:ext cx="9148145" cy="2400657"/>
           </a:xfrm>
           <a:prstGeom prst="rect">
             <a:avLst/>
@@ -6756,22 +6899,242 @@
               <a:buChar char="•"/>
             </a:pPr>
             <a:r>
+              <a:rPr lang="fr-FR" dirty="0"/>
+              <a:t>« </a:t>
+            </a:r>
+            <a:r>
               <a:rPr lang="en-GB" i="1" dirty="0"/>
-              <a:t>Singular Value Decomposition” </a:t>
+              <a:t>Singular Value Decomposition</a:t>
+            </a:r>
+            <a:r>
+              <a:rPr lang="fr-FR" dirty="0"/>
+              <a:t> »</a:t>
+            </a:r>
+            <a:r>
+              <a:rPr lang="en-GB" i="1" dirty="0"/>
+              <a:t> </a:t>
             </a:r>
             <a:r>
               <a:rPr lang="en-GB" dirty="0"/>
-              <a:t>par Steve Brunton (YouTube)</a:t>
-            </a:r>
-          </a:p>
-          <a:p>
-            <a:r>
-              <a:rPr lang="en-GB" sz="1800" i="1" dirty="0">
-                <a:hlinkClick r:id="rId3"/>
+              <a:t>par Steven L. Brunton [YouTube]</a:t>
+            </a:r>
+          </a:p>
+          <a:p>
+            <a:r>
+              <a:rPr lang="en-GB" sz="1400" i="1" dirty="0">
+                <a:solidFill>
+                  <a:srgbClr val="4D85AC"/>
+                </a:solidFill>
+                <a:hlinkClick r:id="rId3">
+                  <a:extLst>
+                    <a:ext uri="{A12FA001-AC4F-418D-AE19-62706E023703}">
+                      <ahyp:hlinkClr xmlns:ahyp="http://schemas.microsoft.com/office/drawing/2018/hyperlinkcolor" val="tx"/>
+                    </a:ext>
+                  </a:extLst>
+                </a:hlinkClick>
               </a:rPr>
               <a:t>https://www.youtube.com/watch?v=gXbThCXjZFM&amp;list=PLMrJAkhIeNNSVjnsviglFoY2nXildDCcv</a:t>
             </a:r>
-            <a:endParaRPr lang="en-GB" sz="1800" i="1" dirty="0"/>
+            <a:endParaRPr lang="en-GB" sz="1400" i="1" dirty="0">
+              <a:solidFill>
+                <a:srgbClr val="4D85AC"/>
+              </a:solidFill>
+            </a:endParaRPr>
+          </a:p>
+          <a:p>
+            <a:pPr marL="285750" marR="0" lvl="0" indent="-285750" algn="l" defTabSz="914400" rtl="0" eaLnBrk="1" fontAlgn="auto" latinLnBrk="0" hangingPunct="1">
+              <a:lnSpc>
+                <a:spcPct val="200000"/>
+              </a:lnSpc>
+              <a:spcBef>
+                <a:spcPts val="0"/>
+              </a:spcBef>
+              <a:spcAft>
+                <a:spcPts val="0"/>
+              </a:spcAft>
+              <a:buClrTx/>
+              <a:buSzTx/>
+              <a:buFont typeface="Arial" panose="020B0604020202020204" pitchFamily="34" charset="0"/>
+              <a:buChar char="•"/>
+              <a:tabLst/>
+              <a:defRPr/>
+            </a:pPr>
+            <a:r>
+              <a:rPr kumimoji="0" lang="fr-FR" sz="1800" b="0" i="0" u="none" strike="noStrike" kern="1200" cap="none" spc="0" normalizeH="0" baseline="0" noProof="0" dirty="0">
+                <a:ln>
+                  <a:noFill/>
+                </a:ln>
+                <a:solidFill>
+                  <a:prstClr val="black"/>
+                </a:solidFill>
+                <a:effectLst/>
+                <a:uLnTx/>
+                <a:uFillTx/>
+                <a:latin typeface="Calibri" panose="020F0502020204030204"/>
+                <a:ea typeface="+mn-ea"/>
+                <a:cs typeface="+mn-cs"/>
+              </a:rPr>
+              <a:t>« </a:t>
+            </a:r>
+            <a:r>
+              <a:rPr kumimoji="0" lang="en-GB" sz="1800" b="0" i="1" u="none" strike="noStrike" kern="1200" cap="none" spc="0" normalizeH="0" baseline="0" noProof="0" dirty="0">
+                <a:ln>
+                  <a:noFill/>
+                </a:ln>
+                <a:solidFill>
+                  <a:prstClr val="black"/>
+                </a:solidFill>
+                <a:effectLst/>
+                <a:uLnTx/>
+                <a:uFillTx/>
+                <a:latin typeface="Calibri" panose="020F0502020204030204"/>
+                <a:ea typeface="+mn-ea"/>
+                <a:cs typeface="+mn-cs"/>
+              </a:rPr>
+              <a:t>Randomized Matrix Decompositions Using R</a:t>
+            </a:r>
+            <a:r>
+              <a:rPr kumimoji="0" lang="fr-FR" sz="1800" b="0" i="0" u="none" strike="noStrike" kern="1200" cap="none" spc="0" normalizeH="0" baseline="0" noProof="0" dirty="0">
+                <a:ln>
+                  <a:noFill/>
+                </a:ln>
+                <a:solidFill>
+                  <a:prstClr val="black"/>
+                </a:solidFill>
+                <a:effectLst/>
+                <a:uLnTx/>
+                <a:uFillTx/>
+                <a:latin typeface="Calibri" panose="020F0502020204030204"/>
+                <a:ea typeface="+mn-ea"/>
+                <a:cs typeface="+mn-cs"/>
+              </a:rPr>
+              <a:t> »</a:t>
+            </a:r>
+            <a:r>
+              <a:rPr kumimoji="0" lang="en-GB" sz="1800" b="0" i="1" u="none" strike="noStrike" kern="1200" cap="none" spc="0" normalizeH="0" baseline="0" noProof="0" dirty="0">
+                <a:ln>
+                  <a:noFill/>
+                </a:ln>
+                <a:solidFill>
+                  <a:prstClr val="black"/>
+                </a:solidFill>
+                <a:effectLst/>
+                <a:uLnTx/>
+                <a:uFillTx/>
+                <a:latin typeface="Calibri" panose="020F0502020204030204"/>
+                <a:ea typeface="+mn-ea"/>
+                <a:cs typeface="+mn-cs"/>
+              </a:rPr>
+              <a:t> </a:t>
+            </a:r>
+            <a:r>
+              <a:rPr kumimoji="0" lang="en-GB" sz="1800" b="0" i="0" u="none" strike="noStrike" kern="1200" cap="none" spc="0" normalizeH="0" baseline="0" noProof="0" dirty="0">
+                <a:ln>
+                  <a:noFill/>
+                </a:ln>
+                <a:solidFill>
+                  <a:prstClr val="black"/>
+                </a:solidFill>
+                <a:effectLst/>
+                <a:uLnTx/>
+                <a:uFillTx/>
+                <a:latin typeface="Calibri" panose="020F0502020204030204"/>
+                <a:ea typeface="+mn-ea"/>
+                <a:cs typeface="+mn-cs"/>
+              </a:rPr>
+              <a:t>par Brunton, </a:t>
+            </a:r>
+            <a:r>
+              <a:rPr kumimoji="0" lang="en-GB" sz="1800" b="0" i="0" u="none" strike="noStrike" kern="1200" cap="none" spc="0" normalizeH="0" baseline="0" noProof="0" dirty="0" err="1">
+                <a:ln>
+                  <a:noFill/>
+                </a:ln>
+                <a:solidFill>
+                  <a:prstClr val="black"/>
+                </a:solidFill>
+                <a:effectLst/>
+                <a:uLnTx/>
+                <a:uFillTx/>
+                <a:latin typeface="Calibri" panose="020F0502020204030204"/>
+                <a:ea typeface="+mn-ea"/>
+                <a:cs typeface="+mn-cs"/>
+              </a:rPr>
+              <a:t>Erichson</a:t>
+            </a:r>
+            <a:r>
+              <a:rPr kumimoji="0" lang="en-GB" sz="1800" b="0" i="0" u="none" strike="noStrike" kern="1200" cap="none" spc="0" normalizeH="0" baseline="0" noProof="0" dirty="0">
+                <a:ln>
+                  <a:noFill/>
+                </a:ln>
+                <a:solidFill>
+                  <a:prstClr val="black"/>
+                </a:solidFill>
+                <a:effectLst/>
+                <a:uLnTx/>
+                <a:uFillTx/>
+                <a:latin typeface="Calibri" panose="020F0502020204030204"/>
+                <a:ea typeface="+mn-ea"/>
+                <a:cs typeface="+mn-cs"/>
+              </a:rPr>
+              <a:t>, </a:t>
+            </a:r>
+            <a:r>
+              <a:rPr kumimoji="0" lang="en-GB" sz="1800" b="0" i="0" u="none" strike="noStrike" kern="1200" cap="none" spc="0" normalizeH="0" baseline="0" noProof="0" dirty="0" err="1">
+                <a:ln>
+                  <a:noFill/>
+                </a:ln>
+                <a:solidFill>
+                  <a:prstClr val="black"/>
+                </a:solidFill>
+                <a:effectLst/>
+                <a:uLnTx/>
+                <a:uFillTx/>
+                <a:latin typeface="Calibri" panose="020F0502020204030204"/>
+                <a:ea typeface="+mn-ea"/>
+                <a:cs typeface="+mn-cs"/>
+              </a:rPr>
+              <a:t>Kutz</a:t>
+            </a:r>
+            <a:r>
+              <a:rPr kumimoji="0" lang="en-GB" sz="1800" b="0" i="0" u="none" strike="noStrike" kern="1200" cap="none" spc="0" normalizeH="0" baseline="0" noProof="0" dirty="0">
+                <a:ln>
+                  <a:noFill/>
+                </a:ln>
+                <a:solidFill>
+                  <a:prstClr val="black"/>
+                </a:solidFill>
+                <a:effectLst/>
+                <a:uLnTx/>
+                <a:uFillTx/>
+                <a:latin typeface="Calibri" panose="020F0502020204030204"/>
+                <a:ea typeface="+mn-ea"/>
+                <a:cs typeface="+mn-cs"/>
+              </a:rPr>
+              <a:t> et Voronin [PDF]</a:t>
+            </a:r>
+            <a:endParaRPr lang="en-GB" sz="1400" i="1" dirty="0"/>
+          </a:p>
+          <a:p>
+            <a:r>
+              <a:rPr lang="en-GB" sz="1400" i="1" dirty="0">
+                <a:solidFill>
+                  <a:srgbClr val="4D85AC"/>
+                </a:solidFill>
+                <a:hlinkClick r:id="rId4">
+                  <a:extLst>
+                    <a:ext uri="{A12FA001-AC4F-418D-AE19-62706E023703}">
+                      <ahyp:hlinkClr xmlns:ahyp="http://schemas.microsoft.com/office/drawing/2018/hyperlinkcolor" val="tx"/>
+                    </a:ext>
+                  </a:extLst>
+                </a:hlinkClick>
+              </a:rPr>
+              <a:t>https://arxiv.org/pdf/1608.02148.pdf</a:t>
+            </a:r>
+            <a:endParaRPr lang="en-GB" sz="1400" i="1" dirty="0">
+              <a:solidFill>
+                <a:srgbClr val="4D85AC"/>
+              </a:solidFill>
+            </a:endParaRPr>
           </a:p>
           <a:p>
             <a:pPr marL="285750" indent="-285750">
@@ -6782,22 +7145,31 @@
               <a:buChar char="•"/>
             </a:pPr>
             <a:r>
-              <a:rPr lang="fr-FR" i="1" dirty="0"/>
-              <a:t>___</a:t>
-            </a:r>
-          </a:p>
-          <a:p>
-            <a:pPr marL="285750" indent="-285750">
-              <a:lnSpc>
-                <a:spcPct val="200000"/>
-              </a:lnSpc>
-              <a:buFont typeface="Arial" panose="020B0604020202020204" pitchFamily="34" charset="0"/>
-              <a:buChar char="•"/>
-            </a:pPr>
-            <a:r>
-              <a:rPr lang="fr-FR" i="1" dirty="0"/>
-              <a:t>___</a:t>
-            </a:r>
+              <a:rPr lang="fr-FR" dirty="0"/>
+              <a:t>« Décomposition en valeurs singulières » [Wikipédia]</a:t>
+            </a:r>
+          </a:p>
+          <a:p>
+            <a:r>
+              <a:rPr lang="fr-FR" sz="1400" i="1" dirty="0">
+                <a:solidFill>
+                  <a:srgbClr val="4D85AC"/>
+                </a:solidFill>
+                <a:hlinkClick r:id="rId5">
+                  <a:extLst>
+                    <a:ext uri="{A12FA001-AC4F-418D-AE19-62706E023703}">
+                      <ahyp:hlinkClr xmlns:ahyp="http://schemas.microsoft.com/office/drawing/2018/hyperlinkcolor" val="tx"/>
+                    </a:ext>
+                  </a:extLst>
+                </a:hlinkClick>
+              </a:rPr>
+              <a:t>https://fr.wikipedia.org/wiki/D%C3%A9composition_en_valeurs_singuli%C3%A8res</a:t>
+            </a:r>
+            <a:endParaRPr lang="fr-FR" sz="1400" i="1" dirty="0">
+              <a:solidFill>
+                <a:srgbClr val="4D85AC"/>
+              </a:solidFill>
+            </a:endParaRPr>
           </a:p>
         </p:txBody>
       </p:sp>

--- a/presentation.pptx
+++ b/presentation.pptx
@@ -5,16 +5,17 @@
     <p:sldMasterId id="2147483648" r:id="rId1"/>
   </p:sldMasterIdLst>
   <p:notesMasterIdLst>
-    <p:notesMasterId r:id="rId9"/>
+    <p:notesMasterId r:id="rId10"/>
   </p:notesMasterIdLst>
   <p:sldIdLst>
     <p:sldId id="256" r:id="rId2"/>
     <p:sldId id="258" r:id="rId3"/>
     <p:sldId id="263" r:id="rId4"/>
-    <p:sldId id="264" r:id="rId5"/>
-    <p:sldId id="265" r:id="rId6"/>
-    <p:sldId id="266" r:id="rId7"/>
-    <p:sldId id="262" r:id="rId8"/>
+    <p:sldId id="267" r:id="rId5"/>
+    <p:sldId id="264" r:id="rId6"/>
+    <p:sldId id="265" r:id="rId7"/>
+    <p:sldId id="266" r:id="rId8"/>
+    <p:sldId id="262" r:id="rId9"/>
   </p:sldIdLst>
   <p:sldSz cx="12192000" cy="6858000"/>
   <p:notesSz cx="6858000" cy="9144000"/>
@@ -3720,8 +3721,8 @@
         </p:nvSpPr>
         <p:spPr>
           <a:xfrm>
-            <a:off x="1875092" y="1693720"/>
-            <a:ext cx="8441819" cy="523220"/>
+            <a:off x="2015868" y="1693720"/>
+            <a:ext cx="8160268" cy="523220"/>
           </a:xfrm>
           <a:prstGeom prst="rect">
             <a:avLst/>
@@ -3737,7 +3738,7 @@
             <a:pPr algn="ctr"/>
             <a:r>
               <a:rPr lang="fr-FR" sz="2800" cap="small" dirty="0"/>
-              <a:t>Décomposition en valeurs singulières randomisée [RSVD]</a:t>
+              <a:t>Décomposition en valeurs singulières randomisée (RSVD)</a:t>
             </a:r>
             <a:endParaRPr lang="en-GB" sz="2800" cap="small" dirty="0"/>
           </a:p>
@@ -3896,7 +3897,7 @@
         <p:spPr>
           <a:xfrm>
             <a:off x="703349" y="2217428"/>
-            <a:ext cx="2936188" cy="2230739"/>
+            <a:ext cx="4167744" cy="2230739"/>
           </a:xfrm>
           <a:prstGeom prst="rect">
             <a:avLst/>
@@ -3930,8 +3931,16 @@
               <a:buChar char="•"/>
             </a:pPr>
             <a:r>
+              <a:rPr lang="fr-FR" dirty="0">
+                <a:solidFill>
+                  <a:srgbClr val="4D85AC"/>
+                </a:solidFill>
+              </a:rPr>
+              <a:t>Réduction</a:t>
+            </a:r>
+            <a:r>
               <a:rPr lang="fr-FR" dirty="0"/>
-              <a:t>Réduction de dimension</a:t>
+              <a:t> de dimension</a:t>
             </a:r>
           </a:p>
           <a:p>
@@ -3957,16 +3966,24 @@
               <a:buChar char="•"/>
             </a:pPr>
             <a:r>
-              <a:rPr lang="fr-FR" i="1" dirty="0" err="1"/>
-              <a:t>σ</a:t>
-            </a:r>
-            <a:r>
-              <a:rPr lang="fr-FR" i="1" baseline="-25000" dirty="0" err="1"/>
-              <a:t>r</a:t>
+              <a:rPr lang="fr-FR" i="1" dirty="0"/>
+              <a:t>Valeurs singulières σ</a:t>
+            </a:r>
+            <a:r>
+              <a:rPr lang="fr-FR" i="1" baseline="-25000" dirty="0"/>
+              <a:t>1, …, m</a:t>
             </a:r>
             <a:r>
               <a:rPr lang="fr-FR" dirty="0"/>
-              <a:t> décroissants</a:t>
+              <a:t> </a:t>
+            </a:r>
+            <a:r>
+              <a:rPr lang="fr-FR" dirty="0">
+                <a:solidFill>
+                  <a:srgbClr val="4D85AC"/>
+                </a:solidFill>
+              </a:rPr>
+              <a:t>décroissantes</a:t>
             </a:r>
           </a:p>
         </p:txBody>
@@ -4926,7 +4943,7 @@
         <p:spPr>
           <a:xfrm>
             <a:off x="703349" y="2217428"/>
-            <a:ext cx="4311501" cy="2784737"/>
+            <a:ext cx="4342214" cy="2784737"/>
           </a:xfrm>
           <a:prstGeom prst="rect">
             <a:avLst/>
@@ -4961,7 +4978,15 @@
             </a:pPr>
             <a:r>
               <a:rPr lang="fr-FR" dirty="0"/>
-              <a:t>Diminution du temps d’exécution</a:t>
+              <a:t>Diminution du </a:t>
+            </a:r>
+            <a:r>
+              <a:rPr lang="fr-FR" dirty="0">
+                <a:solidFill>
+                  <a:srgbClr val="4D85AC"/>
+                </a:solidFill>
+              </a:rPr>
+              <a:t>temps d’exécution</a:t>
             </a:r>
           </a:p>
           <a:p>
@@ -4987,7 +5012,55 @@
             </a:pPr>
             <a:r>
               <a:rPr lang="fr-FR" dirty="0"/>
-              <a:t>Sélection aléatoire de certaines colonnes</a:t>
+              <a:t>Structure de </a:t>
+            </a:r>
+            <a:r>
+              <a:rPr lang="fr-FR" dirty="0">
+                <a:solidFill>
+                  <a:srgbClr val="4D85AC"/>
+                </a:solidFill>
+              </a:rPr>
+              <a:t>bas rang </a:t>
+            </a:r>
+            <a:r>
+              <a:rPr lang="fr-FR" i="1" dirty="0"/>
+              <a:t>r</a:t>
+            </a:r>
+            <a:r>
+              <a:rPr lang="fr-FR" dirty="0"/>
+              <a:t> tel que </a:t>
+            </a:r>
+            <a:r>
+              <a:rPr lang="fr-FR" i="1" dirty="0"/>
+              <a:t>X ≈ </a:t>
+            </a:r>
+            <a:r>
+              <a:rPr lang="fr-FR" i="1" dirty="0" err="1"/>
+              <a:t>U</a:t>
+            </a:r>
+            <a:r>
+              <a:rPr lang="fr-FR" i="1" baseline="-25000" dirty="0" err="1"/>
+              <a:t>r</a:t>
+            </a:r>
+            <a:r>
+              <a:rPr lang="fr-FR" i="1" dirty="0" err="1"/>
+              <a:t>Λ</a:t>
+            </a:r>
+            <a:r>
+              <a:rPr lang="fr-FR" i="1" baseline="-25000" dirty="0" err="1"/>
+              <a:t>r</a:t>
+            </a:r>
+            <a:r>
+              <a:rPr lang="fr-FR" i="1" dirty="0" err="1"/>
+              <a:t>V</a:t>
+            </a:r>
+            <a:r>
+              <a:rPr lang="fr-FR" i="1" baseline="-25000" dirty="0" err="1"/>
+              <a:t>r</a:t>
+            </a:r>
+            <a:r>
+              <a:rPr lang="fr-FR" i="1" dirty="0"/>
+              <a:t>’</a:t>
             </a:r>
           </a:p>
           <a:p>
@@ -5000,7 +5073,23 @@
             </a:pPr>
             <a:r>
               <a:rPr lang="fr-FR" dirty="0"/>
-              <a:t>Projection aléatoire</a:t>
+              <a:t>Projection </a:t>
+            </a:r>
+            <a:r>
+              <a:rPr lang="fr-FR" dirty="0">
+                <a:solidFill>
+                  <a:srgbClr val="4D85AC"/>
+                </a:solidFill>
+              </a:rPr>
+              <a:t>aléatoire</a:t>
+            </a:r>
+            <a:r>
+              <a:rPr lang="fr-FR" dirty="0"/>
+              <a:t> </a:t>
+            </a:r>
+            <a:r>
+              <a:rPr lang="fr-FR" i="1" dirty="0"/>
+              <a:t>P</a:t>
             </a:r>
           </a:p>
         </p:txBody>
@@ -5019,7 +5108,7 @@
 </file>
 
 <file path=ppt/slides/slide4.xml><?xml version="1.0" encoding="utf-8"?>
-<p:sld xmlns:a="http://schemas.openxmlformats.org/drawingml/2006/main" xmlns:r="http://schemas.openxmlformats.org/officeDocument/2006/relationships" xmlns:p="http://schemas.openxmlformats.org/presentationml/2006/main">
+<p:sld xmlns:a="http://schemas.openxmlformats.org/drawingml/2006/main" xmlns:r="http://schemas.openxmlformats.org/officeDocument/2006/relationships" xmlns:p="http://schemas.openxmlformats.org/presentationml/2006/main" show="0">
   <p:cSld>
     <p:spTree>
       <p:nvGrpSpPr>
@@ -5190,7 +5279,7 @@
         <p:spPr>
           <a:xfrm>
             <a:off x="703349" y="1115217"/>
-            <a:ext cx="4852375" cy="523220"/>
+            <a:ext cx="7035729" cy="523220"/>
           </a:xfrm>
           <a:prstGeom prst="rect">
             <a:avLst/>
@@ -5204,30 +5293,10 @@
           <a:lstStyle/>
           <a:p>
             <a:r>
-              <a:rPr lang="fr-FR" sz="2800" i="1" cap="small" dirty="0"/>
-              <a:t>Power </a:t>
-            </a:r>
-            <a:r>
-              <a:rPr lang="fr-FR" sz="2800" i="1" cap="small" dirty="0" err="1"/>
-              <a:t>iterations</a:t>
-            </a:r>
-            <a:r>
-              <a:rPr lang="fr-FR" sz="2800" i="1" cap="small" dirty="0"/>
-              <a:t> </a:t>
-            </a:r>
-            <a:r>
               <a:rPr lang="fr-FR" sz="2800" cap="small" dirty="0"/>
-              <a:t>&amp;</a:t>
-            </a:r>
-            <a:r>
-              <a:rPr lang="fr-FR" sz="2800" i="1" cap="small" dirty="0"/>
-              <a:t> </a:t>
-            </a:r>
-            <a:r>
-              <a:rPr lang="fr-FR" sz="2800" i="1" cap="small" dirty="0" err="1"/>
-              <a:t>oversampling</a:t>
-            </a:r>
-            <a:endParaRPr lang="en-GB" sz="2800" i="1" cap="small" dirty="0"/>
+              <a:t>Décomposition en valeurs singulières randomisée</a:t>
+            </a:r>
+            <a:endParaRPr lang="en-GB" sz="2800" cap="small" dirty="0"/>
           </a:p>
         </p:txBody>
       </p:sp>
@@ -5515,7 +5584,7 @@
           <p:cNvPr id="13" name="ZoneTexte 12">
             <a:extLst>
               <a:ext uri="{FF2B5EF4-FFF2-40B4-BE49-F238E27FC236}">
-                <a16:creationId xmlns:a16="http://schemas.microsoft.com/office/drawing/2014/main" id="{896397AC-DE00-4379-BEED-171FEF64A22A}"/>
+                <a16:creationId xmlns:a16="http://schemas.microsoft.com/office/drawing/2014/main" id="{9C2ABECF-71DE-44B7-A9C8-81767589FCF7}"/>
               </a:ext>
             </a:extLst>
           </p:cNvPr>
@@ -5525,7 +5594,7 @@
         <p:spPr>
           <a:xfrm>
             <a:off x="703349" y="2217428"/>
-            <a:ext cx="6043321" cy="2784737"/>
+            <a:ext cx="2485104" cy="2230739"/>
           </a:xfrm>
           <a:prstGeom prst="rect">
             <a:avLst/>
@@ -5546,29 +5615,24 @@
               <a:buChar char="•"/>
             </a:pPr>
             <a:r>
-              <a:rPr lang="fr-FR" i="1" dirty="0" err="1"/>
-              <a:t>Oversampling</a:t>
-            </a:r>
-            <a:r>
-              <a:rPr lang="fr-FR" i="1" dirty="0"/>
-              <a:t>:</a:t>
+              <a:rPr lang="fr-FR" dirty="0"/>
+              <a:t>Projection </a:t>
+            </a:r>
+            <a:r>
+              <a:rPr lang="fr-FR" dirty="0">
+                <a:solidFill>
+                  <a:srgbClr val="4D85AC"/>
+                </a:solidFill>
+              </a:rPr>
+              <a:t>aléatoire</a:t>
             </a:r>
             <a:r>
               <a:rPr lang="fr-FR" dirty="0"/>
               <a:t> </a:t>
             </a:r>
-          </a:p>
-          <a:p>
-            <a:pPr marL="742950" lvl="1" indent="-285750">
-              <a:lnSpc>
-                <a:spcPct val="200000"/>
-              </a:lnSpc>
-              <a:buFont typeface="Calibri" panose="020F0502020204030204" pitchFamily="34" charset="0"/>
-              <a:buChar char="-"/>
-            </a:pPr>
-            <a:r>
-              <a:rPr lang="fr-FR" dirty="0"/>
-              <a:t>augmentation de la sélection aléatoire des colonnes</a:t>
+            <a:r>
+              <a:rPr lang="fr-FR" i="1" dirty="0"/>
+              <a:t>P</a:t>
             </a:r>
           </a:p>
           <a:p>
@@ -5580,229 +5644,59 @@
               <a:buChar char="•"/>
             </a:pPr>
             <a:r>
+              <a:rPr lang="fr-FR" dirty="0"/>
+              <a:t>Base orthonormée </a:t>
+            </a:r>
+            <a:r>
               <a:rPr lang="fr-FR" i="1" dirty="0"/>
-              <a:t>Power </a:t>
-            </a:r>
-            <a:r>
-              <a:rPr lang="fr-FR" i="1" dirty="0" err="1"/>
-              <a:t>iterations</a:t>
-            </a:r>
-            <a:r>
-              <a:rPr lang="fr-FR" i="1" dirty="0"/>
-              <a:t>:</a:t>
-            </a:r>
-            <a:endParaRPr lang="fr-FR" dirty="0"/>
-          </a:p>
-          <a:p>
-            <a:pPr marL="742950" lvl="1" indent="-285750">
+              <a:t>Q</a:t>
+            </a:r>
+          </a:p>
+          <a:p>
+            <a:pPr marL="285750" indent="-285750">
               <a:lnSpc>
                 <a:spcPct val="200000"/>
               </a:lnSpc>
-              <a:buFont typeface="Calibri" panose="020F0502020204030204" pitchFamily="34" charset="0"/>
-              <a:buChar char="-"/>
+              <a:buFont typeface="Arial" panose="020B0604020202020204" pitchFamily="34" charset="0"/>
+              <a:buChar char="•"/>
             </a:pPr>
             <a:r>
               <a:rPr lang="fr-FR" dirty="0"/>
-              <a:t>Passage de X à la puissance </a:t>
+              <a:t>SVD sur </a:t>
             </a:r>
             <a:r>
               <a:rPr lang="fr-FR" i="1" dirty="0"/>
-              <a:t>q</a:t>
-            </a:r>
-            <a:r>
-              <a:rPr lang="fr-FR" dirty="0"/>
-              <a:t>*</a:t>
-            </a:r>
-          </a:p>
-          <a:p>
-            <a:pPr marL="742950" lvl="1" indent="-285750">
+              <a:t>Y = Q’X</a:t>
+            </a:r>
+          </a:p>
+          <a:p>
+            <a:pPr marL="285750" indent="-285750">
               <a:lnSpc>
                 <a:spcPct val="200000"/>
               </a:lnSpc>
-              <a:buFont typeface="Calibri" panose="020F0502020204030204" pitchFamily="34" charset="0"/>
-              <a:buChar char="-"/>
+              <a:buFont typeface="Arial" panose="020B0604020202020204" pitchFamily="34" charset="0"/>
+              <a:buChar char="•"/>
             </a:pPr>
             <a:r>
-              <a:rPr lang="fr-FR" dirty="0"/>
-              <a:t>Diminution rapide des valeurs singulières [</a:t>
-            </a:r>
-            <a:r>
-              <a:rPr lang="fr-FR" i="1" dirty="0" err="1"/>
-              <a:t>σ</a:t>
-            </a:r>
-            <a:r>
-              <a:rPr lang="fr-FR" i="1" baseline="-25000" dirty="0" err="1"/>
-              <a:t>r</a:t>
-            </a:r>
-            <a:r>
-              <a:rPr lang="fr-FR" dirty="0"/>
-              <a:t>]</a:t>
-            </a:r>
-          </a:p>
-        </p:txBody>
-      </p:sp>
-      <p:sp>
-        <p:nvSpPr>
-          <p:cNvPr id="17" name="ZoneTexte 16">
-            <a:extLst>
-              <a:ext uri="{FF2B5EF4-FFF2-40B4-BE49-F238E27FC236}">
-                <a16:creationId xmlns:a16="http://schemas.microsoft.com/office/drawing/2014/main" id="{3BB206D1-F899-4FDC-BE2E-87B3D2FAB802}"/>
-              </a:ext>
-            </a:extLst>
-          </p:cNvPr>
-          <p:cNvSpPr txBox="1"/>
-          <p:nvPr/>
-        </p:nvSpPr>
-        <p:spPr>
-          <a:xfrm>
-            <a:off x="531084" y="5513831"/>
-            <a:ext cx="1753109" cy="568745"/>
-          </a:xfrm>
-          <a:prstGeom prst="rect">
-            <a:avLst/>
-          </a:prstGeom>
-          <a:noFill/>
-        </p:spPr>
-        <p:txBody>
-          <a:bodyPr wrap="none" rtlCol="0">
-            <a:spAutoFit/>
-          </a:bodyPr>
-          <a:lstStyle/>
-          <a:p>
-            <a:pPr>
-              <a:lnSpc>
-                <a:spcPct val="200000"/>
-              </a:lnSpc>
-            </a:pPr>
-            <a:r>
-              <a:rPr lang="fr-FR" dirty="0"/>
-              <a:t>*</a:t>
-            </a:r>
-            <a:r>
-              <a:rPr lang="fr-FR" sz="1400" dirty="0"/>
-              <a:t>nombre d’itérations</a:t>
+              <a:rPr lang="fr-FR" i="1" dirty="0"/>
+              <a:t>X = U</a:t>
+            </a:r>
+            <a:r>
+              <a:rPr lang="fr-FR" i="1" baseline="-25000" dirty="0"/>
+              <a:t>Y</a:t>
+            </a:r>
+            <a:r>
+              <a:rPr lang="fr-FR" i="1" dirty="0"/>
+              <a:t>ΛV’</a:t>
             </a:r>
             <a:endParaRPr lang="fr-FR" dirty="0"/>
           </a:p>
         </p:txBody>
       </p:sp>
-      <p:sp>
-        <p:nvSpPr>
-          <p:cNvPr id="20" name="ZoneTexte 19">
-            <a:extLst>
-              <a:ext uri="{FF2B5EF4-FFF2-40B4-BE49-F238E27FC236}">
-                <a16:creationId xmlns:a16="http://schemas.microsoft.com/office/drawing/2014/main" id="{336FF534-D553-44F6-B3FF-F507F1F0CEDE}"/>
-              </a:ext>
-            </a:extLst>
-          </p:cNvPr>
-          <p:cNvSpPr txBox="1"/>
-          <p:nvPr/>
-        </p:nvSpPr>
-        <p:spPr>
-          <a:xfrm>
-            <a:off x="8015367" y="2286357"/>
-            <a:ext cx="3601246" cy="1323439"/>
-          </a:xfrm>
-          <a:prstGeom prst="rect">
-            <a:avLst/>
-          </a:prstGeom>
-          <a:noFill/>
-        </p:spPr>
-        <p:txBody>
-          <a:bodyPr wrap="square" rtlCol="0">
-            <a:spAutoFit/>
-          </a:bodyPr>
-          <a:lstStyle/>
-          <a:p>
-            <a:pPr>
-              <a:lnSpc>
-                <a:spcPct val="200000"/>
-              </a:lnSpc>
-            </a:pPr>
-            <a:r>
-              <a:rPr lang="fr-FR" sz="1400" dirty="0">
-                <a:latin typeface="Consolas" panose="020B0609020204030204" pitchFamily="49" charset="0"/>
-              </a:rPr>
-              <a:t>[inclure un graphique des valeurs de </a:t>
-            </a:r>
-            <a:r>
-              <a:rPr lang="fr-FR" sz="1400" i="1" dirty="0" err="1"/>
-              <a:t>σ</a:t>
-            </a:r>
-            <a:r>
-              <a:rPr lang="fr-FR" sz="1400" i="1" baseline="-25000" dirty="0" err="1"/>
-              <a:t>r</a:t>
-            </a:r>
-            <a:r>
-              <a:rPr lang="fr-FR" sz="1400" dirty="0">
-                <a:latin typeface="Consolas" panose="020B0609020204030204" pitchFamily="49" charset="0"/>
-              </a:rPr>
-              <a:t> selon les </a:t>
-            </a:r>
-            <a:r>
-              <a:rPr lang="fr-FR" sz="1400" i="1" dirty="0">
-                <a:latin typeface="Consolas" panose="020B0609020204030204" pitchFamily="49" charset="0"/>
-              </a:rPr>
-              <a:t>power </a:t>
-            </a:r>
-            <a:r>
-              <a:rPr lang="fr-FR" sz="1400" i="1" dirty="0" err="1">
-                <a:latin typeface="Consolas" panose="020B0609020204030204" pitchFamily="49" charset="0"/>
-              </a:rPr>
-              <a:t>iterations</a:t>
-            </a:r>
-            <a:r>
-              <a:rPr lang="fr-FR" sz="1400" i="1" dirty="0">
-                <a:latin typeface="Consolas" panose="020B0609020204030204" pitchFamily="49" charset="0"/>
-              </a:rPr>
-              <a:t> </a:t>
-            </a:r>
-            <a:r>
-              <a:rPr lang="fr-FR" sz="1400" dirty="0">
-                <a:latin typeface="Consolas" panose="020B0609020204030204" pitchFamily="49" charset="0"/>
-              </a:rPr>
-              <a:t>comme celui ci-dessous]</a:t>
-            </a:r>
-            <a:endParaRPr lang="fr-FR" dirty="0">
-              <a:latin typeface="Consolas" panose="020B0609020204030204" pitchFamily="49" charset="0"/>
-            </a:endParaRPr>
-          </a:p>
-        </p:txBody>
-      </p:sp>
-      <p:pic>
-        <p:nvPicPr>
-          <p:cNvPr id="5" name="Image 4">
-            <a:extLst>
-              <a:ext uri="{FF2B5EF4-FFF2-40B4-BE49-F238E27FC236}">
-                <a16:creationId xmlns:a16="http://schemas.microsoft.com/office/drawing/2014/main" id="{7616E552-FC34-4A98-80E9-346C8BA69E28}"/>
-              </a:ext>
-            </a:extLst>
-          </p:cNvPr>
-          <p:cNvPicPr>
-            <a:picLocks noChangeAspect="1"/>
-          </p:cNvPicPr>
-          <p:nvPr/>
-        </p:nvPicPr>
-        <p:blipFill>
-          <a:blip r:embed="rId3"/>
-          <a:stretch>
-            <a:fillRect/>
-          </a:stretch>
-        </p:blipFill>
-        <p:spPr>
-          <a:xfrm>
-            <a:off x="8466161" y="3760446"/>
-            <a:ext cx="2699657" cy="1753385"/>
-          </a:xfrm>
-          <a:prstGeom prst="rect">
-            <a:avLst/>
-          </a:prstGeom>
-        </p:spPr>
-      </p:pic>
     </p:spTree>
     <p:extLst>
       <p:ext uri="{BB962C8B-B14F-4D97-AF65-F5344CB8AC3E}">
-        <p14:creationId xmlns:p14="http://schemas.microsoft.com/office/powerpoint/2010/main" val="1450449404"/>
+        <p14:creationId xmlns:p14="http://schemas.microsoft.com/office/powerpoint/2010/main" val="519947722"/>
       </p:ext>
     </p:extLst>
   </p:cSld>
@@ -5984,7 +5878,7 @@
         <p:spPr>
           <a:xfrm>
             <a:off x="703349" y="1115217"/>
-            <a:ext cx="4117751" cy="523220"/>
+            <a:ext cx="4852375" cy="523220"/>
           </a:xfrm>
           <a:prstGeom prst="rect">
             <a:avLst/>
@@ -5998,10 +5892,30 @@
           <a:lstStyle/>
           <a:p>
             <a:r>
+              <a:rPr lang="fr-FR" sz="2800" i="1" cap="small" dirty="0"/>
+              <a:t>Power </a:t>
+            </a:r>
+            <a:r>
+              <a:rPr lang="fr-FR" sz="2800" i="1" cap="small" dirty="0" err="1"/>
+              <a:t>iterations</a:t>
+            </a:r>
+            <a:r>
+              <a:rPr lang="fr-FR" sz="2800" i="1" cap="small" dirty="0"/>
+              <a:t> </a:t>
+            </a:r>
+            <a:r>
               <a:rPr lang="fr-FR" sz="2800" cap="small" dirty="0"/>
-              <a:t>Exemple d’application avec R</a:t>
-            </a:r>
-            <a:endParaRPr lang="en-GB" sz="2800" cap="small" dirty="0"/>
+              <a:t>&amp;</a:t>
+            </a:r>
+            <a:r>
+              <a:rPr lang="fr-FR" sz="2800" i="1" cap="small" dirty="0"/>
+              <a:t> </a:t>
+            </a:r>
+            <a:r>
+              <a:rPr lang="fr-FR" sz="2800" i="1" cap="small" dirty="0" err="1"/>
+              <a:t>oversampling</a:t>
+            </a:r>
+            <a:endParaRPr lang="en-GB" sz="2800" i="1" cap="small" dirty="0"/>
           </a:p>
         </p:txBody>
       </p:sp>
@@ -6122,6 +6036,773 @@
               </a:rPr>
               <a:pPr algn="ctr"/>
               <a:t>5</a:t>
+            </a:fld>
+            <a:endParaRPr lang="en-GB" dirty="0">
+              <a:solidFill>
+                <a:schemeClr val="bg1"/>
+              </a:solidFill>
+            </a:endParaRPr>
+          </a:p>
+        </p:txBody>
+      </p:sp>
+      <p:grpSp>
+        <p:nvGrpSpPr>
+          <p:cNvPr id="3" name="Groupe 2">
+            <a:extLst>
+              <a:ext uri="{FF2B5EF4-FFF2-40B4-BE49-F238E27FC236}">
+                <a16:creationId xmlns:a16="http://schemas.microsoft.com/office/drawing/2014/main" id="{EB45EAAE-26DA-4EA7-8000-1975055BD7AF}"/>
+              </a:ext>
+            </a:extLst>
+          </p:cNvPr>
+          <p:cNvGrpSpPr/>
+          <p:nvPr/>
+        </p:nvGrpSpPr>
+        <p:grpSpPr>
+          <a:xfrm>
+            <a:off x="703349" y="36065"/>
+            <a:ext cx="9367707" cy="407195"/>
+            <a:chOff x="703349" y="36065"/>
+            <a:chExt cx="9367707" cy="407195"/>
+          </a:xfrm>
+        </p:grpSpPr>
+        <p:sp>
+          <p:nvSpPr>
+            <p:cNvPr id="16" name="ZoneTexte 15">
+              <a:extLst>
+                <a:ext uri="{FF2B5EF4-FFF2-40B4-BE49-F238E27FC236}">
+                  <a16:creationId xmlns:a16="http://schemas.microsoft.com/office/drawing/2014/main" id="{046AC462-364F-4722-BF37-AD8D8B83DC4C}"/>
+                </a:ext>
+              </a:extLst>
+            </p:cNvPr>
+            <p:cNvSpPr txBox="1"/>
+            <p:nvPr/>
+          </p:nvSpPr>
+          <p:spPr>
+            <a:xfrm>
+              <a:off x="703349" y="43150"/>
+              <a:ext cx="1414041" cy="400110"/>
+            </a:xfrm>
+            <a:prstGeom prst="rect">
+              <a:avLst/>
+            </a:prstGeom>
+            <a:noFill/>
+          </p:spPr>
+          <p:txBody>
+            <a:bodyPr wrap="none" rtlCol="0" anchor="ctr">
+              <a:spAutoFit/>
+            </a:bodyPr>
+            <a:lstStyle/>
+            <a:p>
+              <a:r>
+                <a:rPr lang="fr-FR" sz="2000" cap="small" dirty="0">
+                  <a:solidFill>
+                    <a:schemeClr val="bg1"/>
+                  </a:solidFill>
+                </a:rPr>
+                <a:t>Rappels SVD</a:t>
+              </a:r>
+              <a:endParaRPr lang="en-GB" sz="2000" cap="small" dirty="0">
+                <a:solidFill>
+                  <a:schemeClr val="bg1"/>
+                </a:solidFill>
+              </a:endParaRPr>
+            </a:p>
+          </p:txBody>
+        </p:sp>
+        <p:sp>
+          <p:nvSpPr>
+            <p:cNvPr id="18" name="ZoneTexte 17">
+              <a:extLst>
+                <a:ext uri="{FF2B5EF4-FFF2-40B4-BE49-F238E27FC236}">
+                  <a16:creationId xmlns:a16="http://schemas.microsoft.com/office/drawing/2014/main" id="{BEBFFE04-CCBB-4D5C-BC6E-4D87085243AF}"/>
+                </a:ext>
+              </a:extLst>
+            </p:cNvPr>
+            <p:cNvSpPr txBox="1"/>
+            <p:nvPr/>
+          </p:nvSpPr>
+          <p:spPr>
+            <a:xfrm>
+              <a:off x="8870086" y="53890"/>
+              <a:ext cx="1200970" cy="369332"/>
+            </a:xfrm>
+            <a:prstGeom prst="rect">
+              <a:avLst/>
+            </a:prstGeom>
+            <a:noFill/>
+          </p:spPr>
+          <p:txBody>
+            <a:bodyPr wrap="none" rtlCol="0" anchor="ctr">
+              <a:spAutoFit/>
+            </a:bodyPr>
+            <a:lstStyle/>
+            <a:p>
+              <a:r>
+                <a:rPr lang="fr-FR" cap="small" dirty="0">
+                  <a:solidFill>
+                    <a:schemeClr val="bg1"/>
+                  </a:solidFill>
+                </a:rPr>
+                <a:t>Application</a:t>
+              </a:r>
+              <a:endParaRPr lang="en-GB" cap="small" dirty="0">
+                <a:solidFill>
+                  <a:schemeClr val="bg1"/>
+                </a:solidFill>
+              </a:endParaRPr>
+            </a:p>
+          </p:txBody>
+        </p:sp>
+        <p:sp>
+          <p:nvSpPr>
+            <p:cNvPr id="21" name="ZoneTexte 20">
+              <a:extLst>
+                <a:ext uri="{FF2B5EF4-FFF2-40B4-BE49-F238E27FC236}">
+                  <a16:creationId xmlns:a16="http://schemas.microsoft.com/office/drawing/2014/main" id="{D46C29AE-FDB1-4981-92EE-4A7ED0621DC7}"/>
+                </a:ext>
+              </a:extLst>
+            </p:cNvPr>
+            <p:cNvSpPr txBox="1"/>
+            <p:nvPr/>
+          </p:nvSpPr>
+          <p:spPr>
+            <a:xfrm>
+              <a:off x="5151240" y="36065"/>
+              <a:ext cx="759823" cy="400110"/>
+            </a:xfrm>
+            <a:prstGeom prst="rect">
+              <a:avLst/>
+            </a:prstGeom>
+            <a:noFill/>
+          </p:spPr>
+          <p:txBody>
+            <a:bodyPr wrap="none" rtlCol="0" anchor="ctr">
+              <a:spAutoFit/>
+            </a:bodyPr>
+            <a:lstStyle/>
+            <a:p>
+              <a:r>
+                <a:rPr lang="fr-FR" sz="2000" b="1" cap="small" dirty="0">
+                  <a:solidFill>
+                    <a:schemeClr val="bg1"/>
+                  </a:solidFill>
+                </a:rPr>
+                <a:t>RSVD</a:t>
+              </a:r>
+              <a:endParaRPr lang="en-GB" sz="2000" b="1" cap="small" dirty="0">
+                <a:solidFill>
+                  <a:schemeClr val="bg1"/>
+                </a:solidFill>
+              </a:endParaRPr>
+            </a:p>
+          </p:txBody>
+        </p:sp>
+      </p:grpSp>
+      <p:sp>
+        <p:nvSpPr>
+          <p:cNvPr id="13" name="ZoneTexte 12">
+            <a:extLst>
+              <a:ext uri="{FF2B5EF4-FFF2-40B4-BE49-F238E27FC236}">
+                <a16:creationId xmlns:a16="http://schemas.microsoft.com/office/drawing/2014/main" id="{896397AC-DE00-4379-BEED-171FEF64A22A}"/>
+              </a:ext>
+            </a:extLst>
+          </p:cNvPr>
+          <p:cNvSpPr txBox="1"/>
+          <p:nvPr/>
+        </p:nvSpPr>
+        <p:spPr>
+          <a:xfrm>
+            <a:off x="703349" y="2217428"/>
+            <a:ext cx="6043321" cy="2784737"/>
+          </a:xfrm>
+          <a:prstGeom prst="rect">
+            <a:avLst/>
+          </a:prstGeom>
+          <a:noFill/>
+        </p:spPr>
+        <p:txBody>
+          <a:bodyPr wrap="none" rtlCol="0">
+            <a:spAutoFit/>
+          </a:bodyPr>
+          <a:lstStyle/>
+          <a:p>
+            <a:pPr marL="285750" indent="-285750">
+              <a:lnSpc>
+                <a:spcPct val="200000"/>
+              </a:lnSpc>
+              <a:buFont typeface="Arial" panose="020B0604020202020204" pitchFamily="34" charset="0"/>
+              <a:buChar char="•"/>
+            </a:pPr>
+            <a:r>
+              <a:rPr lang="fr-FR" i="1" dirty="0" err="1"/>
+              <a:t>Oversampling</a:t>
+            </a:r>
+            <a:r>
+              <a:rPr lang="fr-FR" i="1" dirty="0"/>
+              <a:t>:</a:t>
+            </a:r>
+            <a:r>
+              <a:rPr lang="fr-FR" dirty="0"/>
+              <a:t> </a:t>
+            </a:r>
+          </a:p>
+          <a:p>
+            <a:pPr marL="742950" lvl="1" indent="-285750">
+              <a:lnSpc>
+                <a:spcPct val="200000"/>
+              </a:lnSpc>
+              <a:buFont typeface="Calibri" panose="020F0502020204030204" pitchFamily="34" charset="0"/>
+              <a:buChar char="-"/>
+            </a:pPr>
+            <a:r>
+              <a:rPr lang="fr-FR" dirty="0"/>
+              <a:t>augmentation de la sélection aléatoire des colonnes</a:t>
+            </a:r>
+          </a:p>
+          <a:p>
+            <a:pPr marL="285750" indent="-285750">
+              <a:lnSpc>
+                <a:spcPct val="200000"/>
+              </a:lnSpc>
+              <a:buFont typeface="Arial" panose="020B0604020202020204" pitchFamily="34" charset="0"/>
+              <a:buChar char="•"/>
+            </a:pPr>
+            <a:r>
+              <a:rPr lang="fr-FR" i="1" dirty="0"/>
+              <a:t>Power </a:t>
+            </a:r>
+            <a:r>
+              <a:rPr lang="fr-FR" i="1" dirty="0" err="1"/>
+              <a:t>iterations</a:t>
+            </a:r>
+            <a:r>
+              <a:rPr lang="fr-FR" i="1" dirty="0"/>
+              <a:t>:</a:t>
+            </a:r>
+            <a:endParaRPr lang="fr-FR" dirty="0"/>
+          </a:p>
+          <a:p>
+            <a:pPr marL="742950" lvl="1" indent="-285750">
+              <a:lnSpc>
+                <a:spcPct val="200000"/>
+              </a:lnSpc>
+              <a:buFont typeface="Calibri" panose="020F0502020204030204" pitchFamily="34" charset="0"/>
+              <a:buChar char="-"/>
+            </a:pPr>
+            <a:r>
+              <a:rPr lang="fr-FR" dirty="0"/>
+              <a:t>Passage de X à la puissance </a:t>
+            </a:r>
+            <a:r>
+              <a:rPr lang="fr-FR" i="1" dirty="0"/>
+              <a:t>q</a:t>
+            </a:r>
+            <a:r>
+              <a:rPr lang="fr-FR" dirty="0"/>
+              <a:t>*</a:t>
+            </a:r>
+          </a:p>
+          <a:p>
+            <a:pPr marL="742950" lvl="1" indent="-285750">
+              <a:lnSpc>
+                <a:spcPct val="200000"/>
+              </a:lnSpc>
+              <a:buFont typeface="Calibri" panose="020F0502020204030204" pitchFamily="34" charset="0"/>
+              <a:buChar char="-"/>
+            </a:pPr>
+            <a:r>
+              <a:rPr lang="fr-FR" dirty="0"/>
+              <a:t>Diminution rapide des valeurs singulières </a:t>
+            </a:r>
+            <a:r>
+              <a:rPr lang="fr-FR" i="1" dirty="0"/>
+              <a:t>σ</a:t>
+            </a:r>
+            <a:r>
+              <a:rPr lang="fr-FR" i="1" baseline="-25000" dirty="0"/>
+              <a:t>1, …, r</a:t>
+            </a:r>
+            <a:endParaRPr lang="fr-FR" baseline="-25000" dirty="0"/>
+          </a:p>
+        </p:txBody>
+      </p:sp>
+      <p:sp>
+        <p:nvSpPr>
+          <p:cNvPr id="17" name="ZoneTexte 16">
+            <a:extLst>
+              <a:ext uri="{FF2B5EF4-FFF2-40B4-BE49-F238E27FC236}">
+                <a16:creationId xmlns:a16="http://schemas.microsoft.com/office/drawing/2014/main" id="{3BB206D1-F899-4FDC-BE2E-87B3D2FAB802}"/>
+              </a:ext>
+            </a:extLst>
+          </p:cNvPr>
+          <p:cNvSpPr txBox="1"/>
+          <p:nvPr/>
+        </p:nvSpPr>
+        <p:spPr>
+          <a:xfrm>
+            <a:off x="531084" y="5513831"/>
+            <a:ext cx="1753109" cy="568745"/>
+          </a:xfrm>
+          <a:prstGeom prst="rect">
+            <a:avLst/>
+          </a:prstGeom>
+          <a:noFill/>
+        </p:spPr>
+        <p:txBody>
+          <a:bodyPr wrap="none" rtlCol="0">
+            <a:spAutoFit/>
+          </a:bodyPr>
+          <a:lstStyle/>
+          <a:p>
+            <a:pPr>
+              <a:lnSpc>
+                <a:spcPct val="200000"/>
+              </a:lnSpc>
+            </a:pPr>
+            <a:r>
+              <a:rPr lang="fr-FR" dirty="0"/>
+              <a:t>*</a:t>
+            </a:r>
+            <a:r>
+              <a:rPr lang="fr-FR" sz="1400" dirty="0"/>
+              <a:t>nombre d’itérations</a:t>
+            </a:r>
+            <a:endParaRPr lang="fr-FR" dirty="0"/>
+          </a:p>
+        </p:txBody>
+      </p:sp>
+      <p:sp>
+        <p:nvSpPr>
+          <p:cNvPr id="20" name="ZoneTexte 19">
+            <a:extLst>
+              <a:ext uri="{FF2B5EF4-FFF2-40B4-BE49-F238E27FC236}">
+                <a16:creationId xmlns:a16="http://schemas.microsoft.com/office/drawing/2014/main" id="{336FF534-D553-44F6-B3FF-F507F1F0CEDE}"/>
+              </a:ext>
+            </a:extLst>
+          </p:cNvPr>
+          <p:cNvSpPr txBox="1"/>
+          <p:nvPr/>
+        </p:nvSpPr>
+        <p:spPr>
+          <a:xfrm>
+            <a:off x="8015367" y="2286357"/>
+            <a:ext cx="3601246" cy="1323439"/>
+          </a:xfrm>
+          <a:prstGeom prst="rect">
+            <a:avLst/>
+          </a:prstGeom>
+          <a:noFill/>
+        </p:spPr>
+        <p:txBody>
+          <a:bodyPr wrap="square" rtlCol="0">
+            <a:spAutoFit/>
+          </a:bodyPr>
+          <a:lstStyle/>
+          <a:p>
+            <a:pPr>
+              <a:lnSpc>
+                <a:spcPct val="200000"/>
+              </a:lnSpc>
+            </a:pPr>
+            <a:r>
+              <a:rPr lang="fr-FR" sz="1400" dirty="0">
+                <a:latin typeface="Consolas" panose="020B0609020204030204" pitchFamily="49" charset="0"/>
+              </a:rPr>
+              <a:t>[inclure un graphique des valeurs des </a:t>
+            </a:r>
+            <a:r>
+              <a:rPr lang="fr-FR" sz="1400" i="1" dirty="0"/>
+              <a:t>σ</a:t>
+            </a:r>
+            <a:r>
+              <a:rPr lang="fr-FR" sz="1400" dirty="0">
+                <a:latin typeface="Consolas" panose="020B0609020204030204" pitchFamily="49" charset="0"/>
+              </a:rPr>
+              <a:t> selon les </a:t>
+            </a:r>
+            <a:r>
+              <a:rPr lang="fr-FR" sz="1400" i="1" dirty="0">
+                <a:latin typeface="Consolas" panose="020B0609020204030204" pitchFamily="49" charset="0"/>
+              </a:rPr>
+              <a:t>power </a:t>
+            </a:r>
+            <a:r>
+              <a:rPr lang="fr-FR" sz="1400" i="1" dirty="0" err="1">
+                <a:latin typeface="Consolas" panose="020B0609020204030204" pitchFamily="49" charset="0"/>
+              </a:rPr>
+              <a:t>iterations</a:t>
+            </a:r>
+            <a:r>
+              <a:rPr lang="fr-FR" sz="1400" i="1" dirty="0">
+                <a:latin typeface="Consolas" panose="020B0609020204030204" pitchFamily="49" charset="0"/>
+              </a:rPr>
+              <a:t> </a:t>
+            </a:r>
+            <a:r>
+              <a:rPr lang="fr-FR" sz="1400" dirty="0">
+                <a:latin typeface="Consolas" panose="020B0609020204030204" pitchFamily="49" charset="0"/>
+              </a:rPr>
+              <a:t>comme celui ci-dessous]</a:t>
+            </a:r>
+            <a:endParaRPr lang="fr-FR" dirty="0">
+              <a:latin typeface="Consolas" panose="020B0609020204030204" pitchFamily="49" charset="0"/>
+            </a:endParaRPr>
+          </a:p>
+        </p:txBody>
+      </p:sp>
+      <p:pic>
+        <p:nvPicPr>
+          <p:cNvPr id="5" name="Image 4">
+            <a:extLst>
+              <a:ext uri="{FF2B5EF4-FFF2-40B4-BE49-F238E27FC236}">
+                <a16:creationId xmlns:a16="http://schemas.microsoft.com/office/drawing/2014/main" id="{7616E552-FC34-4A98-80E9-346C8BA69E28}"/>
+              </a:ext>
+            </a:extLst>
+          </p:cNvPr>
+          <p:cNvPicPr>
+            <a:picLocks noChangeAspect="1"/>
+          </p:cNvPicPr>
+          <p:nvPr/>
+        </p:nvPicPr>
+        <p:blipFill>
+          <a:blip r:embed="rId3"/>
+          <a:stretch>
+            <a:fillRect/>
+          </a:stretch>
+        </p:blipFill>
+        <p:spPr>
+          <a:xfrm>
+            <a:off x="8466161" y="3760446"/>
+            <a:ext cx="2699657" cy="1753385"/>
+          </a:xfrm>
+          <a:prstGeom prst="rect">
+            <a:avLst/>
+          </a:prstGeom>
+        </p:spPr>
+      </p:pic>
+    </p:spTree>
+    <p:extLst>
+      <p:ext uri="{BB962C8B-B14F-4D97-AF65-F5344CB8AC3E}">
+        <p14:creationId xmlns:p14="http://schemas.microsoft.com/office/powerpoint/2010/main" val="1450449404"/>
+      </p:ext>
+    </p:extLst>
+  </p:cSld>
+  <p:clrMapOvr>
+    <a:masterClrMapping/>
+  </p:clrMapOvr>
+</p:sld>
+</file>
+
+<file path=ppt/slides/slide6.xml><?xml version="1.0" encoding="utf-8"?>
+<p:sld xmlns:a="http://schemas.openxmlformats.org/drawingml/2006/main" xmlns:r="http://schemas.openxmlformats.org/officeDocument/2006/relationships" xmlns:p="http://schemas.openxmlformats.org/presentationml/2006/main">
+  <p:cSld>
+    <p:spTree>
+      <p:nvGrpSpPr>
+        <p:cNvPr id="1" name=""/>
+        <p:cNvGrpSpPr/>
+        <p:nvPr/>
+      </p:nvGrpSpPr>
+      <p:grpSpPr>
+        <a:xfrm>
+          <a:off x="0" y="0"/>
+          <a:ext cx="0" cy="0"/>
+          <a:chOff x="0" y="0"/>
+          <a:chExt cx="0" cy="0"/>
+        </a:xfrm>
+      </p:grpSpPr>
+      <p:sp>
+        <p:nvSpPr>
+          <p:cNvPr id="15" name="Rectangle 14">
+            <a:extLst>
+              <a:ext uri="{FF2B5EF4-FFF2-40B4-BE49-F238E27FC236}">
+                <a16:creationId xmlns:a16="http://schemas.microsoft.com/office/drawing/2014/main" id="{FB6ABF2A-B7AA-45B0-8C9F-7C33BE107750}"/>
+              </a:ext>
+            </a:extLst>
+          </p:cNvPr>
+          <p:cNvSpPr/>
+          <p:nvPr/>
+        </p:nvSpPr>
+        <p:spPr>
+          <a:xfrm>
+            <a:off x="-1" y="-55983"/>
+            <a:ext cx="12192000" cy="584206"/>
+          </a:xfrm>
+          <a:prstGeom prst="rect">
+            <a:avLst/>
+          </a:prstGeom>
+          <a:solidFill>
+            <a:srgbClr val="4D85AC"/>
+          </a:solidFill>
+          <a:ln>
+            <a:noFill/>
+          </a:ln>
+        </p:spPr>
+        <p:style>
+          <a:lnRef idx="2">
+            <a:schemeClr val="accent1">
+              <a:shade val="50000"/>
+            </a:schemeClr>
+          </a:lnRef>
+          <a:fillRef idx="1">
+            <a:schemeClr val="accent1"/>
+          </a:fillRef>
+          <a:effectRef idx="0">
+            <a:schemeClr val="accent1"/>
+          </a:effectRef>
+          <a:fontRef idx="minor">
+            <a:schemeClr val="lt1"/>
+          </a:fontRef>
+        </p:style>
+        <p:txBody>
+          <a:bodyPr rtlCol="0" anchor="ctr"/>
+          <a:lstStyle/>
+          <a:p>
+            <a:pPr algn="ctr"/>
+            <a:endParaRPr lang="en-GB" dirty="0"/>
+          </a:p>
+        </p:txBody>
+      </p:sp>
+      <p:sp>
+        <p:nvSpPr>
+          <p:cNvPr id="14" name="Rectangle 13">
+            <a:extLst>
+              <a:ext uri="{FF2B5EF4-FFF2-40B4-BE49-F238E27FC236}">
+                <a16:creationId xmlns:a16="http://schemas.microsoft.com/office/drawing/2014/main" id="{5991AE03-D881-4210-BE5E-68F6A9313743}"/>
+              </a:ext>
+            </a:extLst>
+          </p:cNvPr>
+          <p:cNvSpPr/>
+          <p:nvPr/>
+        </p:nvSpPr>
+        <p:spPr>
+          <a:xfrm>
+            <a:off x="-1" y="6273793"/>
+            <a:ext cx="12192000" cy="584206"/>
+          </a:xfrm>
+          <a:prstGeom prst="rect">
+            <a:avLst/>
+          </a:prstGeom>
+          <a:solidFill>
+            <a:srgbClr val="4D85AC"/>
+          </a:solidFill>
+          <a:ln>
+            <a:noFill/>
+          </a:ln>
+        </p:spPr>
+        <p:style>
+          <a:lnRef idx="2">
+            <a:schemeClr val="accent1">
+              <a:shade val="50000"/>
+            </a:schemeClr>
+          </a:lnRef>
+          <a:fillRef idx="1">
+            <a:schemeClr val="accent1"/>
+          </a:fillRef>
+          <a:effectRef idx="0">
+            <a:schemeClr val="accent1"/>
+          </a:effectRef>
+          <a:fontRef idx="minor">
+            <a:schemeClr val="lt1"/>
+          </a:fontRef>
+        </p:style>
+        <p:txBody>
+          <a:bodyPr rtlCol="0" anchor="ctr"/>
+          <a:lstStyle/>
+          <a:p>
+            <a:pPr algn="ctr"/>
+            <a:endParaRPr lang="en-GB"/>
+          </a:p>
+        </p:txBody>
+      </p:sp>
+      <p:pic>
+        <p:nvPicPr>
+          <p:cNvPr id="8" name="Image 7">
+            <a:extLst>
+              <a:ext uri="{FF2B5EF4-FFF2-40B4-BE49-F238E27FC236}">
+                <a16:creationId xmlns:a16="http://schemas.microsoft.com/office/drawing/2014/main" id="{EA38C521-6413-42B9-81AD-887DF5B7AB72}"/>
+              </a:ext>
+            </a:extLst>
+          </p:cNvPr>
+          <p:cNvPicPr>
+            <a:picLocks noChangeAspect="1"/>
+          </p:cNvPicPr>
+          <p:nvPr/>
+        </p:nvPicPr>
+        <p:blipFill>
+          <a:blip r:embed="rId2">
+            <a:extLst>
+              <a:ext uri="{28A0092B-C50C-407E-A947-70E740481C1C}">
+                <a14:useLocalDpi xmlns:a14="http://schemas.microsoft.com/office/drawing/2010/main" val="0"/>
+              </a:ext>
+            </a:extLst>
+          </a:blip>
+          <a:stretch>
+            <a:fillRect/>
+          </a:stretch>
+        </p:blipFill>
+        <p:spPr>
+          <a:xfrm>
+            <a:off x="9470571" y="6273793"/>
+            <a:ext cx="2721429" cy="584206"/>
+          </a:xfrm>
+          <a:prstGeom prst="rect">
+            <a:avLst/>
+          </a:prstGeom>
+        </p:spPr>
+      </p:pic>
+      <p:sp>
+        <p:nvSpPr>
+          <p:cNvPr id="7" name="ZoneTexte 6">
+            <a:extLst>
+              <a:ext uri="{FF2B5EF4-FFF2-40B4-BE49-F238E27FC236}">
+                <a16:creationId xmlns:a16="http://schemas.microsoft.com/office/drawing/2014/main" id="{2EAE0A08-311A-4426-B5FD-5CEEE4A02870}"/>
+              </a:ext>
+            </a:extLst>
+          </p:cNvPr>
+          <p:cNvSpPr txBox="1"/>
+          <p:nvPr/>
+        </p:nvSpPr>
+        <p:spPr>
+          <a:xfrm>
+            <a:off x="703349" y="1115217"/>
+            <a:ext cx="4117751" cy="523220"/>
+          </a:xfrm>
+          <a:prstGeom prst="rect">
+            <a:avLst/>
+          </a:prstGeom>
+          <a:noFill/>
+        </p:spPr>
+        <p:txBody>
+          <a:bodyPr wrap="none" rIns="90000" rtlCol="0">
+            <a:spAutoFit/>
+          </a:bodyPr>
+          <a:lstStyle/>
+          <a:p>
+            <a:r>
+              <a:rPr lang="fr-FR" sz="2800" cap="small" dirty="0"/>
+              <a:t>Exemple d’application avec R</a:t>
+            </a:r>
+            <a:endParaRPr lang="en-GB" sz="2800" cap="small" dirty="0"/>
+          </a:p>
+        </p:txBody>
+      </p:sp>
+      <p:sp>
+        <p:nvSpPr>
+          <p:cNvPr id="9" name="ZoneTexte 8">
+            <a:extLst>
+              <a:ext uri="{FF2B5EF4-FFF2-40B4-BE49-F238E27FC236}">
+                <a16:creationId xmlns:a16="http://schemas.microsoft.com/office/drawing/2014/main" id="{1A3B7EF4-3554-48F7-9FCF-E91B9877C9B2}"/>
+              </a:ext>
+            </a:extLst>
+          </p:cNvPr>
+          <p:cNvSpPr txBox="1"/>
+          <p:nvPr/>
+        </p:nvSpPr>
+        <p:spPr>
+          <a:xfrm>
+            <a:off x="5154385" y="6396619"/>
+            <a:ext cx="1883229" cy="338554"/>
+          </a:xfrm>
+          <a:prstGeom prst="rect">
+            <a:avLst/>
+          </a:prstGeom>
+          <a:noFill/>
+        </p:spPr>
+        <p:txBody>
+          <a:bodyPr wrap="none" rIns="90000" rtlCol="0">
+            <a:spAutoFit/>
+          </a:bodyPr>
+          <a:lstStyle/>
+          <a:p>
+            <a:pPr algn="ctr"/>
+            <a:r>
+              <a:rPr lang="fr-FR" sz="1600" dirty="0">
+                <a:solidFill>
+                  <a:schemeClr val="bg1"/>
+                </a:solidFill>
+              </a:rPr>
+              <a:t>mercredi 27 octobre</a:t>
+            </a:r>
+          </a:p>
+        </p:txBody>
+      </p:sp>
+      <p:sp>
+        <p:nvSpPr>
+          <p:cNvPr id="10" name="ZoneTexte 9">
+            <a:extLst>
+              <a:ext uri="{FF2B5EF4-FFF2-40B4-BE49-F238E27FC236}">
+                <a16:creationId xmlns:a16="http://schemas.microsoft.com/office/drawing/2014/main" id="{07B48EFA-38D7-4F9C-88E9-63AA6B2A2570}"/>
+              </a:ext>
+            </a:extLst>
+          </p:cNvPr>
+          <p:cNvSpPr txBox="1"/>
+          <p:nvPr/>
+        </p:nvSpPr>
+        <p:spPr>
+          <a:xfrm>
+            <a:off x="0" y="6396619"/>
+            <a:ext cx="2815279" cy="338554"/>
+          </a:xfrm>
+          <a:prstGeom prst="rect">
+            <a:avLst/>
+          </a:prstGeom>
+          <a:noFill/>
+        </p:spPr>
+        <p:txBody>
+          <a:bodyPr wrap="none" rIns="90000" rtlCol="0">
+            <a:spAutoFit/>
+          </a:bodyPr>
+          <a:lstStyle/>
+          <a:p>
+            <a:pPr algn="ctr"/>
+            <a:r>
+              <a:rPr lang="fr-FR" sz="1600" dirty="0">
+                <a:solidFill>
+                  <a:schemeClr val="bg1"/>
+                </a:solidFill>
+              </a:rPr>
+              <a:t>Pierre Cottais &amp; Elias Hermance</a:t>
+            </a:r>
+          </a:p>
+        </p:txBody>
+      </p:sp>
+      <p:sp>
+        <p:nvSpPr>
+          <p:cNvPr id="2" name="ZoneTexte 1">
+            <a:extLst>
+              <a:ext uri="{FF2B5EF4-FFF2-40B4-BE49-F238E27FC236}">
+                <a16:creationId xmlns:a16="http://schemas.microsoft.com/office/drawing/2014/main" id="{6A3C02BA-D98B-429A-ABFC-CC394B90A4ED}"/>
+              </a:ext>
+            </a:extLst>
+          </p:cNvPr>
+          <p:cNvSpPr txBox="1"/>
+          <p:nvPr/>
+        </p:nvSpPr>
+        <p:spPr>
+          <a:xfrm>
+            <a:off x="11731692" y="51454"/>
+            <a:ext cx="301686" cy="369332"/>
+          </a:xfrm>
+          <a:prstGeom prst="rect">
+            <a:avLst/>
+          </a:prstGeom>
+          <a:noFill/>
+        </p:spPr>
+        <p:txBody>
+          <a:bodyPr wrap="none" rtlCol="0" anchor="ctr">
+            <a:spAutoFit/>
+          </a:bodyPr>
+          <a:lstStyle/>
+          <a:p>
+            <a:pPr algn="ctr"/>
+            <a:fld id="{42B166C4-9C59-44E3-B8D8-4B6B7AAF346F}" type="slidenum">
+              <a:rPr lang="fr-FR" smtClean="0">
+                <a:solidFill>
+                  <a:schemeClr val="bg1"/>
+                </a:solidFill>
+              </a:rPr>
+              <a:pPr algn="ctr"/>
+              <a:t>6</a:t>
             </a:fld>
             <a:endParaRPr lang="en-GB" dirty="0">
               <a:solidFill>
@@ -6391,7 +7072,7 @@
 </p:sld>
 </file>
 
-<file path=ppt/slides/slide6.xml><?xml version="1.0" encoding="utf-8"?>
+<file path=ppt/slides/slide7.xml><?xml version="1.0" encoding="utf-8"?>
 <p:sld xmlns:a="http://schemas.openxmlformats.org/drawingml/2006/main" xmlns:r="http://schemas.openxmlformats.org/officeDocument/2006/relationships" xmlns:p="http://schemas.openxmlformats.org/presentationml/2006/main">
   <p:cSld>
     <p:spTree>
@@ -6700,7 +7381,7 @@
                 </a:solidFill>
               </a:rPr>
               <a:pPr algn="ctr"/>
-              <a:t>6</a:t>
+              <a:t>7</a:t>
             </a:fld>
             <a:endParaRPr lang="en-GB" dirty="0">
               <a:solidFill>
@@ -7186,7 +7867,7 @@
 </p:sld>
 </file>
 
-<file path=ppt/slides/slide7.xml><?xml version="1.0" encoding="utf-8"?>
+<file path=ppt/slides/slide8.xml><?xml version="1.0" encoding="utf-8"?>
 <p:sld xmlns:a="http://schemas.openxmlformats.org/drawingml/2006/main" xmlns:r="http://schemas.openxmlformats.org/officeDocument/2006/relationships" xmlns:p="http://schemas.openxmlformats.org/presentationml/2006/main">
   <p:cSld>
     <p:spTree>

--- a/presentation.pptx
+++ b/presentation.pptx
@@ -204,7 +204,7 @@
           <a:p>
             <a:fld id="{94C680E6-361F-47D8-9815-963620CFFA31}" type="datetimeFigureOut">
               <a:rPr lang="en-GB" smtClean="0"/>
-              <a:t>26/10/2021</a:t>
+              <a:t>27/10/2021</a:t>
             </a:fld>
             <a:endParaRPr lang="en-GB"/>
           </a:p>
@@ -621,7 +621,7 @@
           <a:p>
             <a:fld id="{A81C64F8-9AF0-426B-9A13-BE79B49015C3}" type="datetimeFigureOut">
               <a:rPr lang="en-GB" smtClean="0"/>
-              <a:t>26/10/2021</a:t>
+              <a:t>27/10/2021</a:t>
             </a:fld>
             <a:endParaRPr lang="en-GB"/>
           </a:p>
@@ -821,7 +821,7 @@
           <a:p>
             <a:fld id="{A81C64F8-9AF0-426B-9A13-BE79B49015C3}" type="datetimeFigureOut">
               <a:rPr lang="en-GB" smtClean="0"/>
-              <a:t>26/10/2021</a:t>
+              <a:t>27/10/2021</a:t>
             </a:fld>
             <a:endParaRPr lang="en-GB"/>
           </a:p>
@@ -1031,7 +1031,7 @@
           <a:p>
             <a:fld id="{A81C64F8-9AF0-426B-9A13-BE79B49015C3}" type="datetimeFigureOut">
               <a:rPr lang="en-GB" smtClean="0"/>
-              <a:t>26/10/2021</a:t>
+              <a:t>27/10/2021</a:t>
             </a:fld>
             <a:endParaRPr lang="en-GB"/>
           </a:p>
@@ -1231,7 +1231,7 @@
           <a:p>
             <a:fld id="{A81C64F8-9AF0-426B-9A13-BE79B49015C3}" type="datetimeFigureOut">
               <a:rPr lang="en-GB" smtClean="0"/>
-              <a:t>26/10/2021</a:t>
+              <a:t>27/10/2021</a:t>
             </a:fld>
             <a:endParaRPr lang="en-GB"/>
           </a:p>
@@ -1507,7 +1507,7 @@
           <a:p>
             <a:fld id="{A81C64F8-9AF0-426B-9A13-BE79B49015C3}" type="datetimeFigureOut">
               <a:rPr lang="en-GB" smtClean="0"/>
-              <a:t>26/10/2021</a:t>
+              <a:t>27/10/2021</a:t>
             </a:fld>
             <a:endParaRPr lang="en-GB"/>
           </a:p>
@@ -1775,7 +1775,7 @@
           <a:p>
             <a:fld id="{A81C64F8-9AF0-426B-9A13-BE79B49015C3}" type="datetimeFigureOut">
               <a:rPr lang="en-GB" smtClean="0"/>
-              <a:t>26/10/2021</a:t>
+              <a:t>27/10/2021</a:t>
             </a:fld>
             <a:endParaRPr lang="en-GB"/>
           </a:p>
@@ -2190,7 +2190,7 @@
           <a:p>
             <a:fld id="{A81C64F8-9AF0-426B-9A13-BE79B49015C3}" type="datetimeFigureOut">
               <a:rPr lang="en-GB" smtClean="0"/>
-              <a:t>26/10/2021</a:t>
+              <a:t>27/10/2021</a:t>
             </a:fld>
             <a:endParaRPr lang="en-GB"/>
           </a:p>
@@ -2332,7 +2332,7 @@
           <a:p>
             <a:fld id="{A81C64F8-9AF0-426B-9A13-BE79B49015C3}" type="datetimeFigureOut">
               <a:rPr lang="en-GB" smtClean="0"/>
-              <a:t>26/10/2021</a:t>
+              <a:t>27/10/2021</a:t>
             </a:fld>
             <a:endParaRPr lang="en-GB"/>
           </a:p>
@@ -2445,7 +2445,7 @@
           <a:p>
             <a:fld id="{A81C64F8-9AF0-426B-9A13-BE79B49015C3}" type="datetimeFigureOut">
               <a:rPr lang="en-GB" smtClean="0"/>
-              <a:t>26/10/2021</a:t>
+              <a:t>27/10/2021</a:t>
             </a:fld>
             <a:endParaRPr lang="en-GB"/>
           </a:p>
@@ -2758,7 +2758,7 @@
           <a:p>
             <a:fld id="{A81C64F8-9AF0-426B-9A13-BE79B49015C3}" type="datetimeFigureOut">
               <a:rPr lang="en-GB" smtClean="0"/>
-              <a:t>26/10/2021</a:t>
+              <a:t>27/10/2021</a:t>
             </a:fld>
             <a:endParaRPr lang="en-GB"/>
           </a:p>
@@ -3047,7 +3047,7 @@
           <a:p>
             <a:fld id="{A81C64F8-9AF0-426B-9A13-BE79B49015C3}" type="datetimeFigureOut">
               <a:rPr lang="en-GB" smtClean="0"/>
-              <a:t>26/10/2021</a:t>
+              <a:t>27/10/2021</a:t>
             </a:fld>
             <a:endParaRPr lang="en-GB"/>
           </a:p>
@@ -3290,7 +3290,7 @@
           <a:p>
             <a:fld id="{A81C64F8-9AF0-426B-9A13-BE79B49015C3}" type="datetimeFigureOut">
               <a:rPr lang="en-GB" smtClean="0"/>
-              <a:t>26/10/2021</a:t>
+              <a:t>27/10/2021</a:t>
             </a:fld>
             <a:endParaRPr lang="en-GB"/>
           </a:p>
@@ -4943,7 +4943,7 @@
         <p:spPr>
           <a:xfrm>
             <a:off x="703349" y="2217428"/>
-            <a:ext cx="4342214" cy="2784737"/>
+            <a:ext cx="4342214" cy="2230739"/>
           </a:xfrm>
           <a:prstGeom prst="rect">
             <a:avLst/>
@@ -5061,35 +5061,6 @@
             <a:r>
               <a:rPr lang="fr-FR" i="1" dirty="0"/>
               <a:t>’</a:t>
-            </a:r>
-          </a:p>
-          <a:p>
-            <a:pPr marL="285750" indent="-285750">
-              <a:lnSpc>
-                <a:spcPct val="200000"/>
-              </a:lnSpc>
-              <a:buFont typeface="Arial" panose="020B0604020202020204" pitchFamily="34" charset="0"/>
-              <a:buChar char="•"/>
-            </a:pPr>
-            <a:r>
-              <a:rPr lang="fr-FR" dirty="0"/>
-              <a:t>Projection </a:t>
-            </a:r>
-            <a:r>
-              <a:rPr lang="fr-FR" dirty="0">
-                <a:solidFill>
-                  <a:srgbClr val="4D85AC"/>
-                </a:solidFill>
-              </a:rPr>
-              <a:t>aléatoire</a:t>
-            </a:r>
-            <a:r>
-              <a:rPr lang="fr-FR" dirty="0"/>
-              <a:t> </a:t>
-            </a:r>
-            <a:r>
-              <a:rPr lang="fr-FR" i="1" dirty="0"/>
-              <a:t>P</a:t>
             </a:r>
           </a:p>
         </p:txBody>
@@ -5108,7 +5079,7 @@
 </file>
 
 <file path=ppt/slides/slide4.xml><?xml version="1.0" encoding="utf-8"?>
-<p:sld xmlns:a="http://schemas.openxmlformats.org/drawingml/2006/main" xmlns:r="http://schemas.openxmlformats.org/officeDocument/2006/relationships" xmlns:p="http://schemas.openxmlformats.org/presentationml/2006/main" show="0">
+<p:sld xmlns:a="http://schemas.openxmlformats.org/drawingml/2006/main" xmlns:r="http://schemas.openxmlformats.org/officeDocument/2006/relationships" xmlns:p="http://schemas.openxmlformats.org/presentationml/2006/main">
   <p:cSld>
     <p:spTree>
       <p:nvGrpSpPr>
@@ -5279,7 +5250,7 @@
         <p:spPr>
           <a:xfrm>
             <a:off x="703349" y="1115217"/>
-            <a:ext cx="7035729" cy="523220"/>
+            <a:ext cx="5161434" cy="523220"/>
           </a:xfrm>
           <a:prstGeom prst="rect">
             <a:avLst/>
@@ -5294,7 +5265,7 @@
           <a:p>
             <a:r>
               <a:rPr lang="fr-FR" sz="2800" cap="small" dirty="0"/>
-              <a:t>Décomposition en valeurs singulières randomisée</a:t>
+              <a:t>Étapes de décomposition matricielle</a:t>
             </a:r>
             <a:endParaRPr lang="en-GB" sz="2800" cap="small" dirty="0"/>
           </a:p>
@@ -5594,7 +5565,7 @@
         <p:spPr>
           <a:xfrm>
             <a:off x="703349" y="2217428"/>
-            <a:ext cx="2485104" cy="2230739"/>
+            <a:ext cx="4361771" cy="2230739"/>
           </a:xfrm>
           <a:prstGeom prst="rect">
             <a:avLst/>
@@ -5649,8 +5620,13 @@
             </a:r>
             <a:r>
               <a:rPr lang="fr-FR" i="1" dirty="0"/>
-              <a:t>Q</a:t>
-            </a:r>
+              <a:t>Q </a:t>
+            </a:r>
+            <a:r>
+              <a:rPr lang="fr-FR" dirty="0"/>
+              <a:t>(décomposition QR)</a:t>
+            </a:r>
+            <a:endParaRPr lang="fr-FR" i="1" dirty="0"/>
           </a:p>
           <a:p>
             <a:pPr marL="285750" indent="-285750">
@@ -5666,8 +5642,39 @@
             </a:r>
             <a:r>
               <a:rPr lang="fr-FR" i="1" dirty="0"/>
-              <a:t>Y = Q’X</a:t>
-            </a:r>
+              <a:t>Q’X</a:t>
+            </a:r>
+            <a:r>
+              <a:rPr lang="fr-FR" dirty="0"/>
+              <a:t> </a:t>
+            </a:r>
+            <a:r>
+              <a:rPr lang="fr-FR" dirty="0">
+                <a:sym typeface="Wingdings" panose="05000000000000000000" pitchFamily="2" charset="2"/>
+              </a:rPr>
+              <a:t> </a:t>
+            </a:r>
+            <a:r>
+              <a:rPr lang="fr-FR" i="1" dirty="0"/>
+              <a:t>Y = U</a:t>
+            </a:r>
+            <a:r>
+              <a:rPr lang="fr-FR" i="1" baseline="-25000" dirty="0"/>
+              <a:t>Y</a:t>
+            </a:r>
+            <a:r>
+              <a:rPr lang="fr-FR" i="1" dirty="0">
+                <a:solidFill>
+                  <a:srgbClr val="4D85AC"/>
+                </a:solidFill>
+              </a:rPr>
+              <a:t>ΛV’</a:t>
+            </a:r>
+            <a:endParaRPr lang="fr-FR" dirty="0">
+              <a:solidFill>
+                <a:srgbClr val="4D85AC"/>
+              </a:solidFill>
+            </a:endParaRPr>
           </a:p>
           <a:p>
             <a:pPr marL="285750" indent="-285750">
@@ -5678,18 +5685,21 @@
               <a:buChar char="•"/>
             </a:pPr>
             <a:r>
+              <a:rPr lang="fr-FR" i="1" dirty="0" err="1"/>
+              <a:t>U</a:t>
+            </a:r>
+            <a:r>
+              <a:rPr lang="fr-FR" i="1" baseline="-25000" dirty="0" err="1"/>
+              <a:t>x</a:t>
+            </a:r>
+            <a:r>
               <a:rPr lang="fr-FR" i="1" dirty="0"/>
-              <a:t>X = U</a:t>
+              <a:t> = QU</a:t>
             </a:r>
             <a:r>
               <a:rPr lang="fr-FR" i="1" baseline="-25000" dirty="0"/>
               <a:t>Y</a:t>
             </a:r>
-            <a:r>
-              <a:rPr lang="fr-FR" i="1" dirty="0"/>
-              <a:t>ΛV’</a:t>
-            </a:r>
-            <a:endParaRPr lang="fr-FR" dirty="0"/>
           </a:p>
         </p:txBody>
       </p:sp>
@@ -6290,16 +6300,12 @@
               <a:buChar char="-"/>
             </a:pPr>
             <a:r>
+              <a:rPr lang="fr-FR" i="1" dirty="0"/>
+              <a:t>q </a:t>
+            </a:r>
+            <a:r>
               <a:rPr lang="fr-FR" dirty="0"/>
-              <a:t>Passage de X à la puissance </a:t>
-            </a:r>
-            <a:r>
-              <a:rPr lang="fr-FR" i="1" dirty="0"/>
-              <a:t>q</a:t>
-            </a:r>
-            <a:r>
-              <a:rPr lang="fr-FR" dirty="0"/>
-              <a:t>*</a:t>
+              <a:t>itérations de puissance de X</a:t>
             </a:r>
           </a:p>
           <a:p>
@@ -6323,51 +6329,6 @@
               <a:t>1, …, r</a:t>
             </a:r>
             <a:endParaRPr lang="fr-FR" baseline="-25000" dirty="0"/>
-          </a:p>
-        </p:txBody>
-      </p:sp>
-      <p:sp>
-        <p:nvSpPr>
-          <p:cNvPr id="17" name="ZoneTexte 16">
-            <a:extLst>
-              <a:ext uri="{FF2B5EF4-FFF2-40B4-BE49-F238E27FC236}">
-                <a16:creationId xmlns:a16="http://schemas.microsoft.com/office/drawing/2014/main" id="{3BB206D1-F899-4FDC-BE2E-87B3D2FAB802}"/>
-              </a:ext>
-            </a:extLst>
-          </p:cNvPr>
-          <p:cNvSpPr txBox="1"/>
-          <p:nvPr/>
-        </p:nvSpPr>
-        <p:spPr>
-          <a:xfrm>
-            <a:off x="531084" y="5513831"/>
-            <a:ext cx="1753109" cy="568745"/>
-          </a:xfrm>
-          <a:prstGeom prst="rect">
-            <a:avLst/>
-          </a:prstGeom>
-          <a:noFill/>
-        </p:spPr>
-        <p:txBody>
-          <a:bodyPr wrap="none" rtlCol="0">
-            <a:spAutoFit/>
-          </a:bodyPr>
-          <a:lstStyle/>
-          <a:p>
-            <a:pPr>
-              <a:lnSpc>
-                <a:spcPct val="200000"/>
-              </a:lnSpc>
-            </a:pPr>
-            <a:r>
-              <a:rPr lang="fr-FR" dirty="0"/>
-              <a:t>*</a:t>
-            </a:r>
-            <a:r>
-              <a:rPr lang="fr-FR" sz="1400" dirty="0"/>
-              <a:t>nombre d’itérations</a:t>
-            </a:r>
-            <a:endParaRPr lang="fr-FR" dirty="0"/>
           </a:p>
         </p:txBody>
       </p:sp>

--- a/presentation.pptx
+++ b/presentation.pptx
@@ -5,7 +5,7 @@
     <p:sldMasterId id="2147483648" r:id="rId1"/>
   </p:sldMasterIdLst>
   <p:notesMasterIdLst>
-    <p:notesMasterId r:id="rId10"/>
+    <p:notesMasterId r:id="rId16"/>
   </p:notesMasterIdLst>
   <p:sldIdLst>
     <p:sldId id="256" r:id="rId2"/>
@@ -14,8 +14,14 @@
     <p:sldId id="267" r:id="rId5"/>
     <p:sldId id="264" r:id="rId6"/>
     <p:sldId id="265" r:id="rId7"/>
-    <p:sldId id="266" r:id="rId8"/>
-    <p:sldId id="262" r:id="rId9"/>
+    <p:sldId id="268" r:id="rId8"/>
+    <p:sldId id="269" r:id="rId9"/>
+    <p:sldId id="272" r:id="rId10"/>
+    <p:sldId id="273" r:id="rId11"/>
+    <p:sldId id="271" r:id="rId12"/>
+    <p:sldId id="266" r:id="rId13"/>
+    <p:sldId id="262" r:id="rId14"/>
+    <p:sldId id="274" r:id="rId15"/>
   </p:sldIdLst>
   <p:sldSz cx="12192000" cy="6858000"/>
   <p:notesSz cx="6858000" cy="9144000"/>
@@ -3865,6 +3871,3077 @@
 </p:sld>
 </file>
 
+<file path=ppt/slides/slide10.xml><?xml version="1.0" encoding="utf-8"?>
+<p:sld xmlns:a="http://schemas.openxmlformats.org/drawingml/2006/main" xmlns:r="http://schemas.openxmlformats.org/officeDocument/2006/relationships" xmlns:p="http://schemas.openxmlformats.org/presentationml/2006/main">
+  <p:cSld>
+    <p:spTree>
+      <p:nvGrpSpPr>
+        <p:cNvPr id="1" name=""/>
+        <p:cNvGrpSpPr/>
+        <p:nvPr/>
+      </p:nvGrpSpPr>
+      <p:grpSpPr>
+        <a:xfrm>
+          <a:off x="0" y="0"/>
+          <a:ext cx="0" cy="0"/>
+          <a:chOff x="0" y="0"/>
+          <a:chExt cx="0" cy="0"/>
+        </a:xfrm>
+      </p:grpSpPr>
+      <p:sp>
+        <p:nvSpPr>
+          <p:cNvPr id="15" name="Rectangle 14">
+            <a:extLst>
+              <a:ext uri="{FF2B5EF4-FFF2-40B4-BE49-F238E27FC236}">
+                <a16:creationId xmlns:a16="http://schemas.microsoft.com/office/drawing/2014/main" id="{FB6ABF2A-B7AA-45B0-8C9F-7C33BE107750}"/>
+              </a:ext>
+            </a:extLst>
+          </p:cNvPr>
+          <p:cNvSpPr/>
+          <p:nvPr/>
+        </p:nvSpPr>
+        <p:spPr>
+          <a:xfrm>
+            <a:off x="-1" y="-55983"/>
+            <a:ext cx="12192000" cy="584206"/>
+          </a:xfrm>
+          <a:prstGeom prst="rect">
+            <a:avLst/>
+          </a:prstGeom>
+          <a:solidFill>
+            <a:srgbClr val="4D85AC"/>
+          </a:solidFill>
+          <a:ln>
+            <a:noFill/>
+          </a:ln>
+        </p:spPr>
+        <p:style>
+          <a:lnRef idx="2">
+            <a:schemeClr val="accent1">
+              <a:shade val="50000"/>
+            </a:schemeClr>
+          </a:lnRef>
+          <a:fillRef idx="1">
+            <a:schemeClr val="accent1"/>
+          </a:fillRef>
+          <a:effectRef idx="0">
+            <a:schemeClr val="accent1"/>
+          </a:effectRef>
+          <a:fontRef idx="minor">
+            <a:schemeClr val="lt1"/>
+          </a:fontRef>
+        </p:style>
+        <p:txBody>
+          <a:bodyPr rtlCol="0" anchor="ctr"/>
+          <a:lstStyle/>
+          <a:p>
+            <a:pPr algn="ctr"/>
+            <a:endParaRPr lang="en-GB" dirty="0"/>
+          </a:p>
+        </p:txBody>
+      </p:sp>
+      <p:sp>
+        <p:nvSpPr>
+          <p:cNvPr id="14" name="Rectangle 13">
+            <a:extLst>
+              <a:ext uri="{FF2B5EF4-FFF2-40B4-BE49-F238E27FC236}">
+                <a16:creationId xmlns:a16="http://schemas.microsoft.com/office/drawing/2014/main" id="{5991AE03-D881-4210-BE5E-68F6A9313743}"/>
+              </a:ext>
+            </a:extLst>
+          </p:cNvPr>
+          <p:cNvSpPr/>
+          <p:nvPr/>
+        </p:nvSpPr>
+        <p:spPr>
+          <a:xfrm>
+            <a:off x="-1" y="6273793"/>
+            <a:ext cx="12192000" cy="584206"/>
+          </a:xfrm>
+          <a:prstGeom prst="rect">
+            <a:avLst/>
+          </a:prstGeom>
+          <a:solidFill>
+            <a:srgbClr val="4D85AC"/>
+          </a:solidFill>
+          <a:ln>
+            <a:noFill/>
+          </a:ln>
+        </p:spPr>
+        <p:style>
+          <a:lnRef idx="2">
+            <a:schemeClr val="accent1">
+              <a:shade val="50000"/>
+            </a:schemeClr>
+          </a:lnRef>
+          <a:fillRef idx="1">
+            <a:schemeClr val="accent1"/>
+          </a:fillRef>
+          <a:effectRef idx="0">
+            <a:schemeClr val="accent1"/>
+          </a:effectRef>
+          <a:fontRef idx="minor">
+            <a:schemeClr val="lt1"/>
+          </a:fontRef>
+        </p:style>
+        <p:txBody>
+          <a:bodyPr rtlCol="0" anchor="ctr"/>
+          <a:lstStyle/>
+          <a:p>
+            <a:pPr algn="ctr"/>
+            <a:endParaRPr lang="en-GB"/>
+          </a:p>
+        </p:txBody>
+      </p:sp>
+      <p:pic>
+        <p:nvPicPr>
+          <p:cNvPr id="8" name="Image 7">
+            <a:extLst>
+              <a:ext uri="{FF2B5EF4-FFF2-40B4-BE49-F238E27FC236}">
+                <a16:creationId xmlns:a16="http://schemas.microsoft.com/office/drawing/2014/main" id="{EA38C521-6413-42B9-81AD-887DF5B7AB72}"/>
+              </a:ext>
+            </a:extLst>
+          </p:cNvPr>
+          <p:cNvPicPr>
+            <a:picLocks noChangeAspect="1"/>
+          </p:cNvPicPr>
+          <p:nvPr/>
+        </p:nvPicPr>
+        <p:blipFill>
+          <a:blip r:embed="rId2">
+            <a:extLst>
+              <a:ext uri="{28A0092B-C50C-407E-A947-70E740481C1C}">
+                <a14:useLocalDpi xmlns:a14="http://schemas.microsoft.com/office/drawing/2010/main" val="0"/>
+              </a:ext>
+            </a:extLst>
+          </a:blip>
+          <a:stretch>
+            <a:fillRect/>
+          </a:stretch>
+        </p:blipFill>
+        <p:spPr>
+          <a:xfrm>
+            <a:off x="9470571" y="6273793"/>
+            <a:ext cx="2721429" cy="584206"/>
+          </a:xfrm>
+          <a:prstGeom prst="rect">
+            <a:avLst/>
+          </a:prstGeom>
+        </p:spPr>
+      </p:pic>
+      <p:sp>
+        <p:nvSpPr>
+          <p:cNvPr id="7" name="ZoneTexte 6">
+            <a:extLst>
+              <a:ext uri="{FF2B5EF4-FFF2-40B4-BE49-F238E27FC236}">
+                <a16:creationId xmlns:a16="http://schemas.microsoft.com/office/drawing/2014/main" id="{2EAE0A08-311A-4426-B5FD-5CEEE4A02870}"/>
+              </a:ext>
+            </a:extLst>
+          </p:cNvPr>
+          <p:cNvSpPr txBox="1"/>
+          <p:nvPr/>
+        </p:nvSpPr>
+        <p:spPr>
+          <a:xfrm>
+            <a:off x="703349" y="1115217"/>
+            <a:ext cx="4899568" cy="523220"/>
+          </a:xfrm>
+          <a:prstGeom prst="rect">
+            <a:avLst/>
+          </a:prstGeom>
+          <a:noFill/>
+        </p:spPr>
+        <p:txBody>
+          <a:bodyPr wrap="none" rIns="90000" rtlCol="0">
+            <a:spAutoFit/>
+          </a:bodyPr>
+          <a:lstStyle/>
+          <a:p>
+            <a:r>
+              <a:rPr lang="fr-FR" sz="2800" i="1" cap="small" dirty="0" err="1"/>
+              <a:t>Oversampling</a:t>
+            </a:r>
+            <a:r>
+              <a:rPr lang="fr-FR" sz="2800" i="1" cap="small" dirty="0"/>
+              <a:t> </a:t>
+            </a:r>
+            <a:r>
+              <a:rPr lang="fr-FR" sz="2800" cap="small" dirty="0"/>
+              <a:t>&amp;</a:t>
+            </a:r>
+            <a:r>
+              <a:rPr lang="fr-FR" sz="2800" i="1" cap="small" dirty="0"/>
+              <a:t> Power </a:t>
+            </a:r>
+            <a:r>
+              <a:rPr lang="fr-FR" sz="2800" i="1" cap="small" dirty="0" err="1"/>
+              <a:t>iterations</a:t>
+            </a:r>
+            <a:endParaRPr lang="en-GB" sz="2800" i="1" cap="small" dirty="0"/>
+          </a:p>
+        </p:txBody>
+      </p:sp>
+      <p:sp>
+        <p:nvSpPr>
+          <p:cNvPr id="9" name="ZoneTexte 8">
+            <a:extLst>
+              <a:ext uri="{FF2B5EF4-FFF2-40B4-BE49-F238E27FC236}">
+                <a16:creationId xmlns:a16="http://schemas.microsoft.com/office/drawing/2014/main" id="{1A3B7EF4-3554-48F7-9FCF-E91B9877C9B2}"/>
+              </a:ext>
+            </a:extLst>
+          </p:cNvPr>
+          <p:cNvSpPr txBox="1"/>
+          <p:nvPr/>
+        </p:nvSpPr>
+        <p:spPr>
+          <a:xfrm>
+            <a:off x="5154385" y="6396619"/>
+            <a:ext cx="1883229" cy="338554"/>
+          </a:xfrm>
+          <a:prstGeom prst="rect">
+            <a:avLst/>
+          </a:prstGeom>
+          <a:noFill/>
+        </p:spPr>
+        <p:txBody>
+          <a:bodyPr wrap="none" rIns="90000" rtlCol="0">
+            <a:spAutoFit/>
+          </a:bodyPr>
+          <a:lstStyle/>
+          <a:p>
+            <a:pPr algn="ctr"/>
+            <a:r>
+              <a:rPr lang="fr-FR" sz="1600" dirty="0">
+                <a:solidFill>
+                  <a:schemeClr val="bg1"/>
+                </a:solidFill>
+              </a:rPr>
+              <a:t>mercredi 27 octobre</a:t>
+            </a:r>
+          </a:p>
+        </p:txBody>
+      </p:sp>
+      <p:sp>
+        <p:nvSpPr>
+          <p:cNvPr id="10" name="ZoneTexte 9">
+            <a:extLst>
+              <a:ext uri="{FF2B5EF4-FFF2-40B4-BE49-F238E27FC236}">
+                <a16:creationId xmlns:a16="http://schemas.microsoft.com/office/drawing/2014/main" id="{07B48EFA-38D7-4F9C-88E9-63AA6B2A2570}"/>
+              </a:ext>
+            </a:extLst>
+          </p:cNvPr>
+          <p:cNvSpPr txBox="1"/>
+          <p:nvPr/>
+        </p:nvSpPr>
+        <p:spPr>
+          <a:xfrm>
+            <a:off x="0" y="6396619"/>
+            <a:ext cx="2815279" cy="338554"/>
+          </a:xfrm>
+          <a:prstGeom prst="rect">
+            <a:avLst/>
+          </a:prstGeom>
+          <a:noFill/>
+        </p:spPr>
+        <p:txBody>
+          <a:bodyPr wrap="none" rIns="90000" rtlCol="0">
+            <a:spAutoFit/>
+          </a:bodyPr>
+          <a:lstStyle/>
+          <a:p>
+            <a:pPr algn="ctr"/>
+            <a:r>
+              <a:rPr lang="fr-FR" sz="1600" dirty="0">
+                <a:solidFill>
+                  <a:schemeClr val="bg1"/>
+                </a:solidFill>
+              </a:rPr>
+              <a:t>Pierre Cottais &amp; Elias Hermance</a:t>
+            </a:r>
+          </a:p>
+        </p:txBody>
+      </p:sp>
+      <p:sp>
+        <p:nvSpPr>
+          <p:cNvPr id="2" name="ZoneTexte 1">
+            <a:extLst>
+              <a:ext uri="{FF2B5EF4-FFF2-40B4-BE49-F238E27FC236}">
+                <a16:creationId xmlns:a16="http://schemas.microsoft.com/office/drawing/2014/main" id="{6A3C02BA-D98B-429A-ABFC-CC394B90A4ED}"/>
+              </a:ext>
+            </a:extLst>
+          </p:cNvPr>
+          <p:cNvSpPr txBox="1"/>
+          <p:nvPr/>
+        </p:nvSpPr>
+        <p:spPr>
+          <a:xfrm>
+            <a:off x="11731692" y="51454"/>
+            <a:ext cx="301686" cy="369332"/>
+          </a:xfrm>
+          <a:prstGeom prst="rect">
+            <a:avLst/>
+          </a:prstGeom>
+          <a:noFill/>
+        </p:spPr>
+        <p:txBody>
+          <a:bodyPr wrap="none" rtlCol="0" anchor="ctr">
+            <a:spAutoFit/>
+          </a:bodyPr>
+          <a:lstStyle/>
+          <a:p>
+            <a:pPr algn="ctr"/>
+            <a:fld id="{42B166C4-9C59-44E3-B8D8-4B6B7AAF346F}" type="slidenum">
+              <a:rPr lang="fr-FR" smtClean="0">
+                <a:solidFill>
+                  <a:schemeClr val="bg1"/>
+                </a:solidFill>
+              </a:rPr>
+              <a:pPr algn="ctr"/>
+              <a:t>10</a:t>
+            </a:fld>
+            <a:endParaRPr lang="en-GB" dirty="0">
+              <a:solidFill>
+                <a:schemeClr val="bg1"/>
+              </a:solidFill>
+            </a:endParaRPr>
+          </a:p>
+        </p:txBody>
+      </p:sp>
+      <p:grpSp>
+        <p:nvGrpSpPr>
+          <p:cNvPr id="3" name="Groupe 2">
+            <a:extLst>
+              <a:ext uri="{FF2B5EF4-FFF2-40B4-BE49-F238E27FC236}">
+                <a16:creationId xmlns:a16="http://schemas.microsoft.com/office/drawing/2014/main" id="{EB45EAAE-26DA-4EA7-8000-1975055BD7AF}"/>
+              </a:ext>
+            </a:extLst>
+          </p:cNvPr>
+          <p:cNvGrpSpPr/>
+          <p:nvPr/>
+        </p:nvGrpSpPr>
+        <p:grpSpPr>
+          <a:xfrm>
+            <a:off x="703349" y="38501"/>
+            <a:ext cx="9513581" cy="404759"/>
+            <a:chOff x="703349" y="38501"/>
+            <a:chExt cx="9513581" cy="404759"/>
+          </a:xfrm>
+        </p:grpSpPr>
+        <p:sp>
+          <p:nvSpPr>
+            <p:cNvPr id="16" name="ZoneTexte 15">
+              <a:extLst>
+                <a:ext uri="{FF2B5EF4-FFF2-40B4-BE49-F238E27FC236}">
+                  <a16:creationId xmlns:a16="http://schemas.microsoft.com/office/drawing/2014/main" id="{046AC462-364F-4722-BF37-AD8D8B83DC4C}"/>
+                </a:ext>
+              </a:extLst>
+            </p:cNvPr>
+            <p:cNvSpPr txBox="1"/>
+            <p:nvPr/>
+          </p:nvSpPr>
+          <p:spPr>
+            <a:xfrm>
+              <a:off x="703349" y="43150"/>
+              <a:ext cx="1414041" cy="400110"/>
+            </a:xfrm>
+            <a:prstGeom prst="rect">
+              <a:avLst/>
+            </a:prstGeom>
+            <a:noFill/>
+          </p:spPr>
+          <p:txBody>
+            <a:bodyPr wrap="none" rtlCol="0" anchor="ctr">
+              <a:spAutoFit/>
+            </a:bodyPr>
+            <a:lstStyle/>
+            <a:p>
+              <a:r>
+                <a:rPr lang="fr-FR" sz="2000" cap="small" dirty="0">
+                  <a:solidFill>
+                    <a:schemeClr val="bg1"/>
+                  </a:solidFill>
+                </a:rPr>
+                <a:t>Rappels SVD</a:t>
+              </a:r>
+              <a:endParaRPr lang="en-GB" sz="2000" cap="small" dirty="0">
+                <a:solidFill>
+                  <a:schemeClr val="bg1"/>
+                </a:solidFill>
+              </a:endParaRPr>
+            </a:p>
+          </p:txBody>
+        </p:sp>
+        <p:sp>
+          <p:nvSpPr>
+            <p:cNvPr id="18" name="ZoneTexte 17">
+              <a:extLst>
+                <a:ext uri="{FF2B5EF4-FFF2-40B4-BE49-F238E27FC236}">
+                  <a16:creationId xmlns:a16="http://schemas.microsoft.com/office/drawing/2014/main" id="{BEBFFE04-CCBB-4D5C-BC6E-4D87085243AF}"/>
+                </a:ext>
+              </a:extLst>
+            </p:cNvPr>
+            <p:cNvSpPr txBox="1"/>
+            <p:nvPr/>
+          </p:nvSpPr>
+          <p:spPr>
+            <a:xfrm>
+              <a:off x="8870086" y="38501"/>
+              <a:ext cx="1346844" cy="400110"/>
+            </a:xfrm>
+            <a:prstGeom prst="rect">
+              <a:avLst/>
+            </a:prstGeom>
+            <a:noFill/>
+          </p:spPr>
+          <p:txBody>
+            <a:bodyPr wrap="none" rtlCol="0" anchor="ctr">
+              <a:spAutoFit/>
+            </a:bodyPr>
+            <a:lstStyle/>
+            <a:p>
+              <a:r>
+                <a:rPr lang="fr-FR" sz="2000" b="1" cap="small" dirty="0">
+                  <a:solidFill>
+                    <a:schemeClr val="bg1"/>
+                  </a:solidFill>
+                </a:rPr>
+                <a:t>Application</a:t>
+              </a:r>
+              <a:endParaRPr lang="en-GB" sz="2000" b="1" cap="small" dirty="0">
+                <a:solidFill>
+                  <a:schemeClr val="bg1"/>
+                </a:solidFill>
+              </a:endParaRPr>
+            </a:p>
+          </p:txBody>
+        </p:sp>
+        <p:sp>
+          <p:nvSpPr>
+            <p:cNvPr id="21" name="ZoneTexte 20">
+              <a:extLst>
+                <a:ext uri="{FF2B5EF4-FFF2-40B4-BE49-F238E27FC236}">
+                  <a16:creationId xmlns:a16="http://schemas.microsoft.com/office/drawing/2014/main" id="{D46C29AE-FDB1-4981-92EE-4A7ED0621DC7}"/>
+                </a:ext>
+              </a:extLst>
+            </p:cNvPr>
+            <p:cNvSpPr txBox="1"/>
+            <p:nvPr/>
+          </p:nvSpPr>
+          <p:spPr>
+            <a:xfrm>
+              <a:off x="5151240" y="51454"/>
+              <a:ext cx="684996" cy="369332"/>
+            </a:xfrm>
+            <a:prstGeom prst="rect">
+              <a:avLst/>
+            </a:prstGeom>
+            <a:noFill/>
+          </p:spPr>
+          <p:txBody>
+            <a:bodyPr wrap="none" rtlCol="0" anchor="ctr">
+              <a:spAutoFit/>
+            </a:bodyPr>
+            <a:lstStyle/>
+            <a:p>
+              <a:r>
+                <a:rPr lang="fr-FR" cap="small" dirty="0">
+                  <a:solidFill>
+                    <a:schemeClr val="bg1"/>
+                  </a:solidFill>
+                </a:rPr>
+                <a:t>RSVD</a:t>
+              </a:r>
+              <a:endParaRPr lang="en-GB" cap="small" dirty="0">
+                <a:solidFill>
+                  <a:schemeClr val="bg1"/>
+                </a:solidFill>
+              </a:endParaRPr>
+            </a:p>
+          </p:txBody>
+        </p:sp>
+      </p:grpSp>
+      <p:sp>
+        <p:nvSpPr>
+          <p:cNvPr id="25" name="ZoneTexte 24">
+            <a:extLst>
+              <a:ext uri="{FF2B5EF4-FFF2-40B4-BE49-F238E27FC236}">
+                <a16:creationId xmlns:a16="http://schemas.microsoft.com/office/drawing/2014/main" id="{ABCF0C0D-0584-42A2-964E-68AA8DD827E1}"/>
+              </a:ext>
+            </a:extLst>
+          </p:cNvPr>
+          <p:cNvSpPr txBox="1"/>
+          <p:nvPr/>
+        </p:nvSpPr>
+        <p:spPr>
+          <a:xfrm>
+            <a:off x="703349" y="2217428"/>
+            <a:ext cx="6086538" cy="2784737"/>
+          </a:xfrm>
+          <a:prstGeom prst="rect">
+            <a:avLst/>
+          </a:prstGeom>
+          <a:noFill/>
+        </p:spPr>
+        <p:txBody>
+          <a:bodyPr wrap="none" rtlCol="0">
+            <a:spAutoFit/>
+          </a:bodyPr>
+          <a:lstStyle/>
+          <a:p>
+            <a:pPr marL="285750" indent="-285750">
+              <a:lnSpc>
+                <a:spcPct val="200000"/>
+              </a:lnSpc>
+              <a:buFont typeface="Arial" panose="020B0604020202020204" pitchFamily="34" charset="0"/>
+              <a:buChar char="•"/>
+            </a:pPr>
+            <a:r>
+              <a:rPr lang="fr-FR" i="1" dirty="0" err="1"/>
+              <a:t>Oversampling</a:t>
+            </a:r>
+            <a:r>
+              <a:rPr lang="fr-FR" i="1" dirty="0"/>
+              <a:t>:</a:t>
+            </a:r>
+            <a:r>
+              <a:rPr lang="fr-FR" dirty="0"/>
+              <a:t> </a:t>
+            </a:r>
+          </a:p>
+          <a:p>
+            <a:pPr marL="742950" lvl="1" indent="-285750">
+              <a:lnSpc>
+                <a:spcPct val="200000"/>
+              </a:lnSpc>
+              <a:buFont typeface="Calibri" panose="020F0502020204030204" pitchFamily="34" charset="0"/>
+              <a:buChar char="-"/>
+            </a:pPr>
+            <a:r>
+              <a:rPr lang="fr-FR" dirty="0"/>
+              <a:t>Variation de </a:t>
+            </a:r>
+            <a:r>
+              <a:rPr lang="fr-FR" i="1" dirty="0"/>
+              <a:t>p </a:t>
+            </a:r>
+            <a:endParaRPr lang="fr-FR" dirty="0"/>
+          </a:p>
+          <a:p>
+            <a:pPr marL="285750" indent="-285750">
+              <a:lnSpc>
+                <a:spcPct val="200000"/>
+              </a:lnSpc>
+              <a:buFont typeface="Arial" panose="020B0604020202020204" pitchFamily="34" charset="0"/>
+              <a:buChar char="•"/>
+            </a:pPr>
+            <a:r>
+              <a:rPr lang="fr-FR" i="1" dirty="0"/>
+              <a:t>Power </a:t>
+            </a:r>
+            <a:r>
+              <a:rPr lang="fr-FR" i="1" dirty="0" err="1"/>
+              <a:t>iterations</a:t>
+            </a:r>
+            <a:r>
+              <a:rPr lang="fr-FR" i="1" dirty="0"/>
+              <a:t>:</a:t>
+            </a:r>
+            <a:endParaRPr lang="fr-FR" dirty="0"/>
+          </a:p>
+          <a:p>
+            <a:pPr marL="742950" lvl="1" indent="-285750">
+              <a:buFont typeface="Calibri" panose="020F0502020204030204" pitchFamily="34" charset="0"/>
+              <a:buChar char="-"/>
+            </a:pPr>
+            <a:r>
+              <a:rPr lang="fr-FR" dirty="0"/>
+              <a:t>Variation de </a:t>
+            </a:r>
+            <a:r>
+              <a:rPr lang="fr-FR" i="1" dirty="0"/>
+              <a:t>q (0 et 5) </a:t>
+            </a:r>
+            <a:r>
+              <a:rPr lang="fr-FR" i="1" dirty="0">
+                <a:sym typeface="Wingdings" panose="05000000000000000000" pitchFamily="2" charset="2"/>
+              </a:rPr>
+              <a:t></a:t>
+            </a:r>
+            <a:r>
+              <a:rPr lang="fr-FR" i="1" dirty="0"/>
+              <a:t> </a:t>
+            </a:r>
+            <a:r>
+              <a:rPr lang="fr-FR" dirty="0">
+                <a:sym typeface="Wingdings" panose="05000000000000000000" pitchFamily="2" charset="2"/>
+              </a:rPr>
+              <a:t>Augmente le </a:t>
+            </a:r>
+            <a:r>
+              <a:rPr lang="fr-FR" dirty="0" err="1">
+                <a:sym typeface="Wingdings" panose="05000000000000000000" pitchFamily="2" charset="2"/>
+              </a:rPr>
+              <a:t>computing</a:t>
+            </a:r>
+            <a:r>
+              <a:rPr lang="fr-FR" dirty="0">
+                <a:sym typeface="Wingdings" panose="05000000000000000000" pitchFamily="2" charset="2"/>
+              </a:rPr>
+              <a:t> time </a:t>
+            </a:r>
+            <a:br>
+              <a:rPr lang="fr-FR" dirty="0">
+                <a:sym typeface="Wingdings" panose="05000000000000000000" pitchFamily="2" charset="2"/>
+              </a:rPr>
+            </a:br>
+            <a:r>
+              <a:rPr lang="fr-FR" dirty="0">
+                <a:sym typeface="Wingdings" panose="05000000000000000000" pitchFamily="2" charset="2"/>
+              </a:rPr>
+              <a:t>mais affine les valeurs singulières</a:t>
+            </a:r>
+            <a:endParaRPr lang="fr-FR" dirty="0"/>
+          </a:p>
+          <a:p>
+            <a:pPr marL="742950" lvl="1" indent="-285750">
+              <a:lnSpc>
+                <a:spcPct val="200000"/>
+              </a:lnSpc>
+              <a:buFont typeface="Calibri" panose="020F0502020204030204" pitchFamily="34" charset="0"/>
+              <a:buChar char="-"/>
+            </a:pPr>
+            <a:r>
+              <a:rPr lang="fr-FR" dirty="0"/>
+              <a:t>Comparaison des valeurs singulières de </a:t>
+            </a:r>
+            <a:r>
+              <a:rPr lang="fr-FR" i="1" dirty="0"/>
+              <a:t>Λ </a:t>
+            </a:r>
+            <a:endParaRPr lang="fr-FR" dirty="0"/>
+          </a:p>
+        </p:txBody>
+      </p:sp>
+      <p:pic>
+        <p:nvPicPr>
+          <p:cNvPr id="17" name="Image 16">
+            <a:extLst>
+              <a:ext uri="{FF2B5EF4-FFF2-40B4-BE49-F238E27FC236}">
+                <a16:creationId xmlns:a16="http://schemas.microsoft.com/office/drawing/2014/main" id="{23057D1A-3154-45A7-AC8B-8D9C4B212556}"/>
+              </a:ext>
+            </a:extLst>
+          </p:cNvPr>
+          <p:cNvPicPr>
+            <a:picLocks noChangeAspect="1"/>
+          </p:cNvPicPr>
+          <p:nvPr/>
+        </p:nvPicPr>
+        <p:blipFill rotWithShape="1">
+          <a:blip r:embed="rId3">
+            <a:extLst>
+              <a:ext uri="{28A0092B-C50C-407E-A947-70E740481C1C}">
+                <a14:useLocalDpi xmlns:a14="http://schemas.microsoft.com/office/drawing/2010/main" val="0"/>
+              </a:ext>
+            </a:extLst>
+          </a:blip>
+          <a:srcRect l="3263" r="3263"/>
+          <a:stretch/>
+        </p:blipFill>
+        <p:spPr>
+          <a:xfrm>
+            <a:off x="7105475" y="2400217"/>
+            <a:ext cx="4383176" cy="2973156"/>
+          </a:xfrm>
+          <a:prstGeom prst="rect">
+            <a:avLst/>
+          </a:prstGeom>
+        </p:spPr>
+      </p:pic>
+    </p:spTree>
+    <p:extLst>
+      <p:ext uri="{BB962C8B-B14F-4D97-AF65-F5344CB8AC3E}">
+        <p14:creationId xmlns:p14="http://schemas.microsoft.com/office/powerpoint/2010/main" val="2308465195"/>
+      </p:ext>
+    </p:extLst>
+  </p:cSld>
+  <p:clrMapOvr>
+    <a:masterClrMapping/>
+  </p:clrMapOvr>
+</p:sld>
+</file>
+
+<file path=ppt/slides/slide11.xml><?xml version="1.0" encoding="utf-8"?>
+<p:sld xmlns:a="http://schemas.openxmlformats.org/drawingml/2006/main" xmlns:r="http://schemas.openxmlformats.org/officeDocument/2006/relationships" xmlns:p="http://schemas.openxmlformats.org/presentationml/2006/main">
+  <p:cSld>
+    <p:spTree>
+      <p:nvGrpSpPr>
+        <p:cNvPr id="1" name=""/>
+        <p:cNvGrpSpPr/>
+        <p:nvPr/>
+      </p:nvGrpSpPr>
+      <p:grpSpPr>
+        <a:xfrm>
+          <a:off x="0" y="0"/>
+          <a:ext cx="0" cy="0"/>
+          <a:chOff x="0" y="0"/>
+          <a:chExt cx="0" cy="0"/>
+        </a:xfrm>
+      </p:grpSpPr>
+      <p:sp>
+        <p:nvSpPr>
+          <p:cNvPr id="15" name="Rectangle 14">
+            <a:extLst>
+              <a:ext uri="{FF2B5EF4-FFF2-40B4-BE49-F238E27FC236}">
+                <a16:creationId xmlns:a16="http://schemas.microsoft.com/office/drawing/2014/main" id="{FB6ABF2A-B7AA-45B0-8C9F-7C33BE107750}"/>
+              </a:ext>
+            </a:extLst>
+          </p:cNvPr>
+          <p:cNvSpPr/>
+          <p:nvPr/>
+        </p:nvSpPr>
+        <p:spPr>
+          <a:xfrm>
+            <a:off x="-1" y="-55983"/>
+            <a:ext cx="12192000" cy="584206"/>
+          </a:xfrm>
+          <a:prstGeom prst="rect">
+            <a:avLst/>
+          </a:prstGeom>
+          <a:solidFill>
+            <a:srgbClr val="4D85AC"/>
+          </a:solidFill>
+          <a:ln>
+            <a:noFill/>
+          </a:ln>
+        </p:spPr>
+        <p:style>
+          <a:lnRef idx="2">
+            <a:schemeClr val="accent1">
+              <a:shade val="50000"/>
+            </a:schemeClr>
+          </a:lnRef>
+          <a:fillRef idx="1">
+            <a:schemeClr val="accent1"/>
+          </a:fillRef>
+          <a:effectRef idx="0">
+            <a:schemeClr val="accent1"/>
+          </a:effectRef>
+          <a:fontRef idx="minor">
+            <a:schemeClr val="lt1"/>
+          </a:fontRef>
+        </p:style>
+        <p:txBody>
+          <a:bodyPr rtlCol="0" anchor="ctr"/>
+          <a:lstStyle/>
+          <a:p>
+            <a:pPr algn="ctr"/>
+            <a:endParaRPr lang="en-GB" dirty="0"/>
+          </a:p>
+        </p:txBody>
+      </p:sp>
+      <p:sp>
+        <p:nvSpPr>
+          <p:cNvPr id="14" name="Rectangle 13">
+            <a:extLst>
+              <a:ext uri="{FF2B5EF4-FFF2-40B4-BE49-F238E27FC236}">
+                <a16:creationId xmlns:a16="http://schemas.microsoft.com/office/drawing/2014/main" id="{5991AE03-D881-4210-BE5E-68F6A9313743}"/>
+              </a:ext>
+            </a:extLst>
+          </p:cNvPr>
+          <p:cNvSpPr/>
+          <p:nvPr/>
+        </p:nvSpPr>
+        <p:spPr>
+          <a:xfrm>
+            <a:off x="-1" y="6273793"/>
+            <a:ext cx="12192000" cy="584206"/>
+          </a:xfrm>
+          <a:prstGeom prst="rect">
+            <a:avLst/>
+          </a:prstGeom>
+          <a:solidFill>
+            <a:srgbClr val="4D85AC"/>
+          </a:solidFill>
+          <a:ln>
+            <a:noFill/>
+          </a:ln>
+        </p:spPr>
+        <p:style>
+          <a:lnRef idx="2">
+            <a:schemeClr val="accent1">
+              <a:shade val="50000"/>
+            </a:schemeClr>
+          </a:lnRef>
+          <a:fillRef idx="1">
+            <a:schemeClr val="accent1"/>
+          </a:fillRef>
+          <a:effectRef idx="0">
+            <a:schemeClr val="accent1"/>
+          </a:effectRef>
+          <a:fontRef idx="minor">
+            <a:schemeClr val="lt1"/>
+          </a:fontRef>
+        </p:style>
+        <p:txBody>
+          <a:bodyPr rtlCol="0" anchor="ctr"/>
+          <a:lstStyle/>
+          <a:p>
+            <a:pPr algn="ctr"/>
+            <a:endParaRPr lang="en-GB"/>
+          </a:p>
+        </p:txBody>
+      </p:sp>
+      <p:pic>
+        <p:nvPicPr>
+          <p:cNvPr id="8" name="Image 7">
+            <a:extLst>
+              <a:ext uri="{FF2B5EF4-FFF2-40B4-BE49-F238E27FC236}">
+                <a16:creationId xmlns:a16="http://schemas.microsoft.com/office/drawing/2014/main" id="{EA38C521-6413-42B9-81AD-887DF5B7AB72}"/>
+              </a:ext>
+            </a:extLst>
+          </p:cNvPr>
+          <p:cNvPicPr>
+            <a:picLocks noChangeAspect="1"/>
+          </p:cNvPicPr>
+          <p:nvPr/>
+        </p:nvPicPr>
+        <p:blipFill>
+          <a:blip r:embed="rId2">
+            <a:extLst>
+              <a:ext uri="{28A0092B-C50C-407E-A947-70E740481C1C}">
+                <a14:useLocalDpi xmlns:a14="http://schemas.microsoft.com/office/drawing/2010/main" val="0"/>
+              </a:ext>
+            </a:extLst>
+          </a:blip>
+          <a:stretch>
+            <a:fillRect/>
+          </a:stretch>
+        </p:blipFill>
+        <p:spPr>
+          <a:xfrm>
+            <a:off x="9470571" y="6273793"/>
+            <a:ext cx="2721429" cy="584206"/>
+          </a:xfrm>
+          <a:prstGeom prst="rect">
+            <a:avLst/>
+          </a:prstGeom>
+        </p:spPr>
+      </p:pic>
+      <p:sp>
+        <p:nvSpPr>
+          <p:cNvPr id="7" name="ZoneTexte 6">
+            <a:extLst>
+              <a:ext uri="{FF2B5EF4-FFF2-40B4-BE49-F238E27FC236}">
+                <a16:creationId xmlns:a16="http://schemas.microsoft.com/office/drawing/2014/main" id="{2EAE0A08-311A-4426-B5FD-5CEEE4A02870}"/>
+              </a:ext>
+            </a:extLst>
+          </p:cNvPr>
+          <p:cNvSpPr txBox="1"/>
+          <p:nvPr/>
+        </p:nvSpPr>
+        <p:spPr>
+          <a:xfrm>
+            <a:off x="703349" y="1115217"/>
+            <a:ext cx="4899568" cy="523220"/>
+          </a:xfrm>
+          <a:prstGeom prst="rect">
+            <a:avLst/>
+          </a:prstGeom>
+          <a:noFill/>
+        </p:spPr>
+        <p:txBody>
+          <a:bodyPr wrap="none" rIns="90000" rtlCol="0">
+            <a:spAutoFit/>
+          </a:bodyPr>
+          <a:lstStyle/>
+          <a:p>
+            <a:r>
+              <a:rPr lang="fr-FR" sz="2800" i="1" cap="small" dirty="0" err="1"/>
+              <a:t>Oversampling</a:t>
+            </a:r>
+            <a:r>
+              <a:rPr lang="fr-FR" sz="2800" i="1" cap="small" dirty="0"/>
+              <a:t> </a:t>
+            </a:r>
+            <a:r>
+              <a:rPr lang="fr-FR" sz="2800" cap="small" dirty="0"/>
+              <a:t>&amp;</a:t>
+            </a:r>
+            <a:r>
+              <a:rPr lang="fr-FR" sz="2800" i="1" cap="small" dirty="0"/>
+              <a:t> Power </a:t>
+            </a:r>
+            <a:r>
+              <a:rPr lang="fr-FR" sz="2800" i="1" cap="small" dirty="0" err="1"/>
+              <a:t>iterations</a:t>
+            </a:r>
+            <a:endParaRPr lang="en-GB" sz="2800" i="1" cap="small" dirty="0"/>
+          </a:p>
+        </p:txBody>
+      </p:sp>
+      <p:sp>
+        <p:nvSpPr>
+          <p:cNvPr id="9" name="ZoneTexte 8">
+            <a:extLst>
+              <a:ext uri="{FF2B5EF4-FFF2-40B4-BE49-F238E27FC236}">
+                <a16:creationId xmlns:a16="http://schemas.microsoft.com/office/drawing/2014/main" id="{1A3B7EF4-3554-48F7-9FCF-E91B9877C9B2}"/>
+              </a:ext>
+            </a:extLst>
+          </p:cNvPr>
+          <p:cNvSpPr txBox="1"/>
+          <p:nvPr/>
+        </p:nvSpPr>
+        <p:spPr>
+          <a:xfrm>
+            <a:off x="5154385" y="6396619"/>
+            <a:ext cx="1883229" cy="338554"/>
+          </a:xfrm>
+          <a:prstGeom prst="rect">
+            <a:avLst/>
+          </a:prstGeom>
+          <a:noFill/>
+        </p:spPr>
+        <p:txBody>
+          <a:bodyPr wrap="none" rIns="90000" rtlCol="0">
+            <a:spAutoFit/>
+          </a:bodyPr>
+          <a:lstStyle/>
+          <a:p>
+            <a:pPr algn="ctr"/>
+            <a:r>
+              <a:rPr lang="fr-FR" sz="1600" dirty="0">
+                <a:solidFill>
+                  <a:schemeClr val="bg1"/>
+                </a:solidFill>
+              </a:rPr>
+              <a:t>mercredi 27 octobre</a:t>
+            </a:r>
+          </a:p>
+        </p:txBody>
+      </p:sp>
+      <p:sp>
+        <p:nvSpPr>
+          <p:cNvPr id="10" name="ZoneTexte 9">
+            <a:extLst>
+              <a:ext uri="{FF2B5EF4-FFF2-40B4-BE49-F238E27FC236}">
+                <a16:creationId xmlns:a16="http://schemas.microsoft.com/office/drawing/2014/main" id="{07B48EFA-38D7-4F9C-88E9-63AA6B2A2570}"/>
+              </a:ext>
+            </a:extLst>
+          </p:cNvPr>
+          <p:cNvSpPr txBox="1"/>
+          <p:nvPr/>
+        </p:nvSpPr>
+        <p:spPr>
+          <a:xfrm>
+            <a:off x="0" y="6396619"/>
+            <a:ext cx="2815279" cy="338554"/>
+          </a:xfrm>
+          <a:prstGeom prst="rect">
+            <a:avLst/>
+          </a:prstGeom>
+          <a:noFill/>
+        </p:spPr>
+        <p:txBody>
+          <a:bodyPr wrap="none" rIns="90000" rtlCol="0">
+            <a:spAutoFit/>
+          </a:bodyPr>
+          <a:lstStyle/>
+          <a:p>
+            <a:pPr algn="ctr"/>
+            <a:r>
+              <a:rPr lang="fr-FR" sz="1600" dirty="0">
+                <a:solidFill>
+                  <a:schemeClr val="bg1"/>
+                </a:solidFill>
+              </a:rPr>
+              <a:t>Pierre Cottais &amp; Elias Hermance</a:t>
+            </a:r>
+          </a:p>
+        </p:txBody>
+      </p:sp>
+      <p:sp>
+        <p:nvSpPr>
+          <p:cNvPr id="2" name="ZoneTexte 1">
+            <a:extLst>
+              <a:ext uri="{FF2B5EF4-FFF2-40B4-BE49-F238E27FC236}">
+                <a16:creationId xmlns:a16="http://schemas.microsoft.com/office/drawing/2014/main" id="{6A3C02BA-D98B-429A-ABFC-CC394B90A4ED}"/>
+              </a:ext>
+            </a:extLst>
+          </p:cNvPr>
+          <p:cNvSpPr txBox="1"/>
+          <p:nvPr/>
+        </p:nvSpPr>
+        <p:spPr>
+          <a:xfrm>
+            <a:off x="11731692" y="51454"/>
+            <a:ext cx="301686" cy="369332"/>
+          </a:xfrm>
+          <a:prstGeom prst="rect">
+            <a:avLst/>
+          </a:prstGeom>
+          <a:noFill/>
+        </p:spPr>
+        <p:txBody>
+          <a:bodyPr wrap="none" rtlCol="0" anchor="ctr">
+            <a:spAutoFit/>
+          </a:bodyPr>
+          <a:lstStyle/>
+          <a:p>
+            <a:pPr algn="ctr"/>
+            <a:fld id="{42B166C4-9C59-44E3-B8D8-4B6B7AAF346F}" type="slidenum">
+              <a:rPr lang="fr-FR" smtClean="0">
+                <a:solidFill>
+                  <a:schemeClr val="bg1"/>
+                </a:solidFill>
+              </a:rPr>
+              <a:pPr algn="ctr"/>
+              <a:t>11</a:t>
+            </a:fld>
+            <a:endParaRPr lang="en-GB" dirty="0">
+              <a:solidFill>
+                <a:schemeClr val="bg1"/>
+              </a:solidFill>
+            </a:endParaRPr>
+          </a:p>
+        </p:txBody>
+      </p:sp>
+      <p:grpSp>
+        <p:nvGrpSpPr>
+          <p:cNvPr id="3" name="Groupe 2">
+            <a:extLst>
+              <a:ext uri="{FF2B5EF4-FFF2-40B4-BE49-F238E27FC236}">
+                <a16:creationId xmlns:a16="http://schemas.microsoft.com/office/drawing/2014/main" id="{EB45EAAE-26DA-4EA7-8000-1975055BD7AF}"/>
+              </a:ext>
+            </a:extLst>
+          </p:cNvPr>
+          <p:cNvGrpSpPr/>
+          <p:nvPr/>
+        </p:nvGrpSpPr>
+        <p:grpSpPr>
+          <a:xfrm>
+            <a:off x="703349" y="38501"/>
+            <a:ext cx="9513581" cy="404759"/>
+            <a:chOff x="703349" y="38501"/>
+            <a:chExt cx="9513581" cy="404759"/>
+          </a:xfrm>
+        </p:grpSpPr>
+        <p:sp>
+          <p:nvSpPr>
+            <p:cNvPr id="16" name="ZoneTexte 15">
+              <a:extLst>
+                <a:ext uri="{FF2B5EF4-FFF2-40B4-BE49-F238E27FC236}">
+                  <a16:creationId xmlns:a16="http://schemas.microsoft.com/office/drawing/2014/main" id="{046AC462-364F-4722-BF37-AD8D8B83DC4C}"/>
+                </a:ext>
+              </a:extLst>
+            </p:cNvPr>
+            <p:cNvSpPr txBox="1"/>
+            <p:nvPr/>
+          </p:nvSpPr>
+          <p:spPr>
+            <a:xfrm>
+              <a:off x="703349" y="43150"/>
+              <a:ext cx="1414041" cy="400110"/>
+            </a:xfrm>
+            <a:prstGeom prst="rect">
+              <a:avLst/>
+            </a:prstGeom>
+            <a:noFill/>
+          </p:spPr>
+          <p:txBody>
+            <a:bodyPr wrap="none" rtlCol="0" anchor="ctr">
+              <a:spAutoFit/>
+            </a:bodyPr>
+            <a:lstStyle/>
+            <a:p>
+              <a:r>
+                <a:rPr lang="fr-FR" sz="2000" cap="small" dirty="0">
+                  <a:solidFill>
+                    <a:schemeClr val="bg1"/>
+                  </a:solidFill>
+                </a:rPr>
+                <a:t>Rappels SVD</a:t>
+              </a:r>
+              <a:endParaRPr lang="en-GB" sz="2000" cap="small" dirty="0">
+                <a:solidFill>
+                  <a:schemeClr val="bg1"/>
+                </a:solidFill>
+              </a:endParaRPr>
+            </a:p>
+          </p:txBody>
+        </p:sp>
+        <p:sp>
+          <p:nvSpPr>
+            <p:cNvPr id="18" name="ZoneTexte 17">
+              <a:extLst>
+                <a:ext uri="{FF2B5EF4-FFF2-40B4-BE49-F238E27FC236}">
+                  <a16:creationId xmlns:a16="http://schemas.microsoft.com/office/drawing/2014/main" id="{BEBFFE04-CCBB-4D5C-BC6E-4D87085243AF}"/>
+                </a:ext>
+              </a:extLst>
+            </p:cNvPr>
+            <p:cNvSpPr txBox="1"/>
+            <p:nvPr/>
+          </p:nvSpPr>
+          <p:spPr>
+            <a:xfrm>
+              <a:off x="8870086" y="38501"/>
+              <a:ext cx="1346844" cy="400110"/>
+            </a:xfrm>
+            <a:prstGeom prst="rect">
+              <a:avLst/>
+            </a:prstGeom>
+            <a:noFill/>
+          </p:spPr>
+          <p:txBody>
+            <a:bodyPr wrap="none" rtlCol="0" anchor="ctr">
+              <a:spAutoFit/>
+            </a:bodyPr>
+            <a:lstStyle/>
+            <a:p>
+              <a:r>
+                <a:rPr lang="fr-FR" sz="2000" b="1" cap="small" dirty="0">
+                  <a:solidFill>
+                    <a:schemeClr val="bg1"/>
+                  </a:solidFill>
+                </a:rPr>
+                <a:t>Application</a:t>
+              </a:r>
+              <a:endParaRPr lang="en-GB" sz="2000" b="1" cap="small" dirty="0">
+                <a:solidFill>
+                  <a:schemeClr val="bg1"/>
+                </a:solidFill>
+              </a:endParaRPr>
+            </a:p>
+          </p:txBody>
+        </p:sp>
+        <p:sp>
+          <p:nvSpPr>
+            <p:cNvPr id="21" name="ZoneTexte 20">
+              <a:extLst>
+                <a:ext uri="{FF2B5EF4-FFF2-40B4-BE49-F238E27FC236}">
+                  <a16:creationId xmlns:a16="http://schemas.microsoft.com/office/drawing/2014/main" id="{D46C29AE-FDB1-4981-92EE-4A7ED0621DC7}"/>
+                </a:ext>
+              </a:extLst>
+            </p:cNvPr>
+            <p:cNvSpPr txBox="1"/>
+            <p:nvPr/>
+          </p:nvSpPr>
+          <p:spPr>
+            <a:xfrm>
+              <a:off x="5151240" y="51454"/>
+              <a:ext cx="684996" cy="369332"/>
+            </a:xfrm>
+            <a:prstGeom prst="rect">
+              <a:avLst/>
+            </a:prstGeom>
+            <a:noFill/>
+          </p:spPr>
+          <p:txBody>
+            <a:bodyPr wrap="none" rtlCol="0" anchor="ctr">
+              <a:spAutoFit/>
+            </a:bodyPr>
+            <a:lstStyle/>
+            <a:p>
+              <a:r>
+                <a:rPr lang="fr-FR" cap="small" dirty="0">
+                  <a:solidFill>
+                    <a:schemeClr val="bg1"/>
+                  </a:solidFill>
+                </a:rPr>
+                <a:t>RSVD</a:t>
+              </a:r>
+              <a:endParaRPr lang="en-GB" cap="small" dirty="0">
+                <a:solidFill>
+                  <a:schemeClr val="bg1"/>
+                </a:solidFill>
+              </a:endParaRPr>
+            </a:p>
+          </p:txBody>
+        </p:sp>
+      </p:grpSp>
+      <p:pic>
+        <p:nvPicPr>
+          <p:cNvPr id="26" name="Image 25">
+            <a:extLst>
+              <a:ext uri="{FF2B5EF4-FFF2-40B4-BE49-F238E27FC236}">
+                <a16:creationId xmlns:a16="http://schemas.microsoft.com/office/drawing/2014/main" id="{CA470C22-EB45-41C6-9348-34ED20DBBA21}"/>
+              </a:ext>
+            </a:extLst>
+          </p:cNvPr>
+          <p:cNvPicPr>
+            <a:picLocks noChangeAspect="1"/>
+          </p:cNvPicPr>
+          <p:nvPr/>
+        </p:nvPicPr>
+        <p:blipFill rotWithShape="1">
+          <a:blip r:embed="rId3">
+            <a:extLst>
+              <a:ext uri="{28A0092B-C50C-407E-A947-70E740481C1C}">
+                <a14:useLocalDpi xmlns:a14="http://schemas.microsoft.com/office/drawing/2010/main" val="0"/>
+              </a:ext>
+            </a:extLst>
+          </a:blip>
+          <a:srcRect l="3263" r="3263"/>
+          <a:stretch/>
+        </p:blipFill>
+        <p:spPr>
+          <a:xfrm>
+            <a:off x="7105475" y="2400217"/>
+            <a:ext cx="4383176" cy="2973156"/>
+          </a:xfrm>
+          <a:prstGeom prst="rect">
+            <a:avLst/>
+          </a:prstGeom>
+        </p:spPr>
+      </p:pic>
+      <p:sp>
+        <p:nvSpPr>
+          <p:cNvPr id="17" name="ZoneTexte 16">
+            <a:extLst>
+              <a:ext uri="{FF2B5EF4-FFF2-40B4-BE49-F238E27FC236}">
+                <a16:creationId xmlns:a16="http://schemas.microsoft.com/office/drawing/2014/main" id="{8DAF000E-17AA-4600-B8B9-C972BAA33DDE}"/>
+              </a:ext>
+            </a:extLst>
+          </p:cNvPr>
+          <p:cNvSpPr txBox="1"/>
+          <p:nvPr/>
+        </p:nvSpPr>
+        <p:spPr>
+          <a:xfrm>
+            <a:off x="703349" y="2217428"/>
+            <a:ext cx="5777159" cy="2784737"/>
+          </a:xfrm>
+          <a:prstGeom prst="rect">
+            <a:avLst/>
+          </a:prstGeom>
+          <a:noFill/>
+        </p:spPr>
+        <p:txBody>
+          <a:bodyPr wrap="none" rtlCol="0">
+            <a:spAutoFit/>
+          </a:bodyPr>
+          <a:lstStyle/>
+          <a:p>
+            <a:pPr marL="285750" indent="-285750">
+              <a:lnSpc>
+                <a:spcPct val="200000"/>
+              </a:lnSpc>
+              <a:buFont typeface="Arial" panose="020B0604020202020204" pitchFamily="34" charset="0"/>
+              <a:buChar char="•"/>
+            </a:pPr>
+            <a:r>
+              <a:rPr lang="fr-FR" i="1" dirty="0" err="1"/>
+              <a:t>Oversampling</a:t>
+            </a:r>
+            <a:r>
+              <a:rPr lang="fr-FR" i="1" dirty="0"/>
+              <a:t>:</a:t>
+            </a:r>
+            <a:r>
+              <a:rPr lang="fr-FR" dirty="0"/>
+              <a:t> </a:t>
+            </a:r>
+          </a:p>
+          <a:p>
+            <a:pPr marL="742950" lvl="1" indent="-285750">
+              <a:lnSpc>
+                <a:spcPct val="200000"/>
+              </a:lnSpc>
+              <a:buFont typeface="Calibri" panose="020F0502020204030204" pitchFamily="34" charset="0"/>
+              <a:buChar char="-"/>
+            </a:pPr>
+            <a:r>
+              <a:rPr lang="fr-FR" dirty="0"/>
+              <a:t>Variation de </a:t>
+            </a:r>
+            <a:r>
+              <a:rPr lang="fr-FR" i="1" dirty="0"/>
+              <a:t>p </a:t>
+            </a:r>
+            <a:endParaRPr lang="fr-FR" dirty="0"/>
+          </a:p>
+          <a:p>
+            <a:pPr marL="285750" indent="-285750">
+              <a:lnSpc>
+                <a:spcPct val="200000"/>
+              </a:lnSpc>
+              <a:buFont typeface="Arial" panose="020B0604020202020204" pitchFamily="34" charset="0"/>
+              <a:buChar char="•"/>
+            </a:pPr>
+            <a:r>
+              <a:rPr lang="fr-FR" i="1" dirty="0"/>
+              <a:t>Power </a:t>
+            </a:r>
+            <a:r>
+              <a:rPr lang="fr-FR" i="1" dirty="0" err="1"/>
+              <a:t>iterations</a:t>
+            </a:r>
+            <a:r>
+              <a:rPr lang="fr-FR" i="1" dirty="0"/>
+              <a:t>:</a:t>
+            </a:r>
+            <a:endParaRPr lang="fr-FR" dirty="0"/>
+          </a:p>
+          <a:p>
+            <a:pPr marL="742950" lvl="1" indent="-285750">
+              <a:buFont typeface="Calibri" panose="020F0502020204030204" pitchFamily="34" charset="0"/>
+              <a:buChar char="-"/>
+            </a:pPr>
+            <a:r>
+              <a:rPr lang="fr-FR" dirty="0"/>
+              <a:t>Variation de </a:t>
+            </a:r>
+            <a:r>
+              <a:rPr lang="fr-FR" i="1" dirty="0"/>
+              <a:t>q (0 et 5)</a:t>
+            </a:r>
+            <a:r>
+              <a:rPr lang="fr-FR" i="1" dirty="0">
+                <a:sym typeface="Wingdings" panose="05000000000000000000" pitchFamily="2" charset="2"/>
+              </a:rPr>
+              <a:t> Augmente le </a:t>
+            </a:r>
+            <a:r>
+              <a:rPr lang="fr-FR" i="1" dirty="0" err="1">
+                <a:sym typeface="Wingdings" panose="05000000000000000000" pitchFamily="2" charset="2"/>
+              </a:rPr>
+              <a:t>computing</a:t>
+            </a:r>
+            <a:r>
+              <a:rPr lang="fr-FR" i="1" dirty="0">
+                <a:sym typeface="Wingdings" panose="05000000000000000000" pitchFamily="2" charset="2"/>
+              </a:rPr>
+              <a:t> time </a:t>
+            </a:r>
+            <a:br>
+              <a:rPr lang="fr-FR" i="1" dirty="0">
+                <a:sym typeface="Wingdings" panose="05000000000000000000" pitchFamily="2" charset="2"/>
+              </a:rPr>
+            </a:br>
+            <a:r>
+              <a:rPr lang="fr-FR" i="1" dirty="0">
+                <a:sym typeface="Wingdings" panose="05000000000000000000" pitchFamily="2" charset="2"/>
+              </a:rPr>
+              <a:t>mais affine les valeurs singulières</a:t>
+            </a:r>
+            <a:endParaRPr lang="fr-FR" i="1" dirty="0"/>
+          </a:p>
+          <a:p>
+            <a:pPr marL="742950" lvl="1" indent="-285750">
+              <a:lnSpc>
+                <a:spcPct val="200000"/>
+              </a:lnSpc>
+              <a:buFont typeface="Calibri" panose="020F0502020204030204" pitchFamily="34" charset="0"/>
+              <a:buChar char="-"/>
+            </a:pPr>
+            <a:r>
+              <a:rPr lang="fr-FR" dirty="0"/>
+              <a:t>Comparaison des valeurs singulières de </a:t>
+            </a:r>
+            <a:r>
+              <a:rPr lang="fr-FR" i="1" dirty="0"/>
+              <a:t>Λ </a:t>
+            </a:r>
+            <a:endParaRPr lang="fr-FR" dirty="0"/>
+          </a:p>
+        </p:txBody>
+      </p:sp>
+    </p:spTree>
+    <p:extLst>
+      <p:ext uri="{BB962C8B-B14F-4D97-AF65-F5344CB8AC3E}">
+        <p14:creationId xmlns:p14="http://schemas.microsoft.com/office/powerpoint/2010/main" val="2768583079"/>
+      </p:ext>
+    </p:extLst>
+  </p:cSld>
+  <p:clrMapOvr>
+    <a:masterClrMapping/>
+  </p:clrMapOvr>
+</p:sld>
+</file>
+
+<file path=ppt/slides/slide12.xml><?xml version="1.0" encoding="utf-8"?>
+<p:sld xmlns:a="http://schemas.openxmlformats.org/drawingml/2006/main" xmlns:r="http://schemas.openxmlformats.org/officeDocument/2006/relationships" xmlns:p="http://schemas.openxmlformats.org/presentationml/2006/main">
+  <p:cSld>
+    <p:spTree>
+      <p:nvGrpSpPr>
+        <p:cNvPr id="1" name=""/>
+        <p:cNvGrpSpPr/>
+        <p:nvPr/>
+      </p:nvGrpSpPr>
+      <p:grpSpPr>
+        <a:xfrm>
+          <a:off x="0" y="0"/>
+          <a:ext cx="0" cy="0"/>
+          <a:chOff x="0" y="0"/>
+          <a:chExt cx="0" cy="0"/>
+        </a:xfrm>
+      </p:grpSpPr>
+      <p:sp>
+        <p:nvSpPr>
+          <p:cNvPr id="15" name="Rectangle 14">
+            <a:extLst>
+              <a:ext uri="{FF2B5EF4-FFF2-40B4-BE49-F238E27FC236}">
+                <a16:creationId xmlns:a16="http://schemas.microsoft.com/office/drawing/2014/main" id="{FB6ABF2A-B7AA-45B0-8C9F-7C33BE107750}"/>
+              </a:ext>
+            </a:extLst>
+          </p:cNvPr>
+          <p:cNvSpPr/>
+          <p:nvPr/>
+        </p:nvSpPr>
+        <p:spPr>
+          <a:xfrm>
+            <a:off x="-1" y="-55983"/>
+            <a:ext cx="12192000" cy="584206"/>
+          </a:xfrm>
+          <a:prstGeom prst="rect">
+            <a:avLst/>
+          </a:prstGeom>
+          <a:solidFill>
+            <a:srgbClr val="4D85AC"/>
+          </a:solidFill>
+          <a:ln>
+            <a:noFill/>
+          </a:ln>
+        </p:spPr>
+        <p:style>
+          <a:lnRef idx="2">
+            <a:schemeClr val="accent1">
+              <a:shade val="50000"/>
+            </a:schemeClr>
+          </a:lnRef>
+          <a:fillRef idx="1">
+            <a:schemeClr val="accent1"/>
+          </a:fillRef>
+          <a:effectRef idx="0">
+            <a:schemeClr val="accent1"/>
+          </a:effectRef>
+          <a:fontRef idx="minor">
+            <a:schemeClr val="lt1"/>
+          </a:fontRef>
+        </p:style>
+        <p:txBody>
+          <a:bodyPr rtlCol="0" anchor="ctr"/>
+          <a:lstStyle/>
+          <a:p>
+            <a:pPr algn="ctr"/>
+            <a:endParaRPr lang="en-GB" dirty="0"/>
+          </a:p>
+        </p:txBody>
+      </p:sp>
+      <p:sp>
+        <p:nvSpPr>
+          <p:cNvPr id="14" name="Rectangle 13">
+            <a:extLst>
+              <a:ext uri="{FF2B5EF4-FFF2-40B4-BE49-F238E27FC236}">
+                <a16:creationId xmlns:a16="http://schemas.microsoft.com/office/drawing/2014/main" id="{5991AE03-D881-4210-BE5E-68F6A9313743}"/>
+              </a:ext>
+            </a:extLst>
+          </p:cNvPr>
+          <p:cNvSpPr/>
+          <p:nvPr/>
+        </p:nvSpPr>
+        <p:spPr>
+          <a:xfrm>
+            <a:off x="-1" y="6273793"/>
+            <a:ext cx="12192000" cy="584206"/>
+          </a:xfrm>
+          <a:prstGeom prst="rect">
+            <a:avLst/>
+          </a:prstGeom>
+          <a:solidFill>
+            <a:srgbClr val="4D85AC"/>
+          </a:solidFill>
+          <a:ln>
+            <a:noFill/>
+          </a:ln>
+        </p:spPr>
+        <p:style>
+          <a:lnRef idx="2">
+            <a:schemeClr val="accent1">
+              <a:shade val="50000"/>
+            </a:schemeClr>
+          </a:lnRef>
+          <a:fillRef idx="1">
+            <a:schemeClr val="accent1"/>
+          </a:fillRef>
+          <a:effectRef idx="0">
+            <a:schemeClr val="accent1"/>
+          </a:effectRef>
+          <a:fontRef idx="minor">
+            <a:schemeClr val="lt1"/>
+          </a:fontRef>
+        </p:style>
+        <p:txBody>
+          <a:bodyPr rtlCol="0" anchor="ctr"/>
+          <a:lstStyle/>
+          <a:p>
+            <a:pPr algn="ctr"/>
+            <a:endParaRPr lang="en-GB"/>
+          </a:p>
+        </p:txBody>
+      </p:sp>
+      <p:pic>
+        <p:nvPicPr>
+          <p:cNvPr id="8" name="Image 7">
+            <a:extLst>
+              <a:ext uri="{FF2B5EF4-FFF2-40B4-BE49-F238E27FC236}">
+                <a16:creationId xmlns:a16="http://schemas.microsoft.com/office/drawing/2014/main" id="{EA38C521-6413-42B9-81AD-887DF5B7AB72}"/>
+              </a:ext>
+            </a:extLst>
+          </p:cNvPr>
+          <p:cNvPicPr>
+            <a:picLocks noChangeAspect="1"/>
+          </p:cNvPicPr>
+          <p:nvPr/>
+        </p:nvPicPr>
+        <p:blipFill>
+          <a:blip r:embed="rId2">
+            <a:extLst>
+              <a:ext uri="{28A0092B-C50C-407E-A947-70E740481C1C}">
+                <a14:useLocalDpi xmlns:a14="http://schemas.microsoft.com/office/drawing/2010/main" val="0"/>
+              </a:ext>
+            </a:extLst>
+          </a:blip>
+          <a:stretch>
+            <a:fillRect/>
+          </a:stretch>
+        </p:blipFill>
+        <p:spPr>
+          <a:xfrm>
+            <a:off x="9470571" y="6273793"/>
+            <a:ext cx="2721429" cy="584206"/>
+          </a:xfrm>
+          <a:prstGeom prst="rect">
+            <a:avLst/>
+          </a:prstGeom>
+        </p:spPr>
+      </p:pic>
+      <p:sp>
+        <p:nvSpPr>
+          <p:cNvPr id="7" name="ZoneTexte 6">
+            <a:extLst>
+              <a:ext uri="{FF2B5EF4-FFF2-40B4-BE49-F238E27FC236}">
+                <a16:creationId xmlns:a16="http://schemas.microsoft.com/office/drawing/2014/main" id="{2EAE0A08-311A-4426-B5FD-5CEEE4A02870}"/>
+              </a:ext>
+            </a:extLst>
+          </p:cNvPr>
+          <p:cNvSpPr txBox="1"/>
+          <p:nvPr/>
+        </p:nvSpPr>
+        <p:spPr>
+          <a:xfrm>
+            <a:off x="703349" y="1115217"/>
+            <a:ext cx="1299992" cy="523220"/>
+          </a:xfrm>
+          <a:prstGeom prst="rect">
+            <a:avLst/>
+          </a:prstGeom>
+          <a:noFill/>
+        </p:spPr>
+        <p:txBody>
+          <a:bodyPr wrap="none" rIns="90000" rtlCol="0">
+            <a:spAutoFit/>
+          </a:bodyPr>
+          <a:lstStyle/>
+          <a:p>
+            <a:r>
+              <a:rPr lang="fr-FR" sz="2800" cap="small" dirty="0"/>
+              <a:t>Sources</a:t>
+            </a:r>
+            <a:endParaRPr lang="en-GB" sz="2800" cap="small" dirty="0"/>
+          </a:p>
+        </p:txBody>
+      </p:sp>
+      <p:sp>
+        <p:nvSpPr>
+          <p:cNvPr id="9" name="ZoneTexte 8">
+            <a:extLst>
+              <a:ext uri="{FF2B5EF4-FFF2-40B4-BE49-F238E27FC236}">
+                <a16:creationId xmlns:a16="http://schemas.microsoft.com/office/drawing/2014/main" id="{1A3B7EF4-3554-48F7-9FCF-E91B9877C9B2}"/>
+              </a:ext>
+            </a:extLst>
+          </p:cNvPr>
+          <p:cNvSpPr txBox="1"/>
+          <p:nvPr/>
+        </p:nvSpPr>
+        <p:spPr>
+          <a:xfrm>
+            <a:off x="5154385" y="6396619"/>
+            <a:ext cx="1883229" cy="338554"/>
+          </a:xfrm>
+          <a:prstGeom prst="rect">
+            <a:avLst/>
+          </a:prstGeom>
+          <a:noFill/>
+        </p:spPr>
+        <p:txBody>
+          <a:bodyPr wrap="none" rIns="90000" rtlCol="0">
+            <a:spAutoFit/>
+          </a:bodyPr>
+          <a:lstStyle/>
+          <a:p>
+            <a:pPr algn="ctr"/>
+            <a:r>
+              <a:rPr lang="fr-FR" sz="1600" dirty="0">
+                <a:solidFill>
+                  <a:schemeClr val="bg1"/>
+                </a:solidFill>
+              </a:rPr>
+              <a:t>mercredi 27 octobre</a:t>
+            </a:r>
+          </a:p>
+        </p:txBody>
+      </p:sp>
+      <p:sp>
+        <p:nvSpPr>
+          <p:cNvPr id="10" name="ZoneTexte 9">
+            <a:extLst>
+              <a:ext uri="{FF2B5EF4-FFF2-40B4-BE49-F238E27FC236}">
+                <a16:creationId xmlns:a16="http://schemas.microsoft.com/office/drawing/2014/main" id="{07B48EFA-38D7-4F9C-88E9-63AA6B2A2570}"/>
+              </a:ext>
+            </a:extLst>
+          </p:cNvPr>
+          <p:cNvSpPr txBox="1"/>
+          <p:nvPr/>
+        </p:nvSpPr>
+        <p:spPr>
+          <a:xfrm>
+            <a:off x="0" y="6396619"/>
+            <a:ext cx="2815279" cy="338554"/>
+          </a:xfrm>
+          <a:prstGeom prst="rect">
+            <a:avLst/>
+          </a:prstGeom>
+          <a:noFill/>
+        </p:spPr>
+        <p:txBody>
+          <a:bodyPr wrap="none" rIns="90000" rtlCol="0">
+            <a:spAutoFit/>
+          </a:bodyPr>
+          <a:lstStyle/>
+          <a:p>
+            <a:pPr algn="ctr"/>
+            <a:r>
+              <a:rPr lang="fr-FR" sz="1600" dirty="0">
+                <a:solidFill>
+                  <a:schemeClr val="bg1"/>
+                </a:solidFill>
+              </a:rPr>
+              <a:t>Pierre Cottais &amp; Elias Hermance</a:t>
+            </a:r>
+          </a:p>
+        </p:txBody>
+      </p:sp>
+      <p:sp>
+        <p:nvSpPr>
+          <p:cNvPr id="2" name="ZoneTexte 1">
+            <a:extLst>
+              <a:ext uri="{FF2B5EF4-FFF2-40B4-BE49-F238E27FC236}">
+                <a16:creationId xmlns:a16="http://schemas.microsoft.com/office/drawing/2014/main" id="{6A3C02BA-D98B-429A-ABFC-CC394B90A4ED}"/>
+              </a:ext>
+            </a:extLst>
+          </p:cNvPr>
+          <p:cNvSpPr txBox="1"/>
+          <p:nvPr/>
+        </p:nvSpPr>
+        <p:spPr>
+          <a:xfrm>
+            <a:off x="11731692" y="51454"/>
+            <a:ext cx="301686" cy="369332"/>
+          </a:xfrm>
+          <a:prstGeom prst="rect">
+            <a:avLst/>
+          </a:prstGeom>
+          <a:noFill/>
+        </p:spPr>
+        <p:txBody>
+          <a:bodyPr wrap="none" rtlCol="0" anchor="ctr">
+            <a:spAutoFit/>
+          </a:bodyPr>
+          <a:lstStyle/>
+          <a:p>
+            <a:pPr algn="ctr"/>
+            <a:fld id="{42B166C4-9C59-44E3-B8D8-4B6B7AAF346F}" type="slidenum">
+              <a:rPr lang="fr-FR" smtClean="0">
+                <a:solidFill>
+                  <a:schemeClr val="bg1"/>
+                </a:solidFill>
+              </a:rPr>
+              <a:pPr algn="ctr"/>
+              <a:t>12</a:t>
+            </a:fld>
+            <a:endParaRPr lang="en-GB" dirty="0">
+              <a:solidFill>
+                <a:schemeClr val="bg1"/>
+              </a:solidFill>
+            </a:endParaRPr>
+          </a:p>
+        </p:txBody>
+      </p:sp>
+      <p:grpSp>
+        <p:nvGrpSpPr>
+          <p:cNvPr id="3" name="Groupe 2">
+            <a:extLst>
+              <a:ext uri="{FF2B5EF4-FFF2-40B4-BE49-F238E27FC236}">
+                <a16:creationId xmlns:a16="http://schemas.microsoft.com/office/drawing/2014/main" id="{EB45EAAE-26DA-4EA7-8000-1975055BD7AF}"/>
+              </a:ext>
+            </a:extLst>
+          </p:cNvPr>
+          <p:cNvGrpSpPr/>
+          <p:nvPr/>
+        </p:nvGrpSpPr>
+        <p:grpSpPr>
+          <a:xfrm>
+            <a:off x="703349" y="43150"/>
+            <a:ext cx="9367707" cy="400110"/>
+            <a:chOff x="703349" y="43150"/>
+            <a:chExt cx="9367707" cy="400110"/>
+          </a:xfrm>
+        </p:grpSpPr>
+        <p:sp>
+          <p:nvSpPr>
+            <p:cNvPr id="16" name="ZoneTexte 15">
+              <a:extLst>
+                <a:ext uri="{FF2B5EF4-FFF2-40B4-BE49-F238E27FC236}">
+                  <a16:creationId xmlns:a16="http://schemas.microsoft.com/office/drawing/2014/main" id="{046AC462-364F-4722-BF37-AD8D8B83DC4C}"/>
+                </a:ext>
+              </a:extLst>
+            </p:cNvPr>
+            <p:cNvSpPr txBox="1"/>
+            <p:nvPr/>
+          </p:nvSpPr>
+          <p:spPr>
+            <a:xfrm>
+              <a:off x="703349" y="43150"/>
+              <a:ext cx="1414041" cy="400110"/>
+            </a:xfrm>
+            <a:prstGeom prst="rect">
+              <a:avLst/>
+            </a:prstGeom>
+            <a:noFill/>
+          </p:spPr>
+          <p:txBody>
+            <a:bodyPr wrap="none" rtlCol="0" anchor="ctr">
+              <a:spAutoFit/>
+            </a:bodyPr>
+            <a:lstStyle/>
+            <a:p>
+              <a:r>
+                <a:rPr lang="fr-FR" sz="2000" cap="small" dirty="0">
+                  <a:solidFill>
+                    <a:schemeClr val="bg1"/>
+                  </a:solidFill>
+                </a:rPr>
+                <a:t>Rappels SVD</a:t>
+              </a:r>
+              <a:endParaRPr lang="en-GB" sz="2000" cap="small" dirty="0">
+                <a:solidFill>
+                  <a:schemeClr val="bg1"/>
+                </a:solidFill>
+              </a:endParaRPr>
+            </a:p>
+          </p:txBody>
+        </p:sp>
+        <p:sp>
+          <p:nvSpPr>
+            <p:cNvPr id="18" name="ZoneTexte 17">
+              <a:extLst>
+                <a:ext uri="{FF2B5EF4-FFF2-40B4-BE49-F238E27FC236}">
+                  <a16:creationId xmlns:a16="http://schemas.microsoft.com/office/drawing/2014/main" id="{BEBFFE04-CCBB-4D5C-BC6E-4D87085243AF}"/>
+                </a:ext>
+              </a:extLst>
+            </p:cNvPr>
+            <p:cNvSpPr txBox="1"/>
+            <p:nvPr/>
+          </p:nvSpPr>
+          <p:spPr>
+            <a:xfrm>
+              <a:off x="8870086" y="53890"/>
+              <a:ext cx="1200970" cy="369332"/>
+            </a:xfrm>
+            <a:prstGeom prst="rect">
+              <a:avLst/>
+            </a:prstGeom>
+            <a:noFill/>
+          </p:spPr>
+          <p:txBody>
+            <a:bodyPr wrap="none" rtlCol="0" anchor="ctr">
+              <a:spAutoFit/>
+            </a:bodyPr>
+            <a:lstStyle/>
+            <a:p>
+              <a:r>
+                <a:rPr lang="fr-FR" cap="small" dirty="0">
+                  <a:solidFill>
+                    <a:schemeClr val="bg1"/>
+                  </a:solidFill>
+                </a:rPr>
+                <a:t>Application</a:t>
+              </a:r>
+              <a:endParaRPr lang="en-GB" cap="small" dirty="0">
+                <a:solidFill>
+                  <a:schemeClr val="bg1"/>
+                </a:solidFill>
+              </a:endParaRPr>
+            </a:p>
+          </p:txBody>
+        </p:sp>
+        <p:sp>
+          <p:nvSpPr>
+            <p:cNvPr id="21" name="ZoneTexte 20">
+              <a:extLst>
+                <a:ext uri="{FF2B5EF4-FFF2-40B4-BE49-F238E27FC236}">
+                  <a16:creationId xmlns:a16="http://schemas.microsoft.com/office/drawing/2014/main" id="{D46C29AE-FDB1-4981-92EE-4A7ED0621DC7}"/>
+                </a:ext>
+              </a:extLst>
+            </p:cNvPr>
+            <p:cNvSpPr txBox="1"/>
+            <p:nvPr/>
+          </p:nvSpPr>
+          <p:spPr>
+            <a:xfrm>
+              <a:off x="5151240" y="51454"/>
+              <a:ext cx="684996" cy="369332"/>
+            </a:xfrm>
+            <a:prstGeom prst="rect">
+              <a:avLst/>
+            </a:prstGeom>
+            <a:noFill/>
+          </p:spPr>
+          <p:txBody>
+            <a:bodyPr wrap="none" rtlCol="0" anchor="ctr">
+              <a:spAutoFit/>
+            </a:bodyPr>
+            <a:lstStyle/>
+            <a:p>
+              <a:r>
+                <a:rPr lang="fr-FR" cap="small" dirty="0">
+                  <a:solidFill>
+                    <a:schemeClr val="bg1"/>
+                  </a:solidFill>
+                </a:rPr>
+                <a:t>RSVD</a:t>
+              </a:r>
+              <a:endParaRPr lang="en-GB" cap="small" dirty="0">
+                <a:solidFill>
+                  <a:schemeClr val="bg1"/>
+                </a:solidFill>
+              </a:endParaRPr>
+            </a:p>
+          </p:txBody>
+        </p:sp>
+      </p:grpSp>
+      <p:sp>
+        <p:nvSpPr>
+          <p:cNvPr id="17" name="ZoneTexte 16">
+            <a:extLst>
+              <a:ext uri="{FF2B5EF4-FFF2-40B4-BE49-F238E27FC236}">
+                <a16:creationId xmlns:a16="http://schemas.microsoft.com/office/drawing/2014/main" id="{5CD52448-42C4-44F6-8949-C8AB39E761CE}"/>
+              </a:ext>
+            </a:extLst>
+          </p:cNvPr>
+          <p:cNvSpPr txBox="1"/>
+          <p:nvPr/>
+        </p:nvSpPr>
+        <p:spPr>
+          <a:xfrm>
+            <a:off x="703349" y="2217428"/>
+            <a:ext cx="9148145" cy="3170099"/>
+          </a:xfrm>
+          <a:prstGeom prst="rect">
+            <a:avLst/>
+          </a:prstGeom>
+          <a:noFill/>
+        </p:spPr>
+        <p:txBody>
+          <a:bodyPr wrap="none" rtlCol="0">
+            <a:spAutoFit/>
+          </a:bodyPr>
+          <a:lstStyle/>
+          <a:p>
+            <a:pPr marL="285750" indent="-285750">
+              <a:lnSpc>
+                <a:spcPct val="200000"/>
+              </a:lnSpc>
+              <a:buFont typeface="Arial" panose="020B0604020202020204" pitchFamily="34" charset="0"/>
+              <a:buChar char="•"/>
+            </a:pPr>
+            <a:r>
+              <a:rPr lang="fr-FR" dirty="0"/>
+              <a:t>« </a:t>
+            </a:r>
+            <a:r>
+              <a:rPr lang="en-GB" i="1" dirty="0"/>
+              <a:t>Singular Value Decomposition</a:t>
+            </a:r>
+            <a:r>
+              <a:rPr lang="fr-FR" dirty="0"/>
+              <a:t> »</a:t>
+            </a:r>
+            <a:r>
+              <a:rPr lang="en-GB" i="1" dirty="0"/>
+              <a:t> </a:t>
+            </a:r>
+            <a:r>
+              <a:rPr lang="en-GB" dirty="0"/>
+              <a:t>par Steven L. Brunton [YouTube]</a:t>
+            </a:r>
+          </a:p>
+          <a:p>
+            <a:r>
+              <a:rPr lang="en-GB" sz="1400" i="1" dirty="0">
+                <a:solidFill>
+                  <a:srgbClr val="4D85AC"/>
+                </a:solidFill>
+                <a:hlinkClick r:id="rId3">
+                  <a:extLst>
+                    <a:ext uri="{A12FA001-AC4F-418D-AE19-62706E023703}">
+                      <ahyp:hlinkClr xmlns:ahyp="http://schemas.microsoft.com/office/drawing/2018/hyperlinkcolor" val="tx"/>
+                    </a:ext>
+                  </a:extLst>
+                </a:hlinkClick>
+              </a:rPr>
+              <a:t>https://www.youtube.com/watch?v=gXbThCXjZFM&amp;list=PLMrJAkhIeNNSVjnsviglFoY2nXildDCcv</a:t>
+            </a:r>
+            <a:endParaRPr lang="en-GB" sz="1400" i="1" dirty="0">
+              <a:solidFill>
+                <a:srgbClr val="4D85AC"/>
+              </a:solidFill>
+            </a:endParaRPr>
+          </a:p>
+          <a:p>
+            <a:pPr marL="285750" marR="0" lvl="0" indent="-285750" algn="l" defTabSz="914400" rtl="0" eaLnBrk="1" fontAlgn="auto" latinLnBrk="0" hangingPunct="1">
+              <a:lnSpc>
+                <a:spcPct val="200000"/>
+              </a:lnSpc>
+              <a:spcBef>
+                <a:spcPts val="0"/>
+              </a:spcBef>
+              <a:spcAft>
+                <a:spcPts val="0"/>
+              </a:spcAft>
+              <a:buClrTx/>
+              <a:buSzTx/>
+              <a:buFont typeface="Arial" panose="020B0604020202020204" pitchFamily="34" charset="0"/>
+              <a:buChar char="•"/>
+              <a:tabLst/>
+              <a:defRPr/>
+            </a:pPr>
+            <a:r>
+              <a:rPr kumimoji="0" lang="fr-FR" sz="1800" b="0" i="0" u="none" strike="noStrike" kern="1200" cap="none" spc="0" normalizeH="0" baseline="0" noProof="0" dirty="0">
+                <a:ln>
+                  <a:noFill/>
+                </a:ln>
+                <a:solidFill>
+                  <a:prstClr val="black"/>
+                </a:solidFill>
+                <a:effectLst/>
+                <a:uLnTx/>
+                <a:uFillTx/>
+                <a:latin typeface="Calibri" panose="020F0502020204030204"/>
+                <a:ea typeface="+mn-ea"/>
+                <a:cs typeface="+mn-cs"/>
+              </a:rPr>
+              <a:t>« </a:t>
+            </a:r>
+            <a:r>
+              <a:rPr kumimoji="0" lang="en-GB" sz="1800" b="0" i="1" u="none" strike="noStrike" kern="1200" cap="none" spc="0" normalizeH="0" baseline="0" noProof="0" dirty="0">
+                <a:ln>
+                  <a:noFill/>
+                </a:ln>
+                <a:solidFill>
+                  <a:prstClr val="black"/>
+                </a:solidFill>
+                <a:effectLst/>
+                <a:uLnTx/>
+                <a:uFillTx/>
+                <a:latin typeface="Calibri" panose="020F0502020204030204"/>
+                <a:ea typeface="+mn-ea"/>
+                <a:cs typeface="+mn-cs"/>
+              </a:rPr>
+              <a:t>Randomized Matrix Decompositions Using R</a:t>
+            </a:r>
+            <a:r>
+              <a:rPr kumimoji="0" lang="fr-FR" sz="1800" b="0" i="0" u="none" strike="noStrike" kern="1200" cap="none" spc="0" normalizeH="0" baseline="0" noProof="0" dirty="0">
+                <a:ln>
+                  <a:noFill/>
+                </a:ln>
+                <a:solidFill>
+                  <a:prstClr val="black"/>
+                </a:solidFill>
+                <a:effectLst/>
+                <a:uLnTx/>
+                <a:uFillTx/>
+                <a:latin typeface="Calibri" panose="020F0502020204030204"/>
+                <a:ea typeface="+mn-ea"/>
+                <a:cs typeface="+mn-cs"/>
+              </a:rPr>
+              <a:t> »</a:t>
+            </a:r>
+            <a:r>
+              <a:rPr kumimoji="0" lang="en-GB" sz="1800" b="0" i="1" u="none" strike="noStrike" kern="1200" cap="none" spc="0" normalizeH="0" baseline="0" noProof="0" dirty="0">
+                <a:ln>
+                  <a:noFill/>
+                </a:ln>
+                <a:solidFill>
+                  <a:prstClr val="black"/>
+                </a:solidFill>
+                <a:effectLst/>
+                <a:uLnTx/>
+                <a:uFillTx/>
+                <a:latin typeface="Calibri" panose="020F0502020204030204"/>
+                <a:ea typeface="+mn-ea"/>
+                <a:cs typeface="+mn-cs"/>
+              </a:rPr>
+              <a:t> </a:t>
+            </a:r>
+            <a:r>
+              <a:rPr kumimoji="0" lang="en-GB" sz="1800" b="0" i="0" u="none" strike="noStrike" kern="1200" cap="none" spc="0" normalizeH="0" baseline="0" noProof="0" dirty="0">
+                <a:ln>
+                  <a:noFill/>
+                </a:ln>
+                <a:solidFill>
+                  <a:prstClr val="black"/>
+                </a:solidFill>
+                <a:effectLst/>
+                <a:uLnTx/>
+                <a:uFillTx/>
+                <a:latin typeface="Calibri" panose="020F0502020204030204"/>
+                <a:ea typeface="+mn-ea"/>
+                <a:cs typeface="+mn-cs"/>
+              </a:rPr>
+              <a:t>par Brunton, </a:t>
+            </a:r>
+            <a:r>
+              <a:rPr kumimoji="0" lang="en-GB" sz="1800" b="0" i="0" u="none" strike="noStrike" kern="1200" cap="none" spc="0" normalizeH="0" baseline="0" noProof="0" dirty="0" err="1">
+                <a:ln>
+                  <a:noFill/>
+                </a:ln>
+                <a:solidFill>
+                  <a:prstClr val="black"/>
+                </a:solidFill>
+                <a:effectLst/>
+                <a:uLnTx/>
+                <a:uFillTx/>
+                <a:latin typeface="Calibri" panose="020F0502020204030204"/>
+                <a:ea typeface="+mn-ea"/>
+                <a:cs typeface="+mn-cs"/>
+              </a:rPr>
+              <a:t>Erichson</a:t>
+            </a:r>
+            <a:r>
+              <a:rPr kumimoji="0" lang="en-GB" sz="1800" b="0" i="0" u="none" strike="noStrike" kern="1200" cap="none" spc="0" normalizeH="0" baseline="0" noProof="0" dirty="0">
+                <a:ln>
+                  <a:noFill/>
+                </a:ln>
+                <a:solidFill>
+                  <a:prstClr val="black"/>
+                </a:solidFill>
+                <a:effectLst/>
+                <a:uLnTx/>
+                <a:uFillTx/>
+                <a:latin typeface="Calibri" panose="020F0502020204030204"/>
+                <a:ea typeface="+mn-ea"/>
+                <a:cs typeface="+mn-cs"/>
+              </a:rPr>
+              <a:t>, </a:t>
+            </a:r>
+            <a:r>
+              <a:rPr kumimoji="0" lang="en-GB" sz="1800" b="0" i="0" u="none" strike="noStrike" kern="1200" cap="none" spc="0" normalizeH="0" baseline="0" noProof="0" dirty="0" err="1">
+                <a:ln>
+                  <a:noFill/>
+                </a:ln>
+                <a:solidFill>
+                  <a:prstClr val="black"/>
+                </a:solidFill>
+                <a:effectLst/>
+                <a:uLnTx/>
+                <a:uFillTx/>
+                <a:latin typeface="Calibri" panose="020F0502020204030204"/>
+                <a:ea typeface="+mn-ea"/>
+                <a:cs typeface="+mn-cs"/>
+              </a:rPr>
+              <a:t>Kutz</a:t>
+            </a:r>
+            <a:r>
+              <a:rPr kumimoji="0" lang="en-GB" sz="1800" b="0" i="0" u="none" strike="noStrike" kern="1200" cap="none" spc="0" normalizeH="0" baseline="0" noProof="0" dirty="0">
+                <a:ln>
+                  <a:noFill/>
+                </a:ln>
+                <a:solidFill>
+                  <a:prstClr val="black"/>
+                </a:solidFill>
+                <a:effectLst/>
+                <a:uLnTx/>
+                <a:uFillTx/>
+                <a:latin typeface="Calibri" panose="020F0502020204030204"/>
+                <a:ea typeface="+mn-ea"/>
+                <a:cs typeface="+mn-cs"/>
+              </a:rPr>
+              <a:t> et Voronin [PDF]</a:t>
+            </a:r>
+            <a:endParaRPr lang="en-GB" sz="1400" i="1" dirty="0"/>
+          </a:p>
+          <a:p>
+            <a:r>
+              <a:rPr lang="en-GB" sz="1400" i="1" dirty="0">
+                <a:solidFill>
+                  <a:srgbClr val="4D85AC"/>
+                </a:solidFill>
+                <a:hlinkClick r:id="rId4">
+                  <a:extLst>
+                    <a:ext uri="{A12FA001-AC4F-418D-AE19-62706E023703}">
+                      <ahyp:hlinkClr xmlns:ahyp="http://schemas.microsoft.com/office/drawing/2018/hyperlinkcolor" val="tx"/>
+                    </a:ext>
+                  </a:extLst>
+                </a:hlinkClick>
+              </a:rPr>
+              <a:t>https://arxiv.org/pdf/1608.02148.pdf</a:t>
+            </a:r>
+            <a:endParaRPr lang="en-GB" sz="1400" i="1" dirty="0">
+              <a:solidFill>
+                <a:srgbClr val="4D85AC"/>
+              </a:solidFill>
+            </a:endParaRPr>
+          </a:p>
+          <a:p>
+            <a:pPr marL="285750" indent="-285750">
+              <a:lnSpc>
+                <a:spcPct val="200000"/>
+              </a:lnSpc>
+              <a:buFont typeface="Arial" panose="020B0604020202020204" pitchFamily="34" charset="0"/>
+              <a:buChar char="•"/>
+            </a:pPr>
+            <a:r>
+              <a:rPr lang="fr-FR" dirty="0"/>
+              <a:t>« Décomposition en valeurs singulières (SVD) » par F. Husson [PDF]</a:t>
+            </a:r>
+          </a:p>
+          <a:p>
+            <a:r>
+              <a:rPr lang="fr-FR" sz="1400" i="1" dirty="0">
+                <a:solidFill>
+                  <a:srgbClr val="4D85AC"/>
+                </a:solidFill>
+                <a:hlinkClick r:id="rId5">
+                  <a:extLst>
+                    <a:ext uri="{A12FA001-AC4F-418D-AE19-62706E023703}">
+                      <ahyp:hlinkClr xmlns:ahyp="http://schemas.microsoft.com/office/drawing/2018/hyperlinkcolor" val="tx"/>
+                    </a:ext>
+                  </a:extLst>
+                </a:hlinkClick>
+              </a:rPr>
+              <a:t>https://husson.github.io/img/cours_AnaDo_M2_intro.pdf</a:t>
+            </a:r>
+            <a:endParaRPr lang="fr-FR" sz="1400" i="1" dirty="0">
+              <a:solidFill>
+                <a:srgbClr val="4D85AC"/>
+              </a:solidFill>
+            </a:endParaRPr>
+          </a:p>
+          <a:p>
+            <a:pPr marL="285750" marR="0" lvl="0" indent="-285750" algn="l" defTabSz="914400" rtl="0" eaLnBrk="1" fontAlgn="auto" latinLnBrk="0" hangingPunct="1">
+              <a:lnSpc>
+                <a:spcPct val="200000"/>
+              </a:lnSpc>
+              <a:spcBef>
+                <a:spcPts val="0"/>
+              </a:spcBef>
+              <a:spcAft>
+                <a:spcPts val="0"/>
+              </a:spcAft>
+              <a:buClrTx/>
+              <a:buSzTx/>
+              <a:buFont typeface="Arial" panose="020B0604020202020204" pitchFamily="34" charset="0"/>
+              <a:buChar char="•"/>
+              <a:tabLst/>
+              <a:defRPr/>
+            </a:pPr>
+            <a:r>
+              <a:rPr kumimoji="0" lang="fr-FR" sz="1800" b="0" i="0" u="none" strike="noStrike" kern="1200" cap="none" spc="0" normalizeH="0" baseline="0" noProof="0" dirty="0">
+                <a:ln>
+                  <a:noFill/>
+                </a:ln>
+                <a:solidFill>
+                  <a:prstClr val="black"/>
+                </a:solidFill>
+                <a:effectLst/>
+                <a:uLnTx/>
+                <a:uFillTx/>
+                <a:latin typeface="Calibri" panose="020F0502020204030204"/>
+                <a:ea typeface="+mn-ea"/>
+                <a:cs typeface="+mn-cs"/>
+              </a:rPr>
+              <a:t>Repo git du projet</a:t>
+            </a:r>
+          </a:p>
+          <a:p>
+            <a:r>
+              <a:rPr lang="fr-FR" sz="1400" i="1" dirty="0">
+                <a:solidFill>
+                  <a:srgbClr val="4D85AC"/>
+                </a:solidFill>
+                <a:hlinkClick r:id="rId6">
+                  <a:extLst>
+                    <a:ext uri="{A12FA001-AC4F-418D-AE19-62706E023703}">
+                      <ahyp:hlinkClr xmlns:ahyp="http://schemas.microsoft.com/office/drawing/2018/hyperlinkcolor" val="tx"/>
+                    </a:ext>
+                  </a:extLst>
+                </a:hlinkClick>
+              </a:rPr>
+              <a:t>https://github.com/Easill/RSVD.git</a:t>
+            </a:r>
+            <a:endParaRPr lang="fr-FR" sz="1400" i="1" dirty="0">
+              <a:solidFill>
+                <a:srgbClr val="4D85AC"/>
+              </a:solidFill>
+            </a:endParaRPr>
+          </a:p>
+        </p:txBody>
+      </p:sp>
+    </p:spTree>
+    <p:extLst>
+      <p:ext uri="{BB962C8B-B14F-4D97-AF65-F5344CB8AC3E}">
+        <p14:creationId xmlns:p14="http://schemas.microsoft.com/office/powerpoint/2010/main" val="2280105374"/>
+      </p:ext>
+    </p:extLst>
+  </p:cSld>
+  <p:clrMapOvr>
+    <a:masterClrMapping/>
+  </p:clrMapOvr>
+</p:sld>
+</file>
+
+<file path=ppt/slides/slide13.xml><?xml version="1.0" encoding="utf-8"?>
+<p:sld xmlns:a="http://schemas.openxmlformats.org/drawingml/2006/main" xmlns:r="http://schemas.openxmlformats.org/officeDocument/2006/relationships" xmlns:p="http://schemas.openxmlformats.org/presentationml/2006/main">
+  <p:cSld>
+    <p:spTree>
+      <p:nvGrpSpPr>
+        <p:cNvPr id="1" name=""/>
+        <p:cNvGrpSpPr/>
+        <p:nvPr/>
+      </p:nvGrpSpPr>
+      <p:grpSpPr>
+        <a:xfrm>
+          <a:off x="0" y="0"/>
+          <a:ext cx="0" cy="0"/>
+          <a:chOff x="0" y="0"/>
+          <a:chExt cx="0" cy="0"/>
+        </a:xfrm>
+      </p:grpSpPr>
+      <p:sp>
+        <p:nvSpPr>
+          <p:cNvPr id="4" name="ZoneTexte 3">
+            <a:extLst>
+              <a:ext uri="{FF2B5EF4-FFF2-40B4-BE49-F238E27FC236}">
+                <a16:creationId xmlns:a16="http://schemas.microsoft.com/office/drawing/2014/main" id="{4EA60BCF-7927-4AC3-9B36-EF3CD536F4A6}"/>
+              </a:ext>
+            </a:extLst>
+          </p:cNvPr>
+          <p:cNvSpPr txBox="1"/>
+          <p:nvPr/>
+        </p:nvSpPr>
+        <p:spPr>
+          <a:xfrm>
+            <a:off x="4021714" y="1693720"/>
+            <a:ext cx="4148592" cy="954107"/>
+          </a:xfrm>
+          <a:prstGeom prst="rect">
+            <a:avLst/>
+          </a:prstGeom>
+          <a:noFill/>
+        </p:spPr>
+        <p:txBody>
+          <a:bodyPr wrap="none" rIns="90000" rtlCol="0">
+            <a:spAutoFit/>
+          </a:bodyPr>
+          <a:lstStyle/>
+          <a:p>
+            <a:pPr algn="ctr"/>
+            <a:r>
+              <a:rPr lang="fr-FR" sz="2800" cap="small" dirty="0"/>
+              <a:t>Merci pour votre attention.</a:t>
+            </a:r>
+          </a:p>
+          <a:p>
+            <a:pPr algn="ctr"/>
+            <a:r>
+              <a:rPr lang="fr-FR" sz="2800" cap="small" dirty="0"/>
+              <a:t>Avez-vous des questions ?</a:t>
+            </a:r>
+            <a:endParaRPr lang="en-GB" sz="2800" cap="small" dirty="0"/>
+          </a:p>
+        </p:txBody>
+      </p:sp>
+      <p:sp>
+        <p:nvSpPr>
+          <p:cNvPr id="5" name="ZoneTexte 4">
+            <a:extLst>
+              <a:ext uri="{FF2B5EF4-FFF2-40B4-BE49-F238E27FC236}">
+                <a16:creationId xmlns:a16="http://schemas.microsoft.com/office/drawing/2014/main" id="{E5D953E6-0EE5-4A2A-AF68-0E39A87FDCEB}"/>
+              </a:ext>
+            </a:extLst>
+          </p:cNvPr>
+          <p:cNvSpPr txBox="1"/>
+          <p:nvPr/>
+        </p:nvSpPr>
+        <p:spPr>
+          <a:xfrm>
+            <a:off x="4395849" y="4244087"/>
+            <a:ext cx="3400310" cy="400110"/>
+          </a:xfrm>
+          <a:prstGeom prst="rect">
+            <a:avLst/>
+          </a:prstGeom>
+          <a:noFill/>
+        </p:spPr>
+        <p:txBody>
+          <a:bodyPr wrap="none" rIns="90000" rtlCol="0">
+            <a:spAutoFit/>
+          </a:bodyPr>
+          <a:lstStyle/>
+          <a:p>
+            <a:pPr algn="ctr"/>
+            <a:r>
+              <a:rPr lang="fr-FR" sz="2000" cap="small" dirty="0"/>
+              <a:t>Pierre Cottais &amp; Elias Hermance</a:t>
+            </a:r>
+          </a:p>
+        </p:txBody>
+      </p:sp>
+      <p:sp>
+        <p:nvSpPr>
+          <p:cNvPr id="6" name="ZoneTexte 5">
+            <a:extLst>
+              <a:ext uri="{FF2B5EF4-FFF2-40B4-BE49-F238E27FC236}">
+                <a16:creationId xmlns:a16="http://schemas.microsoft.com/office/drawing/2014/main" id="{AD6C25AE-FCD2-4CA9-9E89-46B4C24EA445}"/>
+              </a:ext>
+            </a:extLst>
+          </p:cNvPr>
+          <p:cNvSpPr txBox="1"/>
+          <p:nvPr/>
+        </p:nvSpPr>
+        <p:spPr>
+          <a:xfrm>
+            <a:off x="4942535" y="5478838"/>
+            <a:ext cx="2306935" cy="400110"/>
+          </a:xfrm>
+          <a:prstGeom prst="rect">
+            <a:avLst/>
+          </a:prstGeom>
+          <a:noFill/>
+        </p:spPr>
+        <p:txBody>
+          <a:bodyPr wrap="none" rIns="90000" rtlCol="0">
+            <a:spAutoFit/>
+          </a:bodyPr>
+          <a:lstStyle/>
+          <a:p>
+            <a:pPr algn="ctr"/>
+            <a:r>
+              <a:rPr lang="fr-FR" sz="2000" dirty="0"/>
+              <a:t>mercredi 27 octobre</a:t>
+            </a:r>
+          </a:p>
+        </p:txBody>
+      </p:sp>
+      <p:pic>
+        <p:nvPicPr>
+          <p:cNvPr id="8" name="Image 7">
+            <a:extLst>
+              <a:ext uri="{FF2B5EF4-FFF2-40B4-BE49-F238E27FC236}">
+                <a16:creationId xmlns:a16="http://schemas.microsoft.com/office/drawing/2014/main" id="{EA38C521-6413-42B9-81AD-887DF5B7AB72}"/>
+              </a:ext>
+            </a:extLst>
+          </p:cNvPr>
+          <p:cNvPicPr>
+            <a:picLocks noChangeAspect="1"/>
+          </p:cNvPicPr>
+          <p:nvPr/>
+        </p:nvPicPr>
+        <p:blipFill>
+          <a:blip r:embed="rId2">
+            <a:extLst>
+              <a:ext uri="{28A0092B-C50C-407E-A947-70E740481C1C}">
+                <a14:useLocalDpi xmlns:a14="http://schemas.microsoft.com/office/drawing/2010/main" val="0"/>
+              </a:ext>
+            </a:extLst>
+          </a:blip>
+          <a:stretch>
+            <a:fillRect/>
+          </a:stretch>
+        </p:blipFill>
+        <p:spPr>
+          <a:xfrm>
+            <a:off x="8882743" y="6147604"/>
+            <a:ext cx="3309256" cy="710395"/>
+          </a:xfrm>
+          <a:prstGeom prst="rect">
+            <a:avLst/>
+          </a:prstGeom>
+        </p:spPr>
+      </p:pic>
+    </p:spTree>
+    <p:extLst>
+      <p:ext uri="{BB962C8B-B14F-4D97-AF65-F5344CB8AC3E}">
+        <p14:creationId xmlns:p14="http://schemas.microsoft.com/office/powerpoint/2010/main" val="919288093"/>
+      </p:ext>
+    </p:extLst>
+  </p:cSld>
+  <p:clrMapOvr>
+    <a:masterClrMapping/>
+  </p:clrMapOvr>
+</p:sld>
+</file>
+
+<file path=ppt/slides/slide14.xml><?xml version="1.0" encoding="utf-8"?>
+<p:sld xmlns:a="http://schemas.openxmlformats.org/drawingml/2006/main" xmlns:r="http://schemas.openxmlformats.org/officeDocument/2006/relationships" xmlns:p="http://schemas.openxmlformats.org/presentationml/2006/main">
+  <p:cSld>
+    <p:spTree>
+      <p:nvGrpSpPr>
+        <p:cNvPr id="1" name=""/>
+        <p:cNvGrpSpPr/>
+        <p:nvPr/>
+      </p:nvGrpSpPr>
+      <p:grpSpPr>
+        <a:xfrm>
+          <a:off x="0" y="0"/>
+          <a:ext cx="0" cy="0"/>
+          <a:chOff x="0" y="0"/>
+          <a:chExt cx="0" cy="0"/>
+        </a:xfrm>
+      </p:grpSpPr>
+      <p:sp>
+        <p:nvSpPr>
+          <p:cNvPr id="15" name="Rectangle 14">
+            <a:extLst>
+              <a:ext uri="{FF2B5EF4-FFF2-40B4-BE49-F238E27FC236}">
+                <a16:creationId xmlns:a16="http://schemas.microsoft.com/office/drawing/2014/main" id="{FB6ABF2A-B7AA-45B0-8C9F-7C33BE107750}"/>
+              </a:ext>
+            </a:extLst>
+          </p:cNvPr>
+          <p:cNvSpPr/>
+          <p:nvPr/>
+        </p:nvSpPr>
+        <p:spPr>
+          <a:xfrm>
+            <a:off x="-1" y="-55983"/>
+            <a:ext cx="12192000" cy="584206"/>
+          </a:xfrm>
+          <a:prstGeom prst="rect">
+            <a:avLst/>
+          </a:prstGeom>
+          <a:solidFill>
+            <a:srgbClr val="4D85AC"/>
+          </a:solidFill>
+          <a:ln>
+            <a:noFill/>
+          </a:ln>
+        </p:spPr>
+        <p:style>
+          <a:lnRef idx="2">
+            <a:schemeClr val="accent1">
+              <a:shade val="50000"/>
+            </a:schemeClr>
+          </a:lnRef>
+          <a:fillRef idx="1">
+            <a:schemeClr val="accent1"/>
+          </a:fillRef>
+          <a:effectRef idx="0">
+            <a:schemeClr val="accent1"/>
+          </a:effectRef>
+          <a:fontRef idx="minor">
+            <a:schemeClr val="lt1"/>
+          </a:fontRef>
+        </p:style>
+        <p:txBody>
+          <a:bodyPr rtlCol="0" anchor="ctr"/>
+          <a:lstStyle/>
+          <a:p>
+            <a:pPr algn="ctr"/>
+            <a:endParaRPr lang="en-GB" dirty="0"/>
+          </a:p>
+        </p:txBody>
+      </p:sp>
+      <p:sp>
+        <p:nvSpPr>
+          <p:cNvPr id="14" name="Rectangle 13">
+            <a:extLst>
+              <a:ext uri="{FF2B5EF4-FFF2-40B4-BE49-F238E27FC236}">
+                <a16:creationId xmlns:a16="http://schemas.microsoft.com/office/drawing/2014/main" id="{5991AE03-D881-4210-BE5E-68F6A9313743}"/>
+              </a:ext>
+            </a:extLst>
+          </p:cNvPr>
+          <p:cNvSpPr/>
+          <p:nvPr/>
+        </p:nvSpPr>
+        <p:spPr>
+          <a:xfrm>
+            <a:off x="-1" y="6273793"/>
+            <a:ext cx="12192000" cy="584206"/>
+          </a:xfrm>
+          <a:prstGeom prst="rect">
+            <a:avLst/>
+          </a:prstGeom>
+          <a:solidFill>
+            <a:srgbClr val="4D85AC"/>
+          </a:solidFill>
+          <a:ln>
+            <a:noFill/>
+          </a:ln>
+        </p:spPr>
+        <p:style>
+          <a:lnRef idx="2">
+            <a:schemeClr val="accent1">
+              <a:shade val="50000"/>
+            </a:schemeClr>
+          </a:lnRef>
+          <a:fillRef idx="1">
+            <a:schemeClr val="accent1"/>
+          </a:fillRef>
+          <a:effectRef idx="0">
+            <a:schemeClr val="accent1"/>
+          </a:effectRef>
+          <a:fontRef idx="minor">
+            <a:schemeClr val="lt1"/>
+          </a:fontRef>
+        </p:style>
+        <p:txBody>
+          <a:bodyPr rtlCol="0" anchor="ctr"/>
+          <a:lstStyle/>
+          <a:p>
+            <a:pPr algn="ctr"/>
+            <a:endParaRPr lang="en-GB"/>
+          </a:p>
+        </p:txBody>
+      </p:sp>
+      <p:pic>
+        <p:nvPicPr>
+          <p:cNvPr id="8" name="Image 7">
+            <a:extLst>
+              <a:ext uri="{FF2B5EF4-FFF2-40B4-BE49-F238E27FC236}">
+                <a16:creationId xmlns:a16="http://schemas.microsoft.com/office/drawing/2014/main" id="{EA38C521-6413-42B9-81AD-887DF5B7AB72}"/>
+              </a:ext>
+            </a:extLst>
+          </p:cNvPr>
+          <p:cNvPicPr>
+            <a:picLocks noChangeAspect="1"/>
+          </p:cNvPicPr>
+          <p:nvPr/>
+        </p:nvPicPr>
+        <p:blipFill>
+          <a:blip r:embed="rId2">
+            <a:extLst>
+              <a:ext uri="{28A0092B-C50C-407E-A947-70E740481C1C}">
+                <a14:useLocalDpi xmlns:a14="http://schemas.microsoft.com/office/drawing/2010/main" val="0"/>
+              </a:ext>
+            </a:extLst>
+          </a:blip>
+          <a:stretch>
+            <a:fillRect/>
+          </a:stretch>
+        </p:blipFill>
+        <p:spPr>
+          <a:xfrm>
+            <a:off x="9470571" y="6273793"/>
+            <a:ext cx="2721429" cy="584206"/>
+          </a:xfrm>
+          <a:prstGeom prst="rect">
+            <a:avLst/>
+          </a:prstGeom>
+        </p:spPr>
+      </p:pic>
+      <p:sp>
+        <p:nvSpPr>
+          <p:cNvPr id="7" name="ZoneTexte 6">
+            <a:extLst>
+              <a:ext uri="{FF2B5EF4-FFF2-40B4-BE49-F238E27FC236}">
+                <a16:creationId xmlns:a16="http://schemas.microsoft.com/office/drawing/2014/main" id="{2EAE0A08-311A-4426-B5FD-5CEEE4A02870}"/>
+              </a:ext>
+            </a:extLst>
+          </p:cNvPr>
+          <p:cNvSpPr txBox="1"/>
+          <p:nvPr/>
+        </p:nvSpPr>
+        <p:spPr>
+          <a:xfrm>
+            <a:off x="703349" y="1115217"/>
+            <a:ext cx="3184290" cy="523220"/>
+          </a:xfrm>
+          <a:prstGeom prst="rect">
+            <a:avLst/>
+          </a:prstGeom>
+          <a:noFill/>
+        </p:spPr>
+        <p:txBody>
+          <a:bodyPr wrap="none" rIns="90000" rtlCol="0">
+            <a:spAutoFit/>
+          </a:bodyPr>
+          <a:lstStyle/>
+          <a:p>
+            <a:r>
+              <a:rPr lang="fr-FR" sz="2800" cap="small" dirty="0"/>
+              <a:t>Les commandes utiles</a:t>
+            </a:r>
+            <a:endParaRPr lang="en-GB" sz="2800" cap="small" dirty="0"/>
+          </a:p>
+        </p:txBody>
+      </p:sp>
+      <p:sp>
+        <p:nvSpPr>
+          <p:cNvPr id="9" name="ZoneTexte 8">
+            <a:extLst>
+              <a:ext uri="{FF2B5EF4-FFF2-40B4-BE49-F238E27FC236}">
+                <a16:creationId xmlns:a16="http://schemas.microsoft.com/office/drawing/2014/main" id="{1A3B7EF4-3554-48F7-9FCF-E91B9877C9B2}"/>
+              </a:ext>
+            </a:extLst>
+          </p:cNvPr>
+          <p:cNvSpPr txBox="1"/>
+          <p:nvPr/>
+        </p:nvSpPr>
+        <p:spPr>
+          <a:xfrm>
+            <a:off x="5154385" y="6396619"/>
+            <a:ext cx="1883229" cy="338554"/>
+          </a:xfrm>
+          <a:prstGeom prst="rect">
+            <a:avLst/>
+          </a:prstGeom>
+          <a:noFill/>
+        </p:spPr>
+        <p:txBody>
+          <a:bodyPr wrap="none" rIns="90000" rtlCol="0">
+            <a:spAutoFit/>
+          </a:bodyPr>
+          <a:lstStyle/>
+          <a:p>
+            <a:pPr algn="ctr"/>
+            <a:r>
+              <a:rPr lang="fr-FR" sz="1600" dirty="0">
+                <a:solidFill>
+                  <a:schemeClr val="bg1"/>
+                </a:solidFill>
+              </a:rPr>
+              <a:t>mercredi 27 octobre</a:t>
+            </a:r>
+          </a:p>
+        </p:txBody>
+      </p:sp>
+      <p:sp>
+        <p:nvSpPr>
+          <p:cNvPr id="10" name="ZoneTexte 9">
+            <a:extLst>
+              <a:ext uri="{FF2B5EF4-FFF2-40B4-BE49-F238E27FC236}">
+                <a16:creationId xmlns:a16="http://schemas.microsoft.com/office/drawing/2014/main" id="{07B48EFA-38D7-4F9C-88E9-63AA6B2A2570}"/>
+              </a:ext>
+            </a:extLst>
+          </p:cNvPr>
+          <p:cNvSpPr txBox="1"/>
+          <p:nvPr/>
+        </p:nvSpPr>
+        <p:spPr>
+          <a:xfrm>
+            <a:off x="0" y="6396619"/>
+            <a:ext cx="2815279" cy="338554"/>
+          </a:xfrm>
+          <a:prstGeom prst="rect">
+            <a:avLst/>
+          </a:prstGeom>
+          <a:noFill/>
+        </p:spPr>
+        <p:txBody>
+          <a:bodyPr wrap="none" rIns="90000" rtlCol="0">
+            <a:spAutoFit/>
+          </a:bodyPr>
+          <a:lstStyle/>
+          <a:p>
+            <a:pPr algn="ctr"/>
+            <a:r>
+              <a:rPr lang="fr-FR" sz="1600" dirty="0">
+                <a:solidFill>
+                  <a:schemeClr val="bg1"/>
+                </a:solidFill>
+              </a:rPr>
+              <a:t>Pierre Cottais &amp; Elias Hermance</a:t>
+            </a:r>
+          </a:p>
+        </p:txBody>
+      </p:sp>
+      <p:sp>
+        <p:nvSpPr>
+          <p:cNvPr id="2" name="ZoneTexte 1">
+            <a:extLst>
+              <a:ext uri="{FF2B5EF4-FFF2-40B4-BE49-F238E27FC236}">
+                <a16:creationId xmlns:a16="http://schemas.microsoft.com/office/drawing/2014/main" id="{6A3C02BA-D98B-429A-ABFC-CC394B90A4ED}"/>
+              </a:ext>
+            </a:extLst>
+          </p:cNvPr>
+          <p:cNvSpPr txBox="1"/>
+          <p:nvPr/>
+        </p:nvSpPr>
+        <p:spPr>
+          <a:xfrm>
+            <a:off x="11731692" y="51454"/>
+            <a:ext cx="301686" cy="369332"/>
+          </a:xfrm>
+          <a:prstGeom prst="rect">
+            <a:avLst/>
+          </a:prstGeom>
+          <a:noFill/>
+        </p:spPr>
+        <p:txBody>
+          <a:bodyPr wrap="none" rtlCol="0" anchor="ctr">
+            <a:spAutoFit/>
+          </a:bodyPr>
+          <a:lstStyle/>
+          <a:p>
+            <a:pPr algn="ctr"/>
+            <a:fld id="{42B166C4-9C59-44E3-B8D8-4B6B7AAF346F}" type="slidenum">
+              <a:rPr lang="fr-FR" smtClean="0">
+                <a:solidFill>
+                  <a:schemeClr val="bg1"/>
+                </a:solidFill>
+              </a:rPr>
+              <a:pPr algn="ctr"/>
+              <a:t>14</a:t>
+            </a:fld>
+            <a:endParaRPr lang="en-GB" dirty="0">
+              <a:solidFill>
+                <a:schemeClr val="bg1"/>
+              </a:solidFill>
+            </a:endParaRPr>
+          </a:p>
+        </p:txBody>
+      </p:sp>
+      <p:grpSp>
+        <p:nvGrpSpPr>
+          <p:cNvPr id="3" name="Groupe 2">
+            <a:extLst>
+              <a:ext uri="{FF2B5EF4-FFF2-40B4-BE49-F238E27FC236}">
+                <a16:creationId xmlns:a16="http://schemas.microsoft.com/office/drawing/2014/main" id="{EB45EAAE-26DA-4EA7-8000-1975055BD7AF}"/>
+              </a:ext>
+            </a:extLst>
+          </p:cNvPr>
+          <p:cNvGrpSpPr/>
+          <p:nvPr/>
+        </p:nvGrpSpPr>
+        <p:grpSpPr>
+          <a:xfrm>
+            <a:off x="703349" y="43150"/>
+            <a:ext cx="9367707" cy="400110"/>
+            <a:chOff x="703349" y="43150"/>
+            <a:chExt cx="9367707" cy="400110"/>
+          </a:xfrm>
+        </p:grpSpPr>
+        <p:sp>
+          <p:nvSpPr>
+            <p:cNvPr id="16" name="ZoneTexte 15">
+              <a:extLst>
+                <a:ext uri="{FF2B5EF4-FFF2-40B4-BE49-F238E27FC236}">
+                  <a16:creationId xmlns:a16="http://schemas.microsoft.com/office/drawing/2014/main" id="{046AC462-364F-4722-BF37-AD8D8B83DC4C}"/>
+                </a:ext>
+              </a:extLst>
+            </p:cNvPr>
+            <p:cNvSpPr txBox="1"/>
+            <p:nvPr/>
+          </p:nvSpPr>
+          <p:spPr>
+            <a:xfrm>
+              <a:off x="703349" y="43150"/>
+              <a:ext cx="1414041" cy="400110"/>
+            </a:xfrm>
+            <a:prstGeom prst="rect">
+              <a:avLst/>
+            </a:prstGeom>
+            <a:noFill/>
+          </p:spPr>
+          <p:txBody>
+            <a:bodyPr wrap="none" rtlCol="0" anchor="ctr">
+              <a:spAutoFit/>
+            </a:bodyPr>
+            <a:lstStyle/>
+            <a:p>
+              <a:r>
+                <a:rPr lang="fr-FR" sz="2000" cap="small" dirty="0">
+                  <a:solidFill>
+                    <a:schemeClr val="bg1"/>
+                  </a:solidFill>
+                </a:rPr>
+                <a:t>Rappels SVD</a:t>
+              </a:r>
+              <a:endParaRPr lang="en-GB" sz="2000" cap="small" dirty="0">
+                <a:solidFill>
+                  <a:schemeClr val="bg1"/>
+                </a:solidFill>
+              </a:endParaRPr>
+            </a:p>
+          </p:txBody>
+        </p:sp>
+        <p:sp>
+          <p:nvSpPr>
+            <p:cNvPr id="18" name="ZoneTexte 17">
+              <a:extLst>
+                <a:ext uri="{FF2B5EF4-FFF2-40B4-BE49-F238E27FC236}">
+                  <a16:creationId xmlns:a16="http://schemas.microsoft.com/office/drawing/2014/main" id="{BEBFFE04-CCBB-4D5C-BC6E-4D87085243AF}"/>
+                </a:ext>
+              </a:extLst>
+            </p:cNvPr>
+            <p:cNvSpPr txBox="1"/>
+            <p:nvPr/>
+          </p:nvSpPr>
+          <p:spPr>
+            <a:xfrm>
+              <a:off x="8870086" y="53890"/>
+              <a:ext cx="1200970" cy="369332"/>
+            </a:xfrm>
+            <a:prstGeom prst="rect">
+              <a:avLst/>
+            </a:prstGeom>
+            <a:noFill/>
+          </p:spPr>
+          <p:txBody>
+            <a:bodyPr wrap="none" rtlCol="0" anchor="ctr">
+              <a:spAutoFit/>
+            </a:bodyPr>
+            <a:lstStyle/>
+            <a:p>
+              <a:r>
+                <a:rPr lang="fr-FR" cap="small" dirty="0">
+                  <a:solidFill>
+                    <a:schemeClr val="bg1"/>
+                  </a:solidFill>
+                </a:rPr>
+                <a:t>Application</a:t>
+              </a:r>
+              <a:endParaRPr lang="en-GB" cap="small" dirty="0">
+                <a:solidFill>
+                  <a:schemeClr val="bg1"/>
+                </a:solidFill>
+              </a:endParaRPr>
+            </a:p>
+          </p:txBody>
+        </p:sp>
+        <p:sp>
+          <p:nvSpPr>
+            <p:cNvPr id="21" name="ZoneTexte 20">
+              <a:extLst>
+                <a:ext uri="{FF2B5EF4-FFF2-40B4-BE49-F238E27FC236}">
+                  <a16:creationId xmlns:a16="http://schemas.microsoft.com/office/drawing/2014/main" id="{D46C29AE-FDB1-4981-92EE-4A7ED0621DC7}"/>
+                </a:ext>
+              </a:extLst>
+            </p:cNvPr>
+            <p:cNvSpPr txBox="1"/>
+            <p:nvPr/>
+          </p:nvSpPr>
+          <p:spPr>
+            <a:xfrm>
+              <a:off x="5151240" y="51454"/>
+              <a:ext cx="684996" cy="369332"/>
+            </a:xfrm>
+            <a:prstGeom prst="rect">
+              <a:avLst/>
+            </a:prstGeom>
+            <a:noFill/>
+          </p:spPr>
+          <p:txBody>
+            <a:bodyPr wrap="none" rtlCol="0" anchor="ctr">
+              <a:spAutoFit/>
+            </a:bodyPr>
+            <a:lstStyle/>
+            <a:p>
+              <a:r>
+                <a:rPr lang="fr-FR" cap="small" dirty="0">
+                  <a:solidFill>
+                    <a:schemeClr val="bg1"/>
+                  </a:solidFill>
+                </a:rPr>
+                <a:t>RSVD</a:t>
+              </a:r>
+              <a:endParaRPr lang="en-GB" cap="small" dirty="0">
+                <a:solidFill>
+                  <a:schemeClr val="bg1"/>
+                </a:solidFill>
+              </a:endParaRPr>
+            </a:p>
+          </p:txBody>
+        </p:sp>
+      </p:grpSp>
+      <p:sp>
+        <p:nvSpPr>
+          <p:cNvPr id="17" name="ZoneTexte 16">
+            <a:extLst>
+              <a:ext uri="{FF2B5EF4-FFF2-40B4-BE49-F238E27FC236}">
+                <a16:creationId xmlns:a16="http://schemas.microsoft.com/office/drawing/2014/main" id="{5CD52448-42C4-44F6-8949-C8AB39E761CE}"/>
+              </a:ext>
+            </a:extLst>
+          </p:cNvPr>
+          <p:cNvSpPr txBox="1"/>
+          <p:nvPr/>
+        </p:nvSpPr>
+        <p:spPr>
+          <a:xfrm>
+            <a:off x="703349" y="2217428"/>
+            <a:ext cx="4147033" cy="2186432"/>
+          </a:xfrm>
+          <a:prstGeom prst="rect">
+            <a:avLst/>
+          </a:prstGeom>
+          <a:noFill/>
+        </p:spPr>
+        <p:txBody>
+          <a:bodyPr wrap="none" rtlCol="0">
+            <a:spAutoFit/>
+          </a:bodyPr>
+          <a:lstStyle/>
+          <a:p>
+            <a:pPr marL="285750" indent="-285750">
+              <a:lnSpc>
+                <a:spcPct val="200000"/>
+              </a:lnSpc>
+              <a:buFont typeface="Arial" panose="020B0604020202020204" pitchFamily="34" charset="0"/>
+              <a:buChar char="•"/>
+            </a:pPr>
+            <a:r>
+              <a:rPr lang="fr-FR" sz="1400" i="1" dirty="0" err="1">
+                <a:solidFill>
+                  <a:srgbClr val="4D85AC"/>
+                </a:solidFill>
+              </a:rPr>
+              <a:t>rsvd</a:t>
+            </a:r>
+            <a:r>
+              <a:rPr lang="fr-FR" sz="1400" i="1" dirty="0">
+                <a:solidFill>
+                  <a:srgbClr val="4D85AC"/>
+                </a:solidFill>
+              </a:rPr>
+              <a:t>(matrice, rang, power </a:t>
+            </a:r>
+            <a:r>
+              <a:rPr lang="fr-FR" sz="1400" i="1" dirty="0" err="1">
+                <a:solidFill>
+                  <a:srgbClr val="4D85AC"/>
+                </a:solidFill>
+              </a:rPr>
+              <a:t>iteration</a:t>
+            </a:r>
+            <a:r>
+              <a:rPr lang="fr-FR" sz="1400" i="1" dirty="0">
+                <a:solidFill>
+                  <a:srgbClr val="4D85AC"/>
+                </a:solidFill>
+              </a:rPr>
+              <a:t>, </a:t>
+            </a:r>
+            <a:r>
+              <a:rPr lang="fr-FR" sz="1400" i="1" dirty="0" err="1">
+                <a:solidFill>
+                  <a:srgbClr val="4D85AC"/>
+                </a:solidFill>
+              </a:rPr>
+              <a:t>oversampling</a:t>
+            </a:r>
+            <a:r>
+              <a:rPr lang="fr-FR" sz="1400" i="1" dirty="0">
+                <a:solidFill>
+                  <a:srgbClr val="4D85AC"/>
+                </a:solidFill>
+              </a:rPr>
+              <a:t>)</a:t>
+            </a:r>
+          </a:p>
+          <a:p>
+            <a:pPr marL="285750" indent="-285750">
+              <a:lnSpc>
+                <a:spcPct val="200000"/>
+              </a:lnSpc>
+              <a:buFont typeface="Arial" panose="020B0604020202020204" pitchFamily="34" charset="0"/>
+              <a:buChar char="•"/>
+            </a:pPr>
+            <a:r>
+              <a:rPr lang="fr-FR" sz="1400" i="1" dirty="0" err="1">
+                <a:solidFill>
+                  <a:srgbClr val="4D85AC"/>
+                </a:solidFill>
+              </a:rPr>
+              <a:t>svd</a:t>
+            </a:r>
+            <a:r>
+              <a:rPr lang="fr-FR" sz="1400" i="1" dirty="0">
+                <a:solidFill>
+                  <a:srgbClr val="4D85AC"/>
+                </a:solidFill>
+              </a:rPr>
+              <a:t>(matrice)</a:t>
+            </a:r>
+          </a:p>
+          <a:p>
+            <a:pPr marL="285750" indent="-285750">
+              <a:lnSpc>
+                <a:spcPct val="200000"/>
+              </a:lnSpc>
+              <a:buFont typeface="Arial" panose="020B0604020202020204" pitchFamily="34" charset="0"/>
+              <a:buChar char="•"/>
+            </a:pPr>
+            <a:r>
+              <a:rPr lang="fr-FR" sz="1400" i="1" dirty="0" err="1">
+                <a:solidFill>
+                  <a:srgbClr val="4D85AC"/>
+                </a:solidFill>
+              </a:rPr>
+              <a:t>rnorm</a:t>
+            </a:r>
+            <a:r>
+              <a:rPr lang="fr-FR" sz="1400" i="1" dirty="0">
+                <a:solidFill>
+                  <a:srgbClr val="4D85AC"/>
+                </a:solidFill>
+              </a:rPr>
+              <a:t>() pour générer des données</a:t>
+            </a:r>
+          </a:p>
+          <a:p>
+            <a:pPr marL="285750" indent="-285750">
+              <a:lnSpc>
+                <a:spcPct val="200000"/>
+              </a:lnSpc>
+              <a:buFont typeface="Arial" panose="020B0604020202020204" pitchFamily="34" charset="0"/>
+              <a:buChar char="•"/>
+            </a:pPr>
+            <a:r>
+              <a:rPr lang="fr-FR" sz="1400" i="1" dirty="0">
+                <a:solidFill>
+                  <a:srgbClr val="4D85AC"/>
+                </a:solidFill>
+              </a:rPr>
+              <a:t>raster() pour l’import d’une photo en matrice</a:t>
+            </a:r>
+          </a:p>
+          <a:p>
+            <a:pPr>
+              <a:lnSpc>
+                <a:spcPct val="200000"/>
+              </a:lnSpc>
+            </a:pPr>
+            <a:endParaRPr lang="fr-FR" sz="1400" i="1" dirty="0">
+              <a:solidFill>
+                <a:srgbClr val="4D85AC"/>
+              </a:solidFill>
+            </a:endParaRPr>
+          </a:p>
+        </p:txBody>
+      </p:sp>
+    </p:spTree>
+    <p:extLst>
+      <p:ext uri="{BB962C8B-B14F-4D97-AF65-F5344CB8AC3E}">
+        <p14:creationId xmlns:p14="http://schemas.microsoft.com/office/powerpoint/2010/main" val="224123383"/>
+      </p:ext>
+    </p:extLst>
+  </p:cSld>
+  <p:clrMapOvr>
+    <a:masterClrMapping/>
+  </p:clrMapOvr>
+</p:sld>
+</file>
+
 <file path=ppt/slides/slide2.xml><?xml version="1.0" encoding="utf-8"?>
 <p:sld xmlns:a="http://schemas.openxmlformats.org/drawingml/2006/main" xmlns:r="http://schemas.openxmlformats.org/officeDocument/2006/relationships" xmlns:p="http://schemas.openxmlformats.org/presentationml/2006/main">
   <p:cSld>
@@ -4443,6 +7520,73 @@
           </p:txBody>
         </p:sp>
       </p:grpSp>
+      <p:pic>
+        <p:nvPicPr>
+          <p:cNvPr id="5" name="Image 4">
+            <a:extLst>
+              <a:ext uri="{FF2B5EF4-FFF2-40B4-BE49-F238E27FC236}">
+                <a16:creationId xmlns:a16="http://schemas.microsoft.com/office/drawing/2014/main" id="{64C14CBD-63FA-475E-B75A-2E749E203412}"/>
+              </a:ext>
+            </a:extLst>
+          </p:cNvPr>
+          <p:cNvPicPr>
+            <a:picLocks noChangeAspect="1"/>
+          </p:cNvPicPr>
+          <p:nvPr/>
+        </p:nvPicPr>
+        <p:blipFill>
+          <a:blip r:embed="rId3"/>
+          <a:stretch>
+            <a:fillRect/>
+          </a:stretch>
+        </p:blipFill>
+        <p:spPr>
+          <a:xfrm>
+            <a:off x="5151240" y="2024459"/>
+            <a:ext cx="6656035" cy="2597939"/>
+          </a:xfrm>
+          <a:prstGeom prst="rect">
+            <a:avLst/>
+          </a:prstGeom>
+        </p:spPr>
+      </p:pic>
+      <p:sp>
+        <p:nvSpPr>
+          <p:cNvPr id="17" name="ZoneTexte 16">
+            <a:extLst>
+              <a:ext uri="{FF2B5EF4-FFF2-40B4-BE49-F238E27FC236}">
+                <a16:creationId xmlns:a16="http://schemas.microsoft.com/office/drawing/2014/main" id="{23061F11-F37C-482C-A3D9-9CF7A8EF7291}"/>
+              </a:ext>
+            </a:extLst>
+          </p:cNvPr>
+          <p:cNvSpPr txBox="1"/>
+          <p:nvPr/>
+        </p:nvSpPr>
+        <p:spPr>
+          <a:xfrm>
+            <a:off x="6288660" y="4529923"/>
+            <a:ext cx="4381194" cy="276999"/>
+          </a:xfrm>
+          <a:prstGeom prst="rect">
+            <a:avLst/>
+          </a:prstGeom>
+          <a:noFill/>
+        </p:spPr>
+        <p:txBody>
+          <a:bodyPr wrap="square" rtlCol="0">
+            <a:spAutoFit/>
+          </a:bodyPr>
+          <a:lstStyle/>
+          <a:p>
+            <a:pPr algn="ctr"/>
+            <a:r>
+              <a:rPr lang="fr-FR" sz="1200" i="1" dirty="0"/>
+              <a:t>« Décomposition en valeurs singulières » par F. Husson</a:t>
+            </a:r>
+            <a:endParaRPr lang="en-GB" sz="1200" i="1" dirty="0"/>
+          </a:p>
+        </p:txBody>
+      </p:sp>
     </p:spTree>
     <p:extLst>
       <p:ext uri="{BB962C8B-B14F-4D97-AF65-F5344CB8AC3E}">
@@ -4943,7 +8087,7 @@
         <p:spPr>
           <a:xfrm>
             <a:off x="703349" y="2217428"/>
-            <a:ext cx="4342214" cy="2230739"/>
+            <a:ext cx="4420762" cy="2230739"/>
           </a:xfrm>
           <a:prstGeom prst="rect">
             <a:avLst/>
@@ -5024,7 +8168,7 @@
             </a:r>
             <a:r>
               <a:rPr lang="fr-FR" i="1" dirty="0"/>
-              <a:t>r</a:t>
+              <a:t>k</a:t>
             </a:r>
             <a:r>
               <a:rPr lang="fr-FR" dirty="0"/>
@@ -5040,7 +8184,7 @@
             </a:r>
             <a:r>
               <a:rPr lang="fr-FR" i="1" baseline="-25000" dirty="0" err="1"/>
-              <a:t>r</a:t>
+              <a:t>k</a:t>
             </a:r>
             <a:r>
               <a:rPr lang="fr-FR" i="1" dirty="0" err="1"/>
@@ -5048,7 +8192,7 @@
             </a:r>
             <a:r>
               <a:rPr lang="fr-FR" i="1" baseline="-25000" dirty="0" err="1"/>
-              <a:t>r</a:t>
+              <a:t>k</a:t>
             </a:r>
             <a:r>
               <a:rPr lang="fr-FR" i="1" dirty="0" err="1"/>
@@ -5056,7 +8200,7 @@
             </a:r>
             <a:r>
               <a:rPr lang="fr-FR" i="1" baseline="-25000" dirty="0" err="1"/>
-              <a:t>r</a:t>
+              <a:t>k</a:t>
             </a:r>
             <a:r>
               <a:rPr lang="fr-FR" i="1" dirty="0"/>
@@ -5888,7 +9032,7 @@
         <p:spPr>
           <a:xfrm>
             <a:off x="703349" y="1115217"/>
-            <a:ext cx="4852375" cy="523220"/>
+            <a:ext cx="4944452" cy="523220"/>
           </a:xfrm>
           <a:prstGeom prst="rect">
             <a:avLst/>
@@ -5902,8 +9046,20 @@
           <a:lstStyle/>
           <a:p>
             <a:r>
+              <a:rPr lang="fr-FR" sz="2800" i="1" cap="small" dirty="0" err="1"/>
+              <a:t>Oversampling</a:t>
+            </a:r>
+            <a:r>
               <a:rPr lang="fr-FR" sz="2800" i="1" cap="small" dirty="0"/>
-              <a:t>Power </a:t>
+              <a:t> </a:t>
+            </a:r>
+            <a:r>
+              <a:rPr lang="fr-FR" sz="2800" cap="small" dirty="0"/>
+              <a:t>&amp;</a:t>
+            </a:r>
+            <a:r>
+              <a:rPr lang="fr-FR" sz="2800" i="1" cap="small" dirty="0"/>
+              <a:t> power </a:t>
             </a:r>
             <a:r>
               <a:rPr lang="fr-FR" sz="2800" i="1" cap="small" dirty="0" err="1"/>
@@ -5912,18 +9068,6 @@
             <a:r>
               <a:rPr lang="fr-FR" sz="2800" i="1" cap="small" dirty="0"/>
               <a:t> </a:t>
-            </a:r>
-            <a:r>
-              <a:rPr lang="fr-FR" sz="2800" cap="small" dirty="0"/>
-              <a:t>&amp;</a:t>
-            </a:r>
-            <a:r>
-              <a:rPr lang="fr-FR" sz="2800" i="1" cap="small" dirty="0"/>
-              <a:t> </a:t>
-            </a:r>
-            <a:r>
-              <a:rPr lang="fr-FR" sz="2800" i="1" cap="small" dirty="0" err="1"/>
-              <a:t>oversampling</a:t>
             </a:r>
             <a:endParaRPr lang="en-GB" sz="2800" i="1" cap="small" dirty="0"/>
           </a:p>
@@ -6326,88 +9470,9 @@
             </a:r>
             <a:r>
               <a:rPr lang="fr-FR" i="1" baseline="-25000" dirty="0"/>
-              <a:t>1, …, r</a:t>
+              <a:t>1, …, k</a:t>
             </a:r>
             <a:endParaRPr lang="fr-FR" baseline="-25000" dirty="0"/>
-          </a:p>
-        </p:txBody>
-      </p:sp>
-      <p:sp>
-        <p:nvSpPr>
-          <p:cNvPr id="20" name="ZoneTexte 19">
-            <a:extLst>
-              <a:ext uri="{FF2B5EF4-FFF2-40B4-BE49-F238E27FC236}">
-                <a16:creationId xmlns:a16="http://schemas.microsoft.com/office/drawing/2014/main" id="{336FF534-D553-44F6-B3FF-F507F1F0CEDE}"/>
-              </a:ext>
-            </a:extLst>
-          </p:cNvPr>
-          <p:cNvSpPr txBox="1"/>
-          <p:nvPr/>
-        </p:nvSpPr>
-        <p:spPr>
-          <a:xfrm>
-            <a:off x="8015367" y="2286357"/>
-            <a:ext cx="3601246" cy="1323439"/>
-          </a:xfrm>
-          <a:prstGeom prst="rect">
-            <a:avLst/>
-          </a:prstGeom>
-          <a:noFill/>
-        </p:spPr>
-        <p:txBody>
-          <a:bodyPr wrap="square" rtlCol="0">
-            <a:spAutoFit/>
-          </a:bodyPr>
-          <a:lstStyle/>
-          <a:p>
-            <a:pPr>
-              <a:lnSpc>
-                <a:spcPct val="200000"/>
-              </a:lnSpc>
-            </a:pPr>
-            <a:r>
-              <a:rPr lang="fr-FR" sz="1400" dirty="0">
-                <a:latin typeface="Consolas" panose="020B0609020204030204" pitchFamily="49" charset="0"/>
-              </a:rPr>
-              <a:t>[inclure un graphique des valeurs des </a:t>
-            </a:r>
-            <a:r>
-              <a:rPr lang="fr-FR" sz="1400" i="1" dirty="0"/>
-              <a:t>σ</a:t>
-            </a:r>
-            <a:r>
-              <a:rPr lang="fr-FR" sz="1400" dirty="0">
-                <a:latin typeface="Consolas" panose="020B0609020204030204" pitchFamily="49" charset="0"/>
-              </a:rPr>
-              <a:t> selon les </a:t>
-            </a:r>
-            <a:r>
-              <a:rPr lang="fr-FR" sz="1400" i="1" dirty="0">
-                <a:latin typeface="Consolas" panose="020B0609020204030204" pitchFamily="49" charset="0"/>
-              </a:rPr>
-              <a:t>power </a:t>
-            </a:r>
-            <a:r>
-              <a:rPr lang="fr-FR" sz="1400" i="1" dirty="0" err="1">
-                <a:latin typeface="Consolas" panose="020B0609020204030204" pitchFamily="49" charset="0"/>
-              </a:rPr>
-              <a:t>iterations</a:t>
-            </a:r>
-            <a:r>
-              <a:rPr lang="fr-FR" sz="1400" i="1" dirty="0">
-                <a:latin typeface="Consolas" panose="020B0609020204030204" pitchFamily="49" charset="0"/>
-              </a:rPr>
-              <a:t> </a:t>
-            </a:r>
-            <a:r>
-              <a:rPr lang="fr-FR" sz="1400" dirty="0">
-                <a:latin typeface="Consolas" panose="020B0609020204030204" pitchFamily="49" charset="0"/>
-              </a:rPr>
-              <a:t>comme celui ci-dessous]</a:t>
-            </a:r>
-            <a:endParaRPr lang="fr-FR" dirty="0">
-              <a:latin typeface="Consolas" panose="020B0609020204030204" pitchFamily="49" charset="0"/>
-            </a:endParaRPr>
           </a:p>
         </p:txBody>
       </p:sp>
@@ -6433,14 +9498,63 @@
         </p:blipFill>
         <p:spPr>
           <a:xfrm>
-            <a:off x="8466161" y="3760446"/>
-            <a:ext cx="2699657" cy="1753385"/>
+            <a:off x="7524668" y="2427619"/>
+            <a:ext cx="3963983" cy="2574546"/>
           </a:xfrm>
           <a:prstGeom prst="rect">
             <a:avLst/>
           </a:prstGeom>
         </p:spPr>
       </p:pic>
+      <p:sp>
+        <p:nvSpPr>
+          <p:cNvPr id="17" name="ZoneTexte 16">
+            <a:extLst>
+              <a:ext uri="{FF2B5EF4-FFF2-40B4-BE49-F238E27FC236}">
+                <a16:creationId xmlns:a16="http://schemas.microsoft.com/office/drawing/2014/main" id="{85CCD004-68E6-4B83-B6E8-A5BAF69DC00E}"/>
+              </a:ext>
+            </a:extLst>
+          </p:cNvPr>
+          <p:cNvSpPr txBox="1"/>
+          <p:nvPr/>
+        </p:nvSpPr>
+        <p:spPr>
+          <a:xfrm>
+            <a:off x="7461679" y="5002165"/>
+            <a:ext cx="4026972" cy="276999"/>
+          </a:xfrm>
+          <a:prstGeom prst="rect">
+            <a:avLst/>
+          </a:prstGeom>
+          <a:noFill/>
+        </p:spPr>
+        <p:txBody>
+          <a:bodyPr wrap="square" rtlCol="0">
+            <a:spAutoFit/>
+          </a:bodyPr>
+          <a:lstStyle/>
+          <a:p>
+            <a:pPr algn="ctr"/>
+            <a:r>
+              <a:rPr lang="fr-FR" sz="1200" i="1" dirty="0"/>
+              <a:t>"</a:t>
+            </a:r>
+            <a:r>
+              <a:rPr lang="fr-FR" sz="1200" i="1" dirty="0" err="1"/>
+              <a:t>Randomized</a:t>
+            </a:r>
+            <a:r>
+              <a:rPr lang="fr-FR" sz="1200" i="1" dirty="0"/>
+              <a:t> SVD Code [Python]" par Steven </a:t>
+            </a:r>
+            <a:r>
+              <a:rPr lang="fr-FR" sz="1200" i="1" dirty="0" err="1"/>
+              <a:t>Brunton</a:t>
+            </a:r>
+            <a:endParaRPr lang="en-GB" sz="1200" i="1" dirty="0"/>
+          </a:p>
+        </p:txBody>
+      </p:sp>
     </p:spTree>
     <p:extLst>
       <p:ext uri="{BB962C8B-B14F-4D97-AF65-F5344CB8AC3E}">
@@ -6941,7 +10055,7 @@
         <p:spPr>
           <a:xfrm>
             <a:off x="703349" y="2217428"/>
-            <a:ext cx="819455" cy="2784737"/>
+            <a:ext cx="2652393" cy="2784737"/>
           </a:xfrm>
           <a:prstGeom prst="rect">
             <a:avLst/>
@@ -6963,7 +10077,23 @@
             </a:pPr>
             <a:r>
               <a:rPr lang="fr-FR" dirty="0"/>
-              <a:t>___</a:t>
+              <a:t>Fonction </a:t>
+            </a:r>
+            <a:r>
+              <a:rPr lang="fr-FR" dirty="0" err="1">
+                <a:solidFill>
+                  <a:srgbClr val="4D85AC"/>
+                </a:solidFill>
+              </a:rPr>
+              <a:t>rsvd</a:t>
+            </a:r>
+            <a:r>
+              <a:rPr lang="fr-FR" dirty="0">
+                <a:solidFill>
+                  <a:srgbClr val="4D85AC"/>
+                </a:solidFill>
+              </a:rPr>
+              <a:t>()</a:t>
             </a:r>
           </a:p>
           <a:p>
@@ -6976,8 +10106,21 @@
             </a:pPr>
             <a:r>
               <a:rPr lang="fr-FR" dirty="0"/>
-              <a:t>___</a:t>
-            </a:r>
+              <a:t>Comparaison </a:t>
+            </a:r>
+            <a:r>
+              <a:rPr lang="fr-FR" dirty="0" err="1"/>
+              <a:t>svd</a:t>
+            </a:r>
+            <a:r>
+              <a:rPr lang="fr-FR" dirty="0"/>
+              <a:t> / </a:t>
+            </a:r>
+            <a:r>
+              <a:rPr lang="fr-FR" dirty="0" err="1"/>
+              <a:t>rsvd</a:t>
+            </a:r>
+            <a:endParaRPr lang="fr-FR" dirty="0"/>
           </a:p>
           <a:p>
             <a:pPr marL="285750" indent="-285750">
@@ -6988,8 +10131,12 @@
               <a:buChar char="•"/>
             </a:pPr>
             <a:r>
-              <a:rPr lang="fr-FR" dirty="0"/>
-              <a:t>__</a:t>
+              <a:rPr lang="fr-FR" dirty="0">
+                <a:solidFill>
+                  <a:srgbClr val="4D85AC"/>
+                </a:solidFill>
+              </a:rPr>
+              <a:t>Temps d’exécution</a:t>
             </a:r>
           </a:p>
           <a:p>
@@ -7001,8 +10148,24 @@
               <a:buChar char="•"/>
             </a:pPr>
             <a:r>
+              <a:rPr lang="fr-FR" i="1" dirty="0" err="1"/>
+              <a:t>Oversampling</a:t>
+            </a:r>
+            <a:r>
+              <a:rPr lang="fr-FR" i="1" dirty="0"/>
+              <a:t> </a:t>
+            </a:r>
+            <a:r>
               <a:rPr lang="fr-FR" dirty="0"/>
-              <a:t>__</a:t>
+              <a:t>(</a:t>
+            </a:r>
+            <a:r>
+              <a:rPr lang="fr-FR" i="1" dirty="0"/>
+              <a:t>p</a:t>
+            </a:r>
+            <a:r>
+              <a:rPr lang="fr-FR" dirty="0"/>
+              <a:t>)</a:t>
             </a:r>
           </a:p>
           <a:p>
@@ -7014,9 +10177,130 @@
               <a:buChar char="•"/>
             </a:pPr>
             <a:r>
+              <a:rPr lang="fr-FR" i="1" dirty="0"/>
+              <a:t>Power </a:t>
+            </a:r>
+            <a:r>
+              <a:rPr lang="fr-FR" i="1" dirty="0" err="1"/>
+              <a:t>iterations</a:t>
+            </a:r>
+            <a:r>
+              <a:rPr lang="fr-FR" i="1" dirty="0"/>
+              <a:t> </a:t>
+            </a:r>
+            <a:r>
               <a:rPr lang="fr-FR" dirty="0"/>
-              <a:t>_</a:t>
-            </a:r>
+              <a:t>(</a:t>
+            </a:r>
+            <a:r>
+              <a:rPr lang="fr-FR" i="1" dirty="0"/>
+              <a:t>q</a:t>
+            </a:r>
+            <a:r>
+              <a:rPr lang="fr-FR" dirty="0"/>
+              <a:t>)</a:t>
+            </a:r>
+          </a:p>
+        </p:txBody>
+      </p:sp>
+      <p:pic>
+        <p:nvPicPr>
+          <p:cNvPr id="5" name="Image 4">
+            <a:extLst>
+              <a:ext uri="{FF2B5EF4-FFF2-40B4-BE49-F238E27FC236}">
+                <a16:creationId xmlns:a16="http://schemas.microsoft.com/office/drawing/2014/main" id="{796AA85A-E5F0-4451-AF73-F42A4B026355}"/>
+              </a:ext>
+            </a:extLst>
+          </p:cNvPr>
+          <p:cNvPicPr>
+            <a:picLocks noChangeAspect="1"/>
+          </p:cNvPicPr>
+          <p:nvPr/>
+        </p:nvPicPr>
+        <p:blipFill rotWithShape="1">
+          <a:blip r:embed="rId3"/>
+          <a:srcRect t="48354"/>
+          <a:stretch/>
+        </p:blipFill>
+        <p:spPr>
+          <a:xfrm>
+            <a:off x="703349" y="5330525"/>
+            <a:ext cx="7310533" cy="614907"/>
+          </a:xfrm>
+          <a:prstGeom prst="rect">
+            <a:avLst/>
+          </a:prstGeom>
+        </p:spPr>
+      </p:pic>
+      <p:pic>
+        <p:nvPicPr>
+          <p:cNvPr id="11" name="Image 10">
+            <a:extLst>
+              <a:ext uri="{FF2B5EF4-FFF2-40B4-BE49-F238E27FC236}">
+                <a16:creationId xmlns:a16="http://schemas.microsoft.com/office/drawing/2014/main" id="{2C1B74D5-CECD-4737-96DF-4A81336433B2}"/>
+              </a:ext>
+            </a:extLst>
+          </p:cNvPr>
+          <p:cNvPicPr>
+            <a:picLocks noChangeAspect="1"/>
+          </p:cNvPicPr>
+          <p:nvPr/>
+        </p:nvPicPr>
+        <p:blipFill>
+          <a:blip r:embed="rId4">
+            <a:extLst>
+              <a:ext uri="{28A0092B-C50C-407E-A947-70E740481C1C}">
+                <a14:useLocalDpi xmlns:a14="http://schemas.microsoft.com/office/drawing/2010/main" val="0"/>
+              </a:ext>
+            </a:extLst>
+          </a:blip>
+          <a:stretch>
+            <a:fillRect/>
+          </a:stretch>
+        </p:blipFill>
+        <p:spPr>
+          <a:xfrm>
+            <a:off x="8121912" y="2007404"/>
+            <a:ext cx="2843192" cy="2843192"/>
+          </a:xfrm>
+          <a:prstGeom prst="rect">
+            <a:avLst/>
+          </a:prstGeom>
+        </p:spPr>
+      </p:pic>
+      <p:sp>
+        <p:nvSpPr>
+          <p:cNvPr id="12" name="ZoneTexte 11">
+            <a:extLst>
+              <a:ext uri="{FF2B5EF4-FFF2-40B4-BE49-F238E27FC236}">
+                <a16:creationId xmlns:a16="http://schemas.microsoft.com/office/drawing/2014/main" id="{06EFD417-FA62-4BC4-BABD-27704A8BB100}"/>
+              </a:ext>
+            </a:extLst>
+          </p:cNvPr>
+          <p:cNvSpPr txBox="1"/>
+          <p:nvPr/>
+        </p:nvSpPr>
+        <p:spPr>
+          <a:xfrm>
+            <a:off x="8118213" y="4845500"/>
+            <a:ext cx="2850589" cy="276999"/>
+          </a:xfrm>
+          <a:prstGeom prst="rect">
+            <a:avLst/>
+          </a:prstGeom>
+          <a:noFill/>
+        </p:spPr>
+        <p:txBody>
+          <a:bodyPr wrap="none" rtlCol="0">
+            <a:spAutoFit/>
+          </a:bodyPr>
+          <a:lstStyle/>
+          <a:p>
+            <a:r>
+              <a:rPr lang="fr-FR" sz="1200" i="1" dirty="0"/>
+              <a:t>application sur la fameuse photo : « Lena »</a:t>
+            </a:r>
+            <a:endParaRPr lang="en-GB" sz="1200" i="1" dirty="0"/>
           </a:p>
         </p:txBody>
       </p:sp>
@@ -7205,7 +10489,7 @@
         <p:spPr>
           <a:xfrm>
             <a:off x="703349" y="1115217"/>
-            <a:ext cx="1299992" cy="523220"/>
+            <a:ext cx="3725592" cy="523220"/>
           </a:xfrm>
           <a:prstGeom prst="rect">
             <a:avLst/>
@@ -7220,7 +10504,7 @@
           <a:p>
             <a:r>
               <a:rPr lang="fr-FR" sz="2800" cap="small" dirty="0"/>
-              <a:t>Sources</a:t>
+              <a:t>Comparaison SVD - RSVD</a:t>
             </a:r>
             <a:endParaRPr lang="en-GB" sz="2800" cap="small" dirty="0"/>
           </a:p>
@@ -7366,10 +10650,10 @@
         </p:nvGrpSpPr>
         <p:grpSpPr>
           <a:xfrm>
-            <a:off x="703349" y="43150"/>
-            <a:ext cx="9367707" cy="400110"/>
-            <a:chOff x="703349" y="43150"/>
-            <a:chExt cx="9367707" cy="400110"/>
+            <a:off x="703349" y="38501"/>
+            <a:ext cx="9513581" cy="404759"/>
+            <a:chOff x="703349" y="38501"/>
+            <a:chExt cx="9513581" cy="404759"/>
           </a:xfrm>
         </p:grpSpPr>
         <p:sp>
@@ -7430,8 +10714,8 @@
           </p:nvSpPr>
           <p:spPr>
             <a:xfrm>
-              <a:off x="8870086" y="53890"/>
-              <a:ext cx="1200970" cy="369332"/>
+              <a:off x="8870086" y="38501"/>
+              <a:ext cx="1346844" cy="400110"/>
             </a:xfrm>
             <a:prstGeom prst="rect">
               <a:avLst/>
@@ -7445,14 +10729,14 @@
             <a:lstStyle/>
             <a:p>
               <a:r>
-                <a:rPr lang="fr-FR" cap="small" dirty="0">
+                <a:rPr lang="fr-FR" sz="2000" b="1" cap="small" dirty="0">
                   <a:solidFill>
                     <a:schemeClr val="bg1"/>
                   </a:solidFill>
                 </a:rPr>
                 <a:t>Application</a:t>
               </a:r>
-              <a:endParaRPr lang="en-GB" cap="small" dirty="0">
+              <a:endParaRPr lang="en-GB" sz="2000" b="1" cap="small" dirty="0">
                 <a:solidFill>
                   <a:schemeClr val="bg1"/>
                 </a:solidFill>
@@ -7507,10 +10791,10 @@
       </p:grpSp>
       <p:sp>
         <p:nvSpPr>
-          <p:cNvPr id="17" name="ZoneTexte 16">
-            <a:extLst>
-              <a:ext uri="{FF2B5EF4-FFF2-40B4-BE49-F238E27FC236}">
-                <a16:creationId xmlns:a16="http://schemas.microsoft.com/office/drawing/2014/main" id="{5CD52448-42C4-44F6-8949-C8AB39E761CE}"/>
+          <p:cNvPr id="13" name="ZoneTexte 12">
+            <a:extLst>
+              <a:ext uri="{FF2B5EF4-FFF2-40B4-BE49-F238E27FC236}">
+                <a16:creationId xmlns:a16="http://schemas.microsoft.com/office/drawing/2014/main" id="{DB7E07B5-1E11-4341-AED5-700E64176AEE}"/>
               </a:ext>
             </a:extLst>
           </p:cNvPr>
@@ -7520,7 +10804,7 @@
         <p:spPr>
           <a:xfrm>
             <a:off x="703349" y="2217428"/>
-            <a:ext cx="9148145" cy="2400657"/>
+            <a:ext cx="4131259" cy="1122423"/>
           </a:xfrm>
           <a:prstGeom prst="rect">
             <a:avLst/>
@@ -7542,241 +10826,20 @@
             </a:pPr>
             <a:r>
               <a:rPr lang="fr-FR" dirty="0"/>
-              <a:t>« </a:t>
-            </a:r>
-            <a:r>
-              <a:rPr lang="en-GB" i="1" dirty="0"/>
-              <a:t>Singular Value Decomposition</a:t>
-            </a:r>
-            <a:r>
-              <a:rPr lang="fr-FR" dirty="0"/>
-              <a:t> »</a:t>
-            </a:r>
-            <a:r>
-              <a:rPr lang="en-GB" i="1" dirty="0"/>
-              <a:t> </a:t>
-            </a:r>
-            <a:r>
-              <a:rPr lang="en-GB" dirty="0"/>
-              <a:t>par Steven L. Brunton [YouTube]</a:t>
-            </a:r>
-          </a:p>
-          <a:p>
-            <a:r>
-              <a:rPr lang="en-GB" sz="1400" i="1" dirty="0">
-                <a:solidFill>
-                  <a:srgbClr val="4D85AC"/>
-                </a:solidFill>
-                <a:hlinkClick r:id="rId3">
-                  <a:extLst>
-                    <a:ext uri="{A12FA001-AC4F-418D-AE19-62706E023703}">
-                      <ahyp:hlinkClr xmlns:ahyp="http://schemas.microsoft.com/office/drawing/2018/hyperlinkcolor" val="tx"/>
-                    </a:ext>
-                  </a:extLst>
-                </a:hlinkClick>
+              <a:t>Commande : </a:t>
+            </a:r>
+            <a:r>
+              <a:rPr lang="fr-FR" dirty="0" err="1">
+                <a:latin typeface="Consolas" panose="020B0609020204030204" pitchFamily="49" charset="0"/>
               </a:rPr>
-              <a:t>https://www.youtube.com/watch?v=gXbThCXjZFM&amp;list=PLMrJAkhIeNNSVjnsviglFoY2nXildDCcv</a:t>
-            </a:r>
-            <a:endParaRPr lang="en-GB" sz="1400" i="1" dirty="0">
-              <a:solidFill>
-                <a:srgbClr val="4D85AC"/>
-              </a:solidFill>
-            </a:endParaRPr>
-          </a:p>
-          <a:p>
-            <a:pPr marL="285750" marR="0" lvl="0" indent="-285750" algn="l" defTabSz="914400" rtl="0" eaLnBrk="1" fontAlgn="auto" latinLnBrk="0" hangingPunct="1">
-              <a:lnSpc>
-                <a:spcPct val="200000"/>
-              </a:lnSpc>
-              <a:spcBef>
-                <a:spcPts val="0"/>
-              </a:spcBef>
-              <a:spcAft>
-                <a:spcPts val="0"/>
-              </a:spcAft>
-              <a:buClrTx/>
-              <a:buSzTx/>
-              <a:buFont typeface="Arial" panose="020B0604020202020204" pitchFamily="34" charset="0"/>
-              <a:buChar char="•"/>
-              <a:tabLst/>
-              <a:defRPr/>
-            </a:pPr>
-            <a:r>
-              <a:rPr kumimoji="0" lang="fr-FR" sz="1800" b="0" i="0" u="none" strike="noStrike" kern="1200" cap="none" spc="0" normalizeH="0" baseline="0" noProof="0" dirty="0">
-                <a:ln>
-                  <a:noFill/>
-                </a:ln>
-                <a:solidFill>
-                  <a:prstClr val="black"/>
-                </a:solidFill>
-                <a:effectLst/>
-                <a:uLnTx/>
-                <a:uFillTx/>
-                <a:latin typeface="Calibri" panose="020F0502020204030204"/>
-                <a:ea typeface="+mn-ea"/>
-                <a:cs typeface="+mn-cs"/>
+              <a:t>svd</a:t>
+            </a:r>
+            <a:r>
+              <a:rPr lang="fr-FR" dirty="0">
+                <a:latin typeface="Consolas" panose="020B0609020204030204" pitchFamily="49" charset="0"/>
               </a:rPr>
-              <a:t>« </a:t>
-            </a:r>
-            <a:r>
-              <a:rPr kumimoji="0" lang="en-GB" sz="1800" b="0" i="1" u="none" strike="noStrike" kern="1200" cap="none" spc="0" normalizeH="0" baseline="0" noProof="0" dirty="0">
-                <a:ln>
-                  <a:noFill/>
-                </a:ln>
-                <a:solidFill>
-                  <a:prstClr val="black"/>
-                </a:solidFill>
-                <a:effectLst/>
-                <a:uLnTx/>
-                <a:uFillTx/>
-                <a:latin typeface="Calibri" panose="020F0502020204030204"/>
-                <a:ea typeface="+mn-ea"/>
-                <a:cs typeface="+mn-cs"/>
-              </a:rPr>
-              <a:t>Randomized Matrix Decompositions Using R</a:t>
-            </a:r>
-            <a:r>
-              <a:rPr kumimoji="0" lang="fr-FR" sz="1800" b="0" i="0" u="none" strike="noStrike" kern="1200" cap="none" spc="0" normalizeH="0" baseline="0" noProof="0" dirty="0">
-                <a:ln>
-                  <a:noFill/>
-                </a:ln>
-                <a:solidFill>
-                  <a:prstClr val="black"/>
-                </a:solidFill>
-                <a:effectLst/>
-                <a:uLnTx/>
-                <a:uFillTx/>
-                <a:latin typeface="Calibri" panose="020F0502020204030204"/>
-                <a:ea typeface="+mn-ea"/>
-                <a:cs typeface="+mn-cs"/>
-              </a:rPr>
-              <a:t> »</a:t>
-            </a:r>
-            <a:r>
-              <a:rPr kumimoji="0" lang="en-GB" sz="1800" b="0" i="1" u="none" strike="noStrike" kern="1200" cap="none" spc="0" normalizeH="0" baseline="0" noProof="0" dirty="0">
-                <a:ln>
-                  <a:noFill/>
-                </a:ln>
-                <a:solidFill>
-                  <a:prstClr val="black"/>
-                </a:solidFill>
-                <a:effectLst/>
-                <a:uLnTx/>
-                <a:uFillTx/>
-                <a:latin typeface="Calibri" panose="020F0502020204030204"/>
-                <a:ea typeface="+mn-ea"/>
-                <a:cs typeface="+mn-cs"/>
-              </a:rPr>
-              <a:t> </a:t>
-            </a:r>
-            <a:r>
-              <a:rPr kumimoji="0" lang="en-GB" sz="1800" b="0" i="0" u="none" strike="noStrike" kern="1200" cap="none" spc="0" normalizeH="0" baseline="0" noProof="0" dirty="0">
-                <a:ln>
-                  <a:noFill/>
-                </a:ln>
-                <a:solidFill>
-                  <a:prstClr val="black"/>
-                </a:solidFill>
-                <a:effectLst/>
-                <a:uLnTx/>
-                <a:uFillTx/>
-                <a:latin typeface="Calibri" panose="020F0502020204030204"/>
-                <a:ea typeface="+mn-ea"/>
-                <a:cs typeface="+mn-cs"/>
-              </a:rPr>
-              <a:t>par Brunton, </a:t>
-            </a:r>
-            <a:r>
-              <a:rPr kumimoji="0" lang="en-GB" sz="1800" b="0" i="0" u="none" strike="noStrike" kern="1200" cap="none" spc="0" normalizeH="0" baseline="0" noProof="0" dirty="0" err="1">
-                <a:ln>
-                  <a:noFill/>
-                </a:ln>
-                <a:solidFill>
-                  <a:prstClr val="black"/>
-                </a:solidFill>
-                <a:effectLst/>
-                <a:uLnTx/>
-                <a:uFillTx/>
-                <a:latin typeface="Calibri" panose="020F0502020204030204"/>
-                <a:ea typeface="+mn-ea"/>
-                <a:cs typeface="+mn-cs"/>
-              </a:rPr>
-              <a:t>Erichson</a:t>
-            </a:r>
-            <a:r>
-              <a:rPr kumimoji="0" lang="en-GB" sz="1800" b="0" i="0" u="none" strike="noStrike" kern="1200" cap="none" spc="0" normalizeH="0" baseline="0" noProof="0" dirty="0">
-                <a:ln>
-                  <a:noFill/>
-                </a:ln>
-                <a:solidFill>
-                  <a:prstClr val="black"/>
-                </a:solidFill>
-                <a:effectLst/>
-                <a:uLnTx/>
-                <a:uFillTx/>
-                <a:latin typeface="Calibri" panose="020F0502020204030204"/>
-                <a:ea typeface="+mn-ea"/>
-                <a:cs typeface="+mn-cs"/>
-              </a:rPr>
-              <a:t>, </a:t>
-            </a:r>
-            <a:r>
-              <a:rPr kumimoji="0" lang="en-GB" sz="1800" b="0" i="0" u="none" strike="noStrike" kern="1200" cap="none" spc="0" normalizeH="0" baseline="0" noProof="0" dirty="0" err="1">
-                <a:ln>
-                  <a:noFill/>
-                </a:ln>
-                <a:solidFill>
-                  <a:prstClr val="black"/>
-                </a:solidFill>
-                <a:effectLst/>
-                <a:uLnTx/>
-                <a:uFillTx/>
-                <a:latin typeface="Calibri" panose="020F0502020204030204"/>
-                <a:ea typeface="+mn-ea"/>
-                <a:cs typeface="+mn-cs"/>
-              </a:rPr>
-              <a:t>Kutz</a:t>
-            </a:r>
-            <a:r>
-              <a:rPr kumimoji="0" lang="en-GB" sz="1800" b="0" i="0" u="none" strike="noStrike" kern="1200" cap="none" spc="0" normalizeH="0" baseline="0" noProof="0" dirty="0">
-                <a:ln>
-                  <a:noFill/>
-                </a:ln>
-                <a:solidFill>
-                  <a:prstClr val="black"/>
-                </a:solidFill>
-                <a:effectLst/>
-                <a:uLnTx/>
-                <a:uFillTx/>
-                <a:latin typeface="Calibri" panose="020F0502020204030204"/>
-                <a:ea typeface="+mn-ea"/>
-                <a:cs typeface="+mn-cs"/>
-              </a:rPr>
-              <a:t> et Voronin [PDF]</a:t>
-            </a:r>
-            <a:endParaRPr lang="en-GB" sz="1400" i="1" dirty="0"/>
-          </a:p>
-          <a:p>
-            <a:r>
-              <a:rPr lang="en-GB" sz="1400" i="1" dirty="0">
-                <a:solidFill>
-                  <a:srgbClr val="4D85AC"/>
-                </a:solidFill>
-                <a:hlinkClick r:id="rId4">
-                  <a:extLst>
-                    <a:ext uri="{A12FA001-AC4F-418D-AE19-62706E023703}">
-                      <ahyp:hlinkClr xmlns:ahyp="http://schemas.microsoft.com/office/drawing/2018/hyperlinkcolor" val="tx"/>
-                    </a:ext>
-                  </a:extLst>
-                </a:hlinkClick>
-              </a:rPr>
-              <a:t>https://arxiv.org/pdf/1608.02148.pdf</a:t>
-            </a:r>
-            <a:endParaRPr lang="en-GB" sz="1400" i="1" dirty="0">
-              <a:solidFill>
-                <a:srgbClr val="4D85AC"/>
-              </a:solidFill>
-            </a:endParaRPr>
+              <a:t>(photo)</a:t>
+            </a:r>
           </a:p>
           <a:p>
             <a:pPr marL="285750" indent="-285750">
@@ -7788,37 +10851,212 @@
             </a:pPr>
             <a:r>
               <a:rPr lang="fr-FR" dirty="0"/>
-              <a:t>« Décomposition en valeurs singulières » [Wikipédia]</a:t>
-            </a:r>
-          </a:p>
-          <a:p>
-            <a:r>
-              <a:rPr lang="fr-FR" sz="1400" i="1" dirty="0">
+              <a:t>Commande : </a:t>
+            </a:r>
+            <a:r>
+              <a:rPr lang="fr-FR" dirty="0" err="1">
+                <a:latin typeface="Consolas" panose="020B0609020204030204" pitchFamily="49" charset="0"/>
+              </a:rPr>
+              <a:t>rsvd</a:t>
+            </a:r>
+            <a:r>
+              <a:rPr lang="fr-FR" dirty="0">
+                <a:latin typeface="Consolas" panose="020B0609020204030204" pitchFamily="49" charset="0"/>
+              </a:rPr>
+              <a:t>(photo, k = 50)</a:t>
+            </a:r>
+          </a:p>
+        </p:txBody>
+      </p:sp>
+      <p:sp>
+        <p:nvSpPr>
+          <p:cNvPr id="12" name="ZoneTexte 11">
+            <a:extLst>
+              <a:ext uri="{FF2B5EF4-FFF2-40B4-BE49-F238E27FC236}">
+                <a16:creationId xmlns:a16="http://schemas.microsoft.com/office/drawing/2014/main" id="{06EFD417-FA62-4BC4-BABD-27704A8BB100}"/>
+              </a:ext>
+            </a:extLst>
+          </p:cNvPr>
+          <p:cNvSpPr txBox="1"/>
+          <p:nvPr/>
+        </p:nvSpPr>
+        <p:spPr>
+          <a:xfrm>
+            <a:off x="5883524" y="4512120"/>
+            <a:ext cx="1512722" cy="338554"/>
+          </a:xfrm>
+          <a:prstGeom prst="rect">
+            <a:avLst/>
+          </a:prstGeom>
+          <a:noFill/>
+        </p:spPr>
+        <p:txBody>
+          <a:bodyPr wrap="none" rtlCol="0">
+            <a:spAutoFit/>
+          </a:bodyPr>
+          <a:lstStyle/>
+          <a:p>
+            <a:r>
+              <a:rPr lang="fr-FR" sz="1600" dirty="0"/>
+              <a:t>rang </a:t>
+            </a:r>
+            <a:r>
+              <a:rPr lang="fr-FR" sz="1600" i="1" dirty="0"/>
+              <a:t>k=50 </a:t>
+            </a:r>
+            <a:r>
+              <a:rPr lang="fr-FR" sz="1600" dirty="0"/>
+              <a:t>(SVD)</a:t>
+            </a:r>
+            <a:endParaRPr lang="en-GB" sz="1600" dirty="0"/>
+          </a:p>
+        </p:txBody>
+      </p:sp>
+      <p:pic>
+        <p:nvPicPr>
+          <p:cNvPr id="6" name="Image 5">
+            <a:extLst>
+              <a:ext uri="{FF2B5EF4-FFF2-40B4-BE49-F238E27FC236}">
+                <a16:creationId xmlns:a16="http://schemas.microsoft.com/office/drawing/2014/main" id="{137BADCB-B0C0-409B-A7F2-E7477F4CC38E}"/>
+              </a:ext>
+            </a:extLst>
+          </p:cNvPr>
+          <p:cNvPicPr>
+            <a:picLocks noChangeAspect="1"/>
+          </p:cNvPicPr>
+          <p:nvPr/>
+        </p:nvPicPr>
+        <p:blipFill rotWithShape="1">
+          <a:blip r:embed="rId3"/>
+          <a:srcRect l="25356" t="10569" r="20780" b="13612"/>
+          <a:stretch/>
+        </p:blipFill>
+        <p:spPr>
+          <a:xfrm>
+            <a:off x="5427676" y="2059242"/>
+            <a:ext cx="2424419" cy="2457974"/>
+          </a:xfrm>
+          <a:prstGeom prst="rect">
+            <a:avLst/>
+          </a:prstGeom>
+        </p:spPr>
+      </p:pic>
+      <p:pic>
+        <p:nvPicPr>
+          <p:cNvPr id="19" name="Image 18">
+            <a:extLst>
+              <a:ext uri="{FF2B5EF4-FFF2-40B4-BE49-F238E27FC236}">
+                <a16:creationId xmlns:a16="http://schemas.microsoft.com/office/drawing/2014/main" id="{128EB0F9-7A1C-44CF-9FE3-281C2EB2B3CD}"/>
+              </a:ext>
+            </a:extLst>
+          </p:cNvPr>
+          <p:cNvPicPr>
+            <a:picLocks noChangeAspect="1"/>
+          </p:cNvPicPr>
+          <p:nvPr/>
+        </p:nvPicPr>
+        <p:blipFill rotWithShape="1">
+          <a:blip r:embed="rId4"/>
+          <a:srcRect l="25729" t="11325" r="21347" b="12457"/>
+          <a:stretch/>
+        </p:blipFill>
+        <p:spPr>
+          <a:xfrm>
+            <a:off x="8604953" y="2059243"/>
+            <a:ext cx="2424420" cy="2514824"/>
+          </a:xfrm>
+          <a:prstGeom prst="rect">
+            <a:avLst/>
+          </a:prstGeom>
+        </p:spPr>
+      </p:pic>
+      <p:sp>
+        <p:nvSpPr>
+          <p:cNvPr id="22" name="ZoneTexte 21">
+            <a:extLst>
+              <a:ext uri="{FF2B5EF4-FFF2-40B4-BE49-F238E27FC236}">
+                <a16:creationId xmlns:a16="http://schemas.microsoft.com/office/drawing/2014/main" id="{3A7EDE07-5376-4CEC-9BC0-D898ED9C6F98}"/>
+              </a:ext>
+            </a:extLst>
+          </p:cNvPr>
+          <p:cNvSpPr txBox="1"/>
+          <p:nvPr/>
+        </p:nvSpPr>
+        <p:spPr>
+          <a:xfrm>
+            <a:off x="9060802" y="4512120"/>
+            <a:ext cx="1622239" cy="338554"/>
+          </a:xfrm>
+          <a:prstGeom prst="rect">
+            <a:avLst/>
+          </a:prstGeom>
+          <a:noFill/>
+        </p:spPr>
+        <p:txBody>
+          <a:bodyPr wrap="none" rtlCol="0">
+            <a:spAutoFit/>
+          </a:bodyPr>
+          <a:lstStyle/>
+          <a:p>
+            <a:r>
+              <a:rPr lang="fr-FR" sz="1600" dirty="0"/>
+              <a:t>rang </a:t>
+            </a:r>
+            <a:r>
+              <a:rPr lang="fr-FR" sz="1600" i="1" dirty="0"/>
+              <a:t>k=50 </a:t>
+            </a:r>
+            <a:r>
+              <a:rPr lang="fr-FR" sz="1600" dirty="0"/>
+              <a:t>(RSVD)</a:t>
+            </a:r>
+            <a:endParaRPr lang="en-GB" sz="1600" dirty="0"/>
+          </a:p>
+        </p:txBody>
+      </p:sp>
+      <p:sp>
+        <p:nvSpPr>
+          <p:cNvPr id="23" name="ZoneTexte 22">
+            <a:extLst>
+              <a:ext uri="{FF2B5EF4-FFF2-40B4-BE49-F238E27FC236}">
+                <a16:creationId xmlns:a16="http://schemas.microsoft.com/office/drawing/2014/main" id="{0B56C27A-D33A-49B4-AEC2-89790FFE7B86}"/>
+              </a:ext>
+            </a:extLst>
+          </p:cNvPr>
+          <p:cNvSpPr txBox="1"/>
+          <p:nvPr/>
+        </p:nvSpPr>
+        <p:spPr>
+          <a:xfrm>
+            <a:off x="703349" y="5377567"/>
+            <a:ext cx="5132887" cy="369332"/>
+          </a:xfrm>
+          <a:prstGeom prst="rect">
+            <a:avLst/>
+          </a:prstGeom>
+          <a:noFill/>
+        </p:spPr>
+        <p:txBody>
+          <a:bodyPr wrap="square">
+            <a:spAutoFit/>
+          </a:bodyPr>
+          <a:lstStyle/>
+          <a:p>
+            <a:r>
+              <a:rPr lang="fr-FR" dirty="0">
                 <a:solidFill>
                   <a:srgbClr val="4D85AC"/>
                 </a:solidFill>
-                <a:hlinkClick r:id="rId5">
-                  <a:extLst>
-                    <a:ext uri="{A12FA001-AC4F-418D-AE19-62706E023703}">
-                      <ahyp:hlinkClr xmlns:ahyp="http://schemas.microsoft.com/office/drawing/2018/hyperlinkcolor" val="tx"/>
-                    </a:ext>
-                  </a:extLst>
-                </a:hlinkClick>
               </a:rPr>
-              <a:t>https://fr.wikipedia.org/wiki/D%C3%A9composition_en_valeurs_singuli%C3%A8res</a:t>
-            </a:r>
-            <a:endParaRPr lang="fr-FR" sz="1400" i="1" dirty="0">
-              <a:solidFill>
-                <a:srgbClr val="4D85AC"/>
-              </a:solidFill>
-            </a:endParaRPr>
+              <a:t>Les images sont, pour l’œil humain, quasi identiques.</a:t>
+            </a:r>
           </a:p>
         </p:txBody>
       </p:sp>
     </p:spTree>
     <p:extLst>
       <p:ext uri="{BB962C8B-B14F-4D97-AF65-F5344CB8AC3E}">
-        <p14:creationId xmlns:p14="http://schemas.microsoft.com/office/powerpoint/2010/main" val="2280105374"/>
+        <p14:creationId xmlns:p14="http://schemas.microsoft.com/office/powerpoint/2010/main" val="481936775"/>
       </p:ext>
     </p:extLst>
   </p:cSld>
@@ -7847,117 +11085,105 @@
       </p:grpSpPr>
       <p:sp>
         <p:nvSpPr>
-          <p:cNvPr id="4" name="ZoneTexte 3">
-            <a:extLst>
-              <a:ext uri="{FF2B5EF4-FFF2-40B4-BE49-F238E27FC236}">
-                <a16:creationId xmlns:a16="http://schemas.microsoft.com/office/drawing/2014/main" id="{4EA60BCF-7927-4AC3-9B36-EF3CD536F4A6}"/>
-              </a:ext>
-            </a:extLst>
-          </p:cNvPr>
-          <p:cNvSpPr txBox="1"/>
-          <p:nvPr/>
-        </p:nvSpPr>
-        <p:spPr>
-          <a:xfrm>
-            <a:off x="4021714" y="1693720"/>
-            <a:ext cx="4148592" cy="954107"/>
-          </a:xfrm>
-          <a:prstGeom prst="rect">
-            <a:avLst/>
-          </a:prstGeom>
-          <a:noFill/>
-        </p:spPr>
-        <p:txBody>
-          <a:bodyPr wrap="none" rIns="90000" rtlCol="0">
-            <a:spAutoFit/>
-          </a:bodyPr>
+          <p:cNvPr id="15" name="Rectangle 14">
+            <a:extLst>
+              <a:ext uri="{FF2B5EF4-FFF2-40B4-BE49-F238E27FC236}">
+                <a16:creationId xmlns:a16="http://schemas.microsoft.com/office/drawing/2014/main" id="{FB6ABF2A-B7AA-45B0-8C9F-7C33BE107750}"/>
+              </a:ext>
+            </a:extLst>
+          </p:cNvPr>
+          <p:cNvSpPr/>
+          <p:nvPr/>
+        </p:nvSpPr>
+        <p:spPr>
+          <a:xfrm>
+            <a:off x="-1" y="-55983"/>
+            <a:ext cx="12192000" cy="584206"/>
+          </a:xfrm>
+          <a:prstGeom prst="rect">
+            <a:avLst/>
+          </a:prstGeom>
+          <a:solidFill>
+            <a:srgbClr val="4D85AC"/>
+          </a:solidFill>
+          <a:ln>
+            <a:noFill/>
+          </a:ln>
+        </p:spPr>
+        <p:style>
+          <a:lnRef idx="2">
+            <a:schemeClr val="accent1">
+              <a:shade val="50000"/>
+            </a:schemeClr>
+          </a:lnRef>
+          <a:fillRef idx="1">
+            <a:schemeClr val="accent1"/>
+          </a:fillRef>
+          <a:effectRef idx="0">
+            <a:schemeClr val="accent1"/>
+          </a:effectRef>
+          <a:fontRef idx="minor">
+            <a:schemeClr val="lt1"/>
+          </a:fontRef>
+        </p:style>
+        <p:txBody>
+          <a:bodyPr rtlCol="0" anchor="ctr"/>
           <a:lstStyle/>
           <a:p>
             <a:pPr algn="ctr"/>
-            <a:r>
-              <a:rPr lang="fr-FR" sz="2800" cap="small" dirty="0"/>
-              <a:t>Merci pour votre attention.</a:t>
-            </a:r>
-          </a:p>
+            <a:endParaRPr lang="en-GB" dirty="0"/>
+          </a:p>
+        </p:txBody>
+      </p:sp>
+      <p:sp>
+        <p:nvSpPr>
+          <p:cNvPr id="14" name="Rectangle 13">
+            <a:extLst>
+              <a:ext uri="{FF2B5EF4-FFF2-40B4-BE49-F238E27FC236}">
+                <a16:creationId xmlns:a16="http://schemas.microsoft.com/office/drawing/2014/main" id="{5991AE03-D881-4210-BE5E-68F6A9313743}"/>
+              </a:ext>
+            </a:extLst>
+          </p:cNvPr>
+          <p:cNvSpPr/>
+          <p:nvPr/>
+        </p:nvSpPr>
+        <p:spPr>
+          <a:xfrm>
+            <a:off x="-1" y="6273793"/>
+            <a:ext cx="12192000" cy="584206"/>
+          </a:xfrm>
+          <a:prstGeom prst="rect">
+            <a:avLst/>
+          </a:prstGeom>
+          <a:solidFill>
+            <a:srgbClr val="4D85AC"/>
+          </a:solidFill>
+          <a:ln>
+            <a:noFill/>
+          </a:ln>
+        </p:spPr>
+        <p:style>
+          <a:lnRef idx="2">
+            <a:schemeClr val="accent1">
+              <a:shade val="50000"/>
+            </a:schemeClr>
+          </a:lnRef>
+          <a:fillRef idx="1">
+            <a:schemeClr val="accent1"/>
+          </a:fillRef>
+          <a:effectRef idx="0">
+            <a:schemeClr val="accent1"/>
+          </a:effectRef>
+          <a:fontRef idx="minor">
+            <a:schemeClr val="lt1"/>
+          </a:fontRef>
+        </p:style>
+        <p:txBody>
+          <a:bodyPr rtlCol="0" anchor="ctr"/>
+          <a:lstStyle/>
           <a:p>
             <a:pPr algn="ctr"/>
-            <a:r>
-              <a:rPr lang="fr-FR" sz="2800" cap="small" dirty="0"/>
-              <a:t>Avez-vous des questions ?</a:t>
-            </a:r>
-            <a:endParaRPr lang="en-GB" sz="2800" cap="small" dirty="0"/>
-          </a:p>
-        </p:txBody>
-      </p:sp>
-      <p:sp>
-        <p:nvSpPr>
-          <p:cNvPr id="5" name="ZoneTexte 4">
-            <a:extLst>
-              <a:ext uri="{FF2B5EF4-FFF2-40B4-BE49-F238E27FC236}">
-                <a16:creationId xmlns:a16="http://schemas.microsoft.com/office/drawing/2014/main" id="{E5D953E6-0EE5-4A2A-AF68-0E39A87FDCEB}"/>
-              </a:ext>
-            </a:extLst>
-          </p:cNvPr>
-          <p:cNvSpPr txBox="1"/>
-          <p:nvPr/>
-        </p:nvSpPr>
-        <p:spPr>
-          <a:xfrm>
-            <a:off x="4395849" y="4244087"/>
-            <a:ext cx="3400310" cy="400110"/>
-          </a:xfrm>
-          <a:prstGeom prst="rect">
-            <a:avLst/>
-          </a:prstGeom>
-          <a:noFill/>
-        </p:spPr>
-        <p:txBody>
-          <a:bodyPr wrap="none" rIns="90000" rtlCol="0">
-            <a:spAutoFit/>
-          </a:bodyPr>
-          <a:lstStyle/>
-          <a:p>
-            <a:pPr algn="ctr"/>
-            <a:r>
-              <a:rPr lang="fr-FR" sz="2000" cap="small" dirty="0"/>
-              <a:t>Pierre Cottais &amp; Elias Hermance</a:t>
-            </a:r>
-          </a:p>
-        </p:txBody>
-      </p:sp>
-      <p:sp>
-        <p:nvSpPr>
-          <p:cNvPr id="6" name="ZoneTexte 5">
-            <a:extLst>
-              <a:ext uri="{FF2B5EF4-FFF2-40B4-BE49-F238E27FC236}">
-                <a16:creationId xmlns:a16="http://schemas.microsoft.com/office/drawing/2014/main" id="{AD6C25AE-FCD2-4CA9-9E89-46B4C24EA445}"/>
-              </a:ext>
-            </a:extLst>
-          </p:cNvPr>
-          <p:cNvSpPr txBox="1"/>
-          <p:nvPr/>
-        </p:nvSpPr>
-        <p:spPr>
-          <a:xfrm>
-            <a:off x="4942535" y="5478838"/>
-            <a:ext cx="2306935" cy="400110"/>
-          </a:xfrm>
-          <a:prstGeom prst="rect">
-            <a:avLst/>
-          </a:prstGeom>
-          <a:noFill/>
-        </p:spPr>
-        <p:txBody>
-          <a:bodyPr wrap="none" rIns="90000" rtlCol="0">
-            <a:spAutoFit/>
-          </a:bodyPr>
-          <a:lstStyle/>
-          <a:p>
-            <a:pPr algn="ctr"/>
-            <a:r>
-              <a:rPr lang="fr-FR" sz="2000" dirty="0"/>
-              <a:t>mercredi 27 octobre</a:t>
-            </a:r>
+            <a:endParaRPr lang="en-GB"/>
           </a:p>
         </p:txBody>
       </p:sp>
@@ -7989,8 +11215,490 @@
         </p:blipFill>
         <p:spPr>
           <a:xfrm>
-            <a:off x="8882743" y="6147604"/>
-            <a:ext cx="3309256" cy="710395"/>
+            <a:off x="9470571" y="6273793"/>
+            <a:ext cx="2721429" cy="584206"/>
+          </a:xfrm>
+          <a:prstGeom prst="rect">
+            <a:avLst/>
+          </a:prstGeom>
+        </p:spPr>
+      </p:pic>
+      <p:sp>
+        <p:nvSpPr>
+          <p:cNvPr id="7" name="ZoneTexte 6">
+            <a:extLst>
+              <a:ext uri="{FF2B5EF4-FFF2-40B4-BE49-F238E27FC236}">
+                <a16:creationId xmlns:a16="http://schemas.microsoft.com/office/drawing/2014/main" id="{2EAE0A08-311A-4426-B5FD-5CEEE4A02870}"/>
+              </a:ext>
+            </a:extLst>
+          </p:cNvPr>
+          <p:cNvSpPr txBox="1"/>
+          <p:nvPr/>
+        </p:nvSpPr>
+        <p:spPr>
+          <a:xfrm>
+            <a:off x="703349" y="1115217"/>
+            <a:ext cx="2727435" cy="523220"/>
+          </a:xfrm>
+          <a:prstGeom prst="rect">
+            <a:avLst/>
+          </a:prstGeom>
+          <a:noFill/>
+        </p:spPr>
+        <p:txBody>
+          <a:bodyPr wrap="none" rIns="90000" rtlCol="0">
+            <a:spAutoFit/>
+          </a:bodyPr>
+          <a:lstStyle/>
+          <a:p>
+            <a:r>
+              <a:rPr lang="fr-FR" sz="2800" cap="small" dirty="0"/>
+              <a:t>Temps d’exécution</a:t>
+            </a:r>
+            <a:endParaRPr lang="en-GB" sz="2800" cap="small" dirty="0"/>
+          </a:p>
+        </p:txBody>
+      </p:sp>
+      <p:sp>
+        <p:nvSpPr>
+          <p:cNvPr id="9" name="ZoneTexte 8">
+            <a:extLst>
+              <a:ext uri="{FF2B5EF4-FFF2-40B4-BE49-F238E27FC236}">
+                <a16:creationId xmlns:a16="http://schemas.microsoft.com/office/drawing/2014/main" id="{1A3B7EF4-3554-48F7-9FCF-E91B9877C9B2}"/>
+              </a:ext>
+            </a:extLst>
+          </p:cNvPr>
+          <p:cNvSpPr txBox="1"/>
+          <p:nvPr/>
+        </p:nvSpPr>
+        <p:spPr>
+          <a:xfrm>
+            <a:off x="5154385" y="6396619"/>
+            <a:ext cx="1883229" cy="338554"/>
+          </a:xfrm>
+          <a:prstGeom prst="rect">
+            <a:avLst/>
+          </a:prstGeom>
+          <a:noFill/>
+        </p:spPr>
+        <p:txBody>
+          <a:bodyPr wrap="none" rIns="90000" rtlCol="0">
+            <a:spAutoFit/>
+          </a:bodyPr>
+          <a:lstStyle/>
+          <a:p>
+            <a:pPr algn="ctr"/>
+            <a:r>
+              <a:rPr lang="fr-FR" sz="1600" dirty="0">
+                <a:solidFill>
+                  <a:schemeClr val="bg1"/>
+                </a:solidFill>
+              </a:rPr>
+              <a:t>mercredi 27 octobre</a:t>
+            </a:r>
+          </a:p>
+        </p:txBody>
+      </p:sp>
+      <p:sp>
+        <p:nvSpPr>
+          <p:cNvPr id="10" name="ZoneTexte 9">
+            <a:extLst>
+              <a:ext uri="{FF2B5EF4-FFF2-40B4-BE49-F238E27FC236}">
+                <a16:creationId xmlns:a16="http://schemas.microsoft.com/office/drawing/2014/main" id="{07B48EFA-38D7-4F9C-88E9-63AA6B2A2570}"/>
+              </a:ext>
+            </a:extLst>
+          </p:cNvPr>
+          <p:cNvSpPr txBox="1"/>
+          <p:nvPr/>
+        </p:nvSpPr>
+        <p:spPr>
+          <a:xfrm>
+            <a:off x="0" y="6396619"/>
+            <a:ext cx="2815279" cy="338554"/>
+          </a:xfrm>
+          <a:prstGeom prst="rect">
+            <a:avLst/>
+          </a:prstGeom>
+          <a:noFill/>
+        </p:spPr>
+        <p:txBody>
+          <a:bodyPr wrap="none" rIns="90000" rtlCol="0">
+            <a:spAutoFit/>
+          </a:bodyPr>
+          <a:lstStyle/>
+          <a:p>
+            <a:pPr algn="ctr"/>
+            <a:r>
+              <a:rPr lang="fr-FR" sz="1600" dirty="0">
+                <a:solidFill>
+                  <a:schemeClr val="bg1"/>
+                </a:solidFill>
+              </a:rPr>
+              <a:t>Pierre Cottais &amp; Elias Hermance</a:t>
+            </a:r>
+          </a:p>
+        </p:txBody>
+      </p:sp>
+      <p:sp>
+        <p:nvSpPr>
+          <p:cNvPr id="2" name="ZoneTexte 1">
+            <a:extLst>
+              <a:ext uri="{FF2B5EF4-FFF2-40B4-BE49-F238E27FC236}">
+                <a16:creationId xmlns:a16="http://schemas.microsoft.com/office/drawing/2014/main" id="{6A3C02BA-D98B-429A-ABFC-CC394B90A4ED}"/>
+              </a:ext>
+            </a:extLst>
+          </p:cNvPr>
+          <p:cNvSpPr txBox="1"/>
+          <p:nvPr/>
+        </p:nvSpPr>
+        <p:spPr>
+          <a:xfrm>
+            <a:off x="11731692" y="51454"/>
+            <a:ext cx="301686" cy="369332"/>
+          </a:xfrm>
+          <a:prstGeom prst="rect">
+            <a:avLst/>
+          </a:prstGeom>
+          <a:noFill/>
+        </p:spPr>
+        <p:txBody>
+          <a:bodyPr wrap="none" rtlCol="0" anchor="ctr">
+            <a:spAutoFit/>
+          </a:bodyPr>
+          <a:lstStyle/>
+          <a:p>
+            <a:pPr algn="ctr"/>
+            <a:fld id="{42B166C4-9C59-44E3-B8D8-4B6B7AAF346F}" type="slidenum">
+              <a:rPr lang="fr-FR" smtClean="0">
+                <a:solidFill>
+                  <a:schemeClr val="bg1"/>
+                </a:solidFill>
+              </a:rPr>
+              <a:pPr algn="ctr"/>
+              <a:t>8</a:t>
+            </a:fld>
+            <a:endParaRPr lang="en-GB" dirty="0">
+              <a:solidFill>
+                <a:schemeClr val="bg1"/>
+              </a:solidFill>
+            </a:endParaRPr>
+          </a:p>
+        </p:txBody>
+      </p:sp>
+      <p:grpSp>
+        <p:nvGrpSpPr>
+          <p:cNvPr id="3" name="Groupe 2">
+            <a:extLst>
+              <a:ext uri="{FF2B5EF4-FFF2-40B4-BE49-F238E27FC236}">
+                <a16:creationId xmlns:a16="http://schemas.microsoft.com/office/drawing/2014/main" id="{EB45EAAE-26DA-4EA7-8000-1975055BD7AF}"/>
+              </a:ext>
+            </a:extLst>
+          </p:cNvPr>
+          <p:cNvGrpSpPr/>
+          <p:nvPr/>
+        </p:nvGrpSpPr>
+        <p:grpSpPr>
+          <a:xfrm>
+            <a:off x="703349" y="38501"/>
+            <a:ext cx="9513581" cy="404759"/>
+            <a:chOff x="703349" y="38501"/>
+            <a:chExt cx="9513581" cy="404759"/>
+          </a:xfrm>
+        </p:grpSpPr>
+        <p:sp>
+          <p:nvSpPr>
+            <p:cNvPr id="16" name="ZoneTexte 15">
+              <a:extLst>
+                <a:ext uri="{FF2B5EF4-FFF2-40B4-BE49-F238E27FC236}">
+                  <a16:creationId xmlns:a16="http://schemas.microsoft.com/office/drawing/2014/main" id="{046AC462-364F-4722-BF37-AD8D8B83DC4C}"/>
+                </a:ext>
+              </a:extLst>
+            </p:cNvPr>
+            <p:cNvSpPr txBox="1"/>
+            <p:nvPr/>
+          </p:nvSpPr>
+          <p:spPr>
+            <a:xfrm>
+              <a:off x="703349" y="43150"/>
+              <a:ext cx="1414041" cy="400110"/>
+            </a:xfrm>
+            <a:prstGeom prst="rect">
+              <a:avLst/>
+            </a:prstGeom>
+            <a:noFill/>
+          </p:spPr>
+          <p:txBody>
+            <a:bodyPr wrap="none" rtlCol="0" anchor="ctr">
+              <a:spAutoFit/>
+            </a:bodyPr>
+            <a:lstStyle/>
+            <a:p>
+              <a:r>
+                <a:rPr lang="fr-FR" sz="2000" cap="small" dirty="0">
+                  <a:solidFill>
+                    <a:schemeClr val="bg1"/>
+                  </a:solidFill>
+                </a:rPr>
+                <a:t>Rappels SVD</a:t>
+              </a:r>
+              <a:endParaRPr lang="en-GB" sz="2000" cap="small" dirty="0">
+                <a:solidFill>
+                  <a:schemeClr val="bg1"/>
+                </a:solidFill>
+              </a:endParaRPr>
+            </a:p>
+          </p:txBody>
+        </p:sp>
+        <p:sp>
+          <p:nvSpPr>
+            <p:cNvPr id="18" name="ZoneTexte 17">
+              <a:extLst>
+                <a:ext uri="{FF2B5EF4-FFF2-40B4-BE49-F238E27FC236}">
+                  <a16:creationId xmlns:a16="http://schemas.microsoft.com/office/drawing/2014/main" id="{BEBFFE04-CCBB-4D5C-BC6E-4D87085243AF}"/>
+                </a:ext>
+              </a:extLst>
+            </p:cNvPr>
+            <p:cNvSpPr txBox="1"/>
+            <p:nvPr/>
+          </p:nvSpPr>
+          <p:spPr>
+            <a:xfrm>
+              <a:off x="8870086" y="38501"/>
+              <a:ext cx="1346844" cy="400110"/>
+            </a:xfrm>
+            <a:prstGeom prst="rect">
+              <a:avLst/>
+            </a:prstGeom>
+            <a:noFill/>
+          </p:spPr>
+          <p:txBody>
+            <a:bodyPr wrap="none" rtlCol="0" anchor="ctr">
+              <a:spAutoFit/>
+            </a:bodyPr>
+            <a:lstStyle/>
+            <a:p>
+              <a:r>
+                <a:rPr lang="fr-FR" sz="2000" b="1" cap="small" dirty="0">
+                  <a:solidFill>
+                    <a:schemeClr val="bg1"/>
+                  </a:solidFill>
+                </a:rPr>
+                <a:t>Application</a:t>
+              </a:r>
+              <a:endParaRPr lang="en-GB" sz="2000" b="1" cap="small" dirty="0">
+                <a:solidFill>
+                  <a:schemeClr val="bg1"/>
+                </a:solidFill>
+              </a:endParaRPr>
+            </a:p>
+          </p:txBody>
+        </p:sp>
+        <p:sp>
+          <p:nvSpPr>
+            <p:cNvPr id="21" name="ZoneTexte 20">
+              <a:extLst>
+                <a:ext uri="{FF2B5EF4-FFF2-40B4-BE49-F238E27FC236}">
+                  <a16:creationId xmlns:a16="http://schemas.microsoft.com/office/drawing/2014/main" id="{D46C29AE-FDB1-4981-92EE-4A7ED0621DC7}"/>
+                </a:ext>
+              </a:extLst>
+            </p:cNvPr>
+            <p:cNvSpPr txBox="1"/>
+            <p:nvPr/>
+          </p:nvSpPr>
+          <p:spPr>
+            <a:xfrm>
+              <a:off x="5151240" y="51454"/>
+              <a:ext cx="684996" cy="369332"/>
+            </a:xfrm>
+            <a:prstGeom prst="rect">
+              <a:avLst/>
+            </a:prstGeom>
+            <a:noFill/>
+          </p:spPr>
+          <p:txBody>
+            <a:bodyPr wrap="none" rtlCol="0" anchor="ctr">
+              <a:spAutoFit/>
+            </a:bodyPr>
+            <a:lstStyle/>
+            <a:p>
+              <a:r>
+                <a:rPr lang="fr-FR" cap="small" dirty="0">
+                  <a:solidFill>
+                    <a:schemeClr val="bg1"/>
+                  </a:solidFill>
+                </a:rPr>
+                <a:t>RSVD</a:t>
+              </a:r>
+              <a:endParaRPr lang="en-GB" cap="small" dirty="0">
+                <a:solidFill>
+                  <a:schemeClr val="bg1"/>
+                </a:solidFill>
+              </a:endParaRPr>
+            </a:p>
+          </p:txBody>
+        </p:sp>
+      </p:grpSp>
+      <p:sp>
+        <p:nvSpPr>
+          <p:cNvPr id="13" name="ZoneTexte 12">
+            <a:extLst>
+              <a:ext uri="{FF2B5EF4-FFF2-40B4-BE49-F238E27FC236}">
+                <a16:creationId xmlns:a16="http://schemas.microsoft.com/office/drawing/2014/main" id="{DB7E07B5-1E11-4341-AED5-700E64176AEE}"/>
+              </a:ext>
+            </a:extLst>
+          </p:cNvPr>
+          <p:cNvSpPr txBox="1"/>
+          <p:nvPr/>
+        </p:nvSpPr>
+        <p:spPr>
+          <a:xfrm>
+            <a:off x="703349" y="2217428"/>
+            <a:ext cx="5817362" cy="1676741"/>
+          </a:xfrm>
+          <a:prstGeom prst="rect">
+            <a:avLst/>
+          </a:prstGeom>
+          <a:noFill/>
+        </p:spPr>
+        <p:txBody>
+          <a:bodyPr wrap="none" rtlCol="0">
+            <a:spAutoFit/>
+          </a:bodyPr>
+          <a:lstStyle/>
+          <a:p>
+            <a:pPr marL="285750" indent="-285750">
+              <a:lnSpc>
+                <a:spcPct val="200000"/>
+              </a:lnSpc>
+              <a:buFont typeface="Arial" panose="020B0604020202020204" pitchFamily="34" charset="0"/>
+              <a:buChar char="•"/>
+            </a:pPr>
+            <a:r>
+              <a:rPr lang="fr-FR" dirty="0"/>
+              <a:t>Commande : </a:t>
+            </a:r>
+            <a:r>
+              <a:rPr lang="fr-FR" dirty="0" err="1">
+                <a:latin typeface="Consolas" panose="020B0609020204030204" pitchFamily="49" charset="0"/>
+              </a:rPr>
+              <a:t>svd</a:t>
+            </a:r>
+            <a:r>
+              <a:rPr lang="fr-FR" dirty="0">
+                <a:latin typeface="Consolas" panose="020B0609020204030204" pitchFamily="49" charset="0"/>
+              </a:rPr>
+              <a:t>(photo)</a:t>
+            </a:r>
+          </a:p>
+          <a:p>
+            <a:pPr marL="285750" indent="-285750">
+              <a:lnSpc>
+                <a:spcPct val="200000"/>
+              </a:lnSpc>
+              <a:buFont typeface="Arial" panose="020B0604020202020204" pitchFamily="34" charset="0"/>
+              <a:buChar char="•"/>
+            </a:pPr>
+            <a:r>
+              <a:rPr lang="fr-FR" dirty="0"/>
+              <a:t>Commande : </a:t>
+            </a:r>
+            <a:r>
+              <a:rPr lang="fr-FR" dirty="0" err="1">
+                <a:latin typeface="Consolas" panose="020B0609020204030204" pitchFamily="49" charset="0"/>
+              </a:rPr>
+              <a:t>rsvd</a:t>
+            </a:r>
+            <a:r>
+              <a:rPr lang="fr-FR" dirty="0">
+                <a:latin typeface="Consolas" panose="020B0609020204030204" pitchFamily="49" charset="0"/>
+              </a:rPr>
+              <a:t>(photo, k = 50)</a:t>
+            </a:r>
+          </a:p>
+          <a:p>
+            <a:pPr marL="285750" indent="-285750">
+              <a:lnSpc>
+                <a:spcPct val="200000"/>
+              </a:lnSpc>
+              <a:buFont typeface="Arial" panose="020B0604020202020204" pitchFamily="34" charset="0"/>
+              <a:buChar char="•"/>
+            </a:pPr>
+            <a:r>
+              <a:rPr lang="fr-FR" dirty="0"/>
+              <a:t>RSVD : temps d’exécution similaire quel que soit le rang </a:t>
+            </a:r>
+            <a:r>
+              <a:rPr lang="fr-FR" i="1" dirty="0"/>
+              <a:t>k</a:t>
+            </a:r>
+            <a:endParaRPr lang="fr-FR" dirty="0"/>
+          </a:p>
+        </p:txBody>
+      </p:sp>
+      <p:sp>
+        <p:nvSpPr>
+          <p:cNvPr id="23" name="ZoneTexte 22">
+            <a:extLst>
+              <a:ext uri="{FF2B5EF4-FFF2-40B4-BE49-F238E27FC236}">
+                <a16:creationId xmlns:a16="http://schemas.microsoft.com/office/drawing/2014/main" id="{0B56C27A-D33A-49B4-AEC2-89790FFE7B86}"/>
+              </a:ext>
+            </a:extLst>
+          </p:cNvPr>
+          <p:cNvSpPr txBox="1"/>
+          <p:nvPr/>
+        </p:nvSpPr>
+        <p:spPr>
+          <a:xfrm>
+            <a:off x="703349" y="5377567"/>
+            <a:ext cx="6863521" cy="646331"/>
+          </a:xfrm>
+          <a:prstGeom prst="rect">
+            <a:avLst/>
+          </a:prstGeom>
+          <a:noFill/>
+        </p:spPr>
+        <p:txBody>
+          <a:bodyPr wrap="square">
+            <a:spAutoFit/>
+          </a:bodyPr>
+          <a:lstStyle/>
+          <a:p>
+            <a:pPr algn="just"/>
+            <a:r>
+              <a:rPr lang="fr-FR" dirty="0">
+                <a:solidFill>
+                  <a:srgbClr val="4D85AC"/>
+                </a:solidFill>
+              </a:rPr>
+              <a:t>Le temps d’exécution de la RSVD est environ 3 fois inférieur à celui de la SVD, pour une qualité de représentation similaire pour un même rang.</a:t>
+            </a:r>
+          </a:p>
+        </p:txBody>
+      </p:sp>
+      <p:pic>
+        <p:nvPicPr>
+          <p:cNvPr id="5" name="Image 4">
+            <a:extLst>
+              <a:ext uri="{FF2B5EF4-FFF2-40B4-BE49-F238E27FC236}">
+                <a16:creationId xmlns:a16="http://schemas.microsoft.com/office/drawing/2014/main" id="{D40BB1ED-57F3-4C76-9766-1E4A1B20DC9F}"/>
+              </a:ext>
+            </a:extLst>
+          </p:cNvPr>
+          <p:cNvPicPr>
+            <a:picLocks noChangeAspect="1"/>
+          </p:cNvPicPr>
+          <p:nvPr/>
+        </p:nvPicPr>
+        <p:blipFill>
+          <a:blip r:embed="rId3"/>
+          <a:stretch>
+            <a:fillRect/>
+          </a:stretch>
+        </p:blipFill>
+        <p:spPr>
+          <a:xfrm>
+            <a:off x="7357394" y="2108972"/>
+            <a:ext cx="3533775" cy="2886075"/>
           </a:xfrm>
           <a:prstGeom prst="rect">
             <a:avLst/>
@@ -8000,7 +11708,695 @@
     </p:spTree>
     <p:extLst>
       <p:ext uri="{BB962C8B-B14F-4D97-AF65-F5344CB8AC3E}">
-        <p14:creationId xmlns:p14="http://schemas.microsoft.com/office/powerpoint/2010/main" val="919288093"/>
+        <p14:creationId xmlns:p14="http://schemas.microsoft.com/office/powerpoint/2010/main" val="3515488393"/>
+      </p:ext>
+    </p:extLst>
+  </p:cSld>
+  <p:clrMapOvr>
+    <a:masterClrMapping/>
+  </p:clrMapOvr>
+</p:sld>
+</file>
+
+<file path=ppt/slides/slide9.xml><?xml version="1.0" encoding="utf-8"?>
+<p:sld xmlns:a="http://schemas.openxmlformats.org/drawingml/2006/main" xmlns:r="http://schemas.openxmlformats.org/officeDocument/2006/relationships" xmlns:p="http://schemas.openxmlformats.org/presentationml/2006/main">
+  <p:cSld>
+    <p:spTree>
+      <p:nvGrpSpPr>
+        <p:cNvPr id="1" name=""/>
+        <p:cNvGrpSpPr/>
+        <p:nvPr/>
+      </p:nvGrpSpPr>
+      <p:grpSpPr>
+        <a:xfrm>
+          <a:off x="0" y="0"/>
+          <a:ext cx="0" cy="0"/>
+          <a:chOff x="0" y="0"/>
+          <a:chExt cx="0" cy="0"/>
+        </a:xfrm>
+      </p:grpSpPr>
+      <p:sp>
+        <p:nvSpPr>
+          <p:cNvPr id="15" name="Rectangle 14">
+            <a:extLst>
+              <a:ext uri="{FF2B5EF4-FFF2-40B4-BE49-F238E27FC236}">
+                <a16:creationId xmlns:a16="http://schemas.microsoft.com/office/drawing/2014/main" id="{FB6ABF2A-B7AA-45B0-8C9F-7C33BE107750}"/>
+              </a:ext>
+            </a:extLst>
+          </p:cNvPr>
+          <p:cNvSpPr/>
+          <p:nvPr/>
+        </p:nvSpPr>
+        <p:spPr>
+          <a:xfrm>
+            <a:off x="-1" y="-55983"/>
+            <a:ext cx="12192000" cy="584206"/>
+          </a:xfrm>
+          <a:prstGeom prst="rect">
+            <a:avLst/>
+          </a:prstGeom>
+          <a:solidFill>
+            <a:srgbClr val="4D85AC"/>
+          </a:solidFill>
+          <a:ln>
+            <a:noFill/>
+          </a:ln>
+        </p:spPr>
+        <p:style>
+          <a:lnRef idx="2">
+            <a:schemeClr val="accent1">
+              <a:shade val="50000"/>
+            </a:schemeClr>
+          </a:lnRef>
+          <a:fillRef idx="1">
+            <a:schemeClr val="accent1"/>
+          </a:fillRef>
+          <a:effectRef idx="0">
+            <a:schemeClr val="accent1"/>
+          </a:effectRef>
+          <a:fontRef idx="minor">
+            <a:schemeClr val="lt1"/>
+          </a:fontRef>
+        </p:style>
+        <p:txBody>
+          <a:bodyPr rtlCol="0" anchor="ctr"/>
+          <a:lstStyle/>
+          <a:p>
+            <a:pPr algn="ctr"/>
+            <a:endParaRPr lang="en-GB" dirty="0"/>
+          </a:p>
+        </p:txBody>
+      </p:sp>
+      <p:sp>
+        <p:nvSpPr>
+          <p:cNvPr id="14" name="Rectangle 13">
+            <a:extLst>
+              <a:ext uri="{FF2B5EF4-FFF2-40B4-BE49-F238E27FC236}">
+                <a16:creationId xmlns:a16="http://schemas.microsoft.com/office/drawing/2014/main" id="{5991AE03-D881-4210-BE5E-68F6A9313743}"/>
+              </a:ext>
+            </a:extLst>
+          </p:cNvPr>
+          <p:cNvSpPr/>
+          <p:nvPr/>
+        </p:nvSpPr>
+        <p:spPr>
+          <a:xfrm>
+            <a:off x="-1" y="6273793"/>
+            <a:ext cx="12192000" cy="584206"/>
+          </a:xfrm>
+          <a:prstGeom prst="rect">
+            <a:avLst/>
+          </a:prstGeom>
+          <a:solidFill>
+            <a:srgbClr val="4D85AC"/>
+          </a:solidFill>
+          <a:ln>
+            <a:noFill/>
+          </a:ln>
+        </p:spPr>
+        <p:style>
+          <a:lnRef idx="2">
+            <a:schemeClr val="accent1">
+              <a:shade val="50000"/>
+            </a:schemeClr>
+          </a:lnRef>
+          <a:fillRef idx="1">
+            <a:schemeClr val="accent1"/>
+          </a:fillRef>
+          <a:effectRef idx="0">
+            <a:schemeClr val="accent1"/>
+          </a:effectRef>
+          <a:fontRef idx="minor">
+            <a:schemeClr val="lt1"/>
+          </a:fontRef>
+        </p:style>
+        <p:txBody>
+          <a:bodyPr rtlCol="0" anchor="ctr"/>
+          <a:lstStyle/>
+          <a:p>
+            <a:pPr algn="ctr"/>
+            <a:endParaRPr lang="en-GB"/>
+          </a:p>
+        </p:txBody>
+      </p:sp>
+      <p:pic>
+        <p:nvPicPr>
+          <p:cNvPr id="8" name="Image 7">
+            <a:extLst>
+              <a:ext uri="{FF2B5EF4-FFF2-40B4-BE49-F238E27FC236}">
+                <a16:creationId xmlns:a16="http://schemas.microsoft.com/office/drawing/2014/main" id="{EA38C521-6413-42B9-81AD-887DF5B7AB72}"/>
+              </a:ext>
+            </a:extLst>
+          </p:cNvPr>
+          <p:cNvPicPr>
+            <a:picLocks noChangeAspect="1"/>
+          </p:cNvPicPr>
+          <p:nvPr/>
+        </p:nvPicPr>
+        <p:blipFill>
+          <a:blip r:embed="rId2">
+            <a:extLst>
+              <a:ext uri="{28A0092B-C50C-407E-A947-70E740481C1C}">
+                <a14:useLocalDpi xmlns:a14="http://schemas.microsoft.com/office/drawing/2010/main" val="0"/>
+              </a:ext>
+            </a:extLst>
+          </a:blip>
+          <a:stretch>
+            <a:fillRect/>
+          </a:stretch>
+        </p:blipFill>
+        <p:spPr>
+          <a:xfrm>
+            <a:off x="9470571" y="6273793"/>
+            <a:ext cx="2721429" cy="584206"/>
+          </a:xfrm>
+          <a:prstGeom prst="rect">
+            <a:avLst/>
+          </a:prstGeom>
+        </p:spPr>
+      </p:pic>
+      <p:sp>
+        <p:nvSpPr>
+          <p:cNvPr id="7" name="ZoneTexte 6">
+            <a:extLst>
+              <a:ext uri="{FF2B5EF4-FFF2-40B4-BE49-F238E27FC236}">
+                <a16:creationId xmlns:a16="http://schemas.microsoft.com/office/drawing/2014/main" id="{2EAE0A08-311A-4426-B5FD-5CEEE4A02870}"/>
+              </a:ext>
+            </a:extLst>
+          </p:cNvPr>
+          <p:cNvSpPr txBox="1"/>
+          <p:nvPr/>
+        </p:nvSpPr>
+        <p:spPr>
+          <a:xfrm>
+            <a:off x="703349" y="1115217"/>
+            <a:ext cx="4899568" cy="523220"/>
+          </a:xfrm>
+          <a:prstGeom prst="rect">
+            <a:avLst/>
+          </a:prstGeom>
+          <a:noFill/>
+        </p:spPr>
+        <p:txBody>
+          <a:bodyPr wrap="none" rIns="90000" rtlCol="0">
+            <a:spAutoFit/>
+          </a:bodyPr>
+          <a:lstStyle/>
+          <a:p>
+            <a:r>
+              <a:rPr lang="fr-FR" sz="2800" i="1" cap="small" dirty="0" err="1"/>
+              <a:t>Oversampling</a:t>
+            </a:r>
+            <a:r>
+              <a:rPr lang="fr-FR" sz="2800" i="1" cap="small" dirty="0"/>
+              <a:t> </a:t>
+            </a:r>
+            <a:r>
+              <a:rPr lang="fr-FR" sz="2800" cap="small" dirty="0"/>
+              <a:t>&amp;</a:t>
+            </a:r>
+            <a:r>
+              <a:rPr lang="fr-FR" sz="2800" i="1" cap="small" dirty="0"/>
+              <a:t> Power </a:t>
+            </a:r>
+            <a:r>
+              <a:rPr lang="fr-FR" sz="2800" i="1" cap="small" dirty="0" err="1"/>
+              <a:t>iterations</a:t>
+            </a:r>
+            <a:endParaRPr lang="en-GB" sz="2800" i="1" cap="small" dirty="0"/>
+          </a:p>
+        </p:txBody>
+      </p:sp>
+      <p:sp>
+        <p:nvSpPr>
+          <p:cNvPr id="9" name="ZoneTexte 8">
+            <a:extLst>
+              <a:ext uri="{FF2B5EF4-FFF2-40B4-BE49-F238E27FC236}">
+                <a16:creationId xmlns:a16="http://schemas.microsoft.com/office/drawing/2014/main" id="{1A3B7EF4-3554-48F7-9FCF-E91B9877C9B2}"/>
+              </a:ext>
+            </a:extLst>
+          </p:cNvPr>
+          <p:cNvSpPr txBox="1"/>
+          <p:nvPr/>
+        </p:nvSpPr>
+        <p:spPr>
+          <a:xfrm>
+            <a:off x="5154385" y="6396619"/>
+            <a:ext cx="1883229" cy="338554"/>
+          </a:xfrm>
+          <a:prstGeom prst="rect">
+            <a:avLst/>
+          </a:prstGeom>
+          <a:noFill/>
+        </p:spPr>
+        <p:txBody>
+          <a:bodyPr wrap="none" rIns="90000" rtlCol="0">
+            <a:spAutoFit/>
+          </a:bodyPr>
+          <a:lstStyle/>
+          <a:p>
+            <a:pPr algn="ctr"/>
+            <a:r>
+              <a:rPr lang="fr-FR" sz="1600" dirty="0">
+                <a:solidFill>
+                  <a:schemeClr val="bg1"/>
+                </a:solidFill>
+              </a:rPr>
+              <a:t>mercredi 27 octobre</a:t>
+            </a:r>
+          </a:p>
+        </p:txBody>
+      </p:sp>
+      <p:sp>
+        <p:nvSpPr>
+          <p:cNvPr id="10" name="ZoneTexte 9">
+            <a:extLst>
+              <a:ext uri="{FF2B5EF4-FFF2-40B4-BE49-F238E27FC236}">
+                <a16:creationId xmlns:a16="http://schemas.microsoft.com/office/drawing/2014/main" id="{07B48EFA-38D7-4F9C-88E9-63AA6B2A2570}"/>
+              </a:ext>
+            </a:extLst>
+          </p:cNvPr>
+          <p:cNvSpPr txBox="1"/>
+          <p:nvPr/>
+        </p:nvSpPr>
+        <p:spPr>
+          <a:xfrm>
+            <a:off x="0" y="6396619"/>
+            <a:ext cx="2815279" cy="338554"/>
+          </a:xfrm>
+          <a:prstGeom prst="rect">
+            <a:avLst/>
+          </a:prstGeom>
+          <a:noFill/>
+        </p:spPr>
+        <p:txBody>
+          <a:bodyPr wrap="none" rIns="90000" rtlCol="0">
+            <a:spAutoFit/>
+          </a:bodyPr>
+          <a:lstStyle/>
+          <a:p>
+            <a:pPr algn="ctr"/>
+            <a:r>
+              <a:rPr lang="fr-FR" sz="1600" dirty="0">
+                <a:solidFill>
+                  <a:schemeClr val="bg1"/>
+                </a:solidFill>
+              </a:rPr>
+              <a:t>Pierre Cottais &amp; Elias Hermance</a:t>
+            </a:r>
+          </a:p>
+        </p:txBody>
+      </p:sp>
+      <p:sp>
+        <p:nvSpPr>
+          <p:cNvPr id="2" name="ZoneTexte 1">
+            <a:extLst>
+              <a:ext uri="{FF2B5EF4-FFF2-40B4-BE49-F238E27FC236}">
+                <a16:creationId xmlns:a16="http://schemas.microsoft.com/office/drawing/2014/main" id="{6A3C02BA-D98B-429A-ABFC-CC394B90A4ED}"/>
+              </a:ext>
+            </a:extLst>
+          </p:cNvPr>
+          <p:cNvSpPr txBox="1"/>
+          <p:nvPr/>
+        </p:nvSpPr>
+        <p:spPr>
+          <a:xfrm>
+            <a:off x="11731692" y="51454"/>
+            <a:ext cx="301686" cy="369332"/>
+          </a:xfrm>
+          <a:prstGeom prst="rect">
+            <a:avLst/>
+          </a:prstGeom>
+          <a:noFill/>
+        </p:spPr>
+        <p:txBody>
+          <a:bodyPr wrap="none" rtlCol="0" anchor="ctr">
+            <a:spAutoFit/>
+          </a:bodyPr>
+          <a:lstStyle/>
+          <a:p>
+            <a:pPr algn="ctr"/>
+            <a:fld id="{42B166C4-9C59-44E3-B8D8-4B6B7AAF346F}" type="slidenum">
+              <a:rPr lang="fr-FR" smtClean="0">
+                <a:solidFill>
+                  <a:schemeClr val="bg1"/>
+                </a:solidFill>
+              </a:rPr>
+              <a:pPr algn="ctr"/>
+              <a:t>9</a:t>
+            </a:fld>
+            <a:endParaRPr lang="en-GB" dirty="0">
+              <a:solidFill>
+                <a:schemeClr val="bg1"/>
+              </a:solidFill>
+            </a:endParaRPr>
+          </a:p>
+        </p:txBody>
+      </p:sp>
+      <p:grpSp>
+        <p:nvGrpSpPr>
+          <p:cNvPr id="3" name="Groupe 2">
+            <a:extLst>
+              <a:ext uri="{FF2B5EF4-FFF2-40B4-BE49-F238E27FC236}">
+                <a16:creationId xmlns:a16="http://schemas.microsoft.com/office/drawing/2014/main" id="{EB45EAAE-26DA-4EA7-8000-1975055BD7AF}"/>
+              </a:ext>
+            </a:extLst>
+          </p:cNvPr>
+          <p:cNvGrpSpPr/>
+          <p:nvPr/>
+        </p:nvGrpSpPr>
+        <p:grpSpPr>
+          <a:xfrm>
+            <a:off x="703349" y="38501"/>
+            <a:ext cx="9513581" cy="404759"/>
+            <a:chOff x="703349" y="38501"/>
+            <a:chExt cx="9513581" cy="404759"/>
+          </a:xfrm>
+        </p:grpSpPr>
+        <p:sp>
+          <p:nvSpPr>
+            <p:cNvPr id="16" name="ZoneTexte 15">
+              <a:extLst>
+                <a:ext uri="{FF2B5EF4-FFF2-40B4-BE49-F238E27FC236}">
+                  <a16:creationId xmlns:a16="http://schemas.microsoft.com/office/drawing/2014/main" id="{046AC462-364F-4722-BF37-AD8D8B83DC4C}"/>
+                </a:ext>
+              </a:extLst>
+            </p:cNvPr>
+            <p:cNvSpPr txBox="1"/>
+            <p:nvPr/>
+          </p:nvSpPr>
+          <p:spPr>
+            <a:xfrm>
+              <a:off x="703349" y="43150"/>
+              <a:ext cx="1414041" cy="400110"/>
+            </a:xfrm>
+            <a:prstGeom prst="rect">
+              <a:avLst/>
+            </a:prstGeom>
+            <a:noFill/>
+          </p:spPr>
+          <p:txBody>
+            <a:bodyPr wrap="none" rtlCol="0" anchor="ctr">
+              <a:spAutoFit/>
+            </a:bodyPr>
+            <a:lstStyle/>
+            <a:p>
+              <a:r>
+                <a:rPr lang="fr-FR" sz="2000" cap="small" dirty="0">
+                  <a:solidFill>
+                    <a:schemeClr val="bg1"/>
+                  </a:solidFill>
+                </a:rPr>
+                <a:t>Rappels SVD</a:t>
+              </a:r>
+              <a:endParaRPr lang="en-GB" sz="2000" cap="small" dirty="0">
+                <a:solidFill>
+                  <a:schemeClr val="bg1"/>
+                </a:solidFill>
+              </a:endParaRPr>
+            </a:p>
+          </p:txBody>
+        </p:sp>
+        <p:sp>
+          <p:nvSpPr>
+            <p:cNvPr id="18" name="ZoneTexte 17">
+              <a:extLst>
+                <a:ext uri="{FF2B5EF4-FFF2-40B4-BE49-F238E27FC236}">
+                  <a16:creationId xmlns:a16="http://schemas.microsoft.com/office/drawing/2014/main" id="{BEBFFE04-CCBB-4D5C-BC6E-4D87085243AF}"/>
+                </a:ext>
+              </a:extLst>
+            </p:cNvPr>
+            <p:cNvSpPr txBox="1"/>
+            <p:nvPr/>
+          </p:nvSpPr>
+          <p:spPr>
+            <a:xfrm>
+              <a:off x="8870086" y="38501"/>
+              <a:ext cx="1346844" cy="400110"/>
+            </a:xfrm>
+            <a:prstGeom prst="rect">
+              <a:avLst/>
+            </a:prstGeom>
+            <a:noFill/>
+          </p:spPr>
+          <p:txBody>
+            <a:bodyPr wrap="none" rtlCol="0" anchor="ctr">
+              <a:spAutoFit/>
+            </a:bodyPr>
+            <a:lstStyle/>
+            <a:p>
+              <a:r>
+                <a:rPr lang="fr-FR" sz="2000" b="1" cap="small" dirty="0">
+                  <a:solidFill>
+                    <a:schemeClr val="bg1"/>
+                  </a:solidFill>
+                </a:rPr>
+                <a:t>Application</a:t>
+              </a:r>
+              <a:endParaRPr lang="en-GB" sz="2000" b="1" cap="small" dirty="0">
+                <a:solidFill>
+                  <a:schemeClr val="bg1"/>
+                </a:solidFill>
+              </a:endParaRPr>
+            </a:p>
+          </p:txBody>
+        </p:sp>
+        <p:sp>
+          <p:nvSpPr>
+            <p:cNvPr id="21" name="ZoneTexte 20">
+              <a:extLst>
+                <a:ext uri="{FF2B5EF4-FFF2-40B4-BE49-F238E27FC236}">
+                  <a16:creationId xmlns:a16="http://schemas.microsoft.com/office/drawing/2014/main" id="{D46C29AE-FDB1-4981-92EE-4A7ED0621DC7}"/>
+                </a:ext>
+              </a:extLst>
+            </p:cNvPr>
+            <p:cNvSpPr txBox="1"/>
+            <p:nvPr/>
+          </p:nvSpPr>
+          <p:spPr>
+            <a:xfrm>
+              <a:off x="5151240" y="51454"/>
+              <a:ext cx="684996" cy="369332"/>
+            </a:xfrm>
+            <a:prstGeom prst="rect">
+              <a:avLst/>
+            </a:prstGeom>
+            <a:noFill/>
+          </p:spPr>
+          <p:txBody>
+            <a:bodyPr wrap="none" rtlCol="0" anchor="ctr">
+              <a:spAutoFit/>
+            </a:bodyPr>
+            <a:lstStyle/>
+            <a:p>
+              <a:r>
+                <a:rPr lang="fr-FR" cap="small" dirty="0">
+                  <a:solidFill>
+                    <a:schemeClr val="bg1"/>
+                  </a:solidFill>
+                </a:rPr>
+                <a:t>RSVD</a:t>
+              </a:r>
+              <a:endParaRPr lang="en-GB" cap="small" dirty="0">
+                <a:solidFill>
+                  <a:schemeClr val="bg1"/>
+                </a:solidFill>
+              </a:endParaRPr>
+            </a:p>
+          </p:txBody>
+        </p:sp>
+      </p:grpSp>
+      <p:sp>
+        <p:nvSpPr>
+          <p:cNvPr id="25" name="ZoneTexte 24">
+            <a:extLst>
+              <a:ext uri="{FF2B5EF4-FFF2-40B4-BE49-F238E27FC236}">
+                <a16:creationId xmlns:a16="http://schemas.microsoft.com/office/drawing/2014/main" id="{ABCF0C0D-0584-42A2-964E-68AA8DD827E1}"/>
+              </a:ext>
+            </a:extLst>
+          </p:cNvPr>
+          <p:cNvSpPr txBox="1"/>
+          <p:nvPr/>
+        </p:nvSpPr>
+        <p:spPr>
+          <a:xfrm>
+            <a:off x="703349" y="2217428"/>
+            <a:ext cx="10413235" cy="1754326"/>
+          </a:xfrm>
+          <a:prstGeom prst="rect">
+            <a:avLst/>
+          </a:prstGeom>
+          <a:noFill/>
+        </p:spPr>
+        <p:txBody>
+          <a:bodyPr wrap="none" rtlCol="0">
+            <a:spAutoFit/>
+          </a:bodyPr>
+          <a:lstStyle/>
+          <a:p>
+            <a:pPr marL="285750" indent="-285750">
+              <a:lnSpc>
+                <a:spcPct val="200000"/>
+              </a:lnSpc>
+              <a:buFont typeface="Arial" panose="020B0604020202020204" pitchFamily="34" charset="0"/>
+              <a:buChar char="•"/>
+            </a:pPr>
+            <a:r>
+              <a:rPr lang="fr-FR" i="1" dirty="0" err="1"/>
+              <a:t>Oversampling</a:t>
+            </a:r>
+            <a:r>
+              <a:rPr lang="fr-FR" i="1" dirty="0"/>
+              <a:t> (sur des gros jeux de données):</a:t>
+            </a:r>
+            <a:r>
+              <a:rPr lang="fr-FR" dirty="0"/>
+              <a:t> </a:t>
+            </a:r>
+          </a:p>
+          <a:p>
+            <a:pPr marL="742950" lvl="1" indent="-285750">
+              <a:lnSpc>
+                <a:spcPct val="200000"/>
+              </a:lnSpc>
+              <a:buFont typeface="Calibri" panose="020F0502020204030204" pitchFamily="34" charset="0"/>
+              <a:buChar char="-"/>
+            </a:pPr>
+            <a:r>
+              <a:rPr lang="fr-FR" dirty="0"/>
+              <a:t>Variation de </a:t>
+            </a:r>
+            <a:r>
+              <a:rPr lang="fr-FR" i="1" dirty="0"/>
+              <a:t>p (p = 10, 20, 50, 100) </a:t>
+            </a:r>
+            <a:r>
+              <a:rPr lang="fr-FR" i="1" dirty="0">
+                <a:sym typeface="Wingdings" panose="05000000000000000000" pitchFamily="2" charset="2"/>
+              </a:rPr>
+              <a:t> </a:t>
+            </a:r>
+            <a:r>
+              <a:rPr lang="fr-FR" dirty="0">
+                <a:sym typeface="Wingdings" panose="05000000000000000000" pitchFamily="2" charset="2"/>
+              </a:rPr>
+              <a:t>Augmente le </a:t>
+            </a:r>
+            <a:r>
+              <a:rPr lang="fr-FR" i="1" dirty="0" err="1">
+                <a:sym typeface="Wingdings" panose="05000000000000000000" pitchFamily="2" charset="2"/>
+              </a:rPr>
+              <a:t>computing</a:t>
+            </a:r>
+            <a:r>
+              <a:rPr lang="fr-FR" i="1" dirty="0">
+                <a:sym typeface="Wingdings" panose="05000000000000000000" pitchFamily="2" charset="2"/>
+              </a:rPr>
+              <a:t> time </a:t>
+            </a:r>
+            <a:r>
+              <a:rPr lang="fr-FR" dirty="0">
+                <a:sym typeface="Wingdings" panose="05000000000000000000" pitchFamily="2" charset="2"/>
+              </a:rPr>
+              <a:t>mais affine les valeurs singulières</a:t>
+            </a:r>
+            <a:endParaRPr lang="fr-FR" dirty="0"/>
+          </a:p>
+          <a:p>
+            <a:pPr marL="742950" lvl="1" indent="-285750">
+              <a:buFont typeface="Calibri" panose="020F0502020204030204" pitchFamily="34" charset="0"/>
+              <a:buChar char="-"/>
+            </a:pPr>
+            <a:r>
+              <a:rPr lang="fr-FR" dirty="0"/>
+              <a:t>Comparaison des valeurs singulières de </a:t>
+            </a:r>
+            <a:r>
+              <a:rPr lang="fr-FR" i="1" dirty="0"/>
+              <a:t>Λ</a:t>
+            </a:r>
+          </a:p>
+          <a:p>
+            <a:pPr lvl="1"/>
+            <a:r>
+              <a:rPr lang="fr-FR" dirty="0"/>
+              <a:t>(une photo de 512x512 n’est pas suffisant pour observer une utilité à l’</a:t>
+            </a:r>
+            <a:r>
+              <a:rPr lang="fr-FR" i="1" dirty="0" err="1"/>
+              <a:t>oversampling</a:t>
+            </a:r>
+            <a:r>
+              <a:rPr lang="fr-FR" dirty="0"/>
+              <a:t>)</a:t>
+            </a:r>
+          </a:p>
+        </p:txBody>
+      </p:sp>
+      <p:pic>
+        <p:nvPicPr>
+          <p:cNvPr id="5" name="Image 4">
+            <a:extLst>
+              <a:ext uri="{FF2B5EF4-FFF2-40B4-BE49-F238E27FC236}">
+                <a16:creationId xmlns:a16="http://schemas.microsoft.com/office/drawing/2014/main" id="{BC34E65C-7830-4D58-9B50-88B86429E632}"/>
+              </a:ext>
+            </a:extLst>
+          </p:cNvPr>
+          <p:cNvPicPr>
+            <a:picLocks noChangeAspect="1"/>
+          </p:cNvPicPr>
+          <p:nvPr/>
+        </p:nvPicPr>
+        <p:blipFill>
+          <a:blip r:embed="rId3"/>
+          <a:stretch>
+            <a:fillRect/>
+          </a:stretch>
+        </p:blipFill>
+        <p:spPr>
+          <a:xfrm>
+            <a:off x="1144703" y="5073967"/>
+            <a:ext cx="8541703" cy="878119"/>
+          </a:xfrm>
+          <a:prstGeom prst="rect">
+            <a:avLst/>
+          </a:prstGeom>
+        </p:spPr>
+      </p:pic>
+      <p:pic>
+        <p:nvPicPr>
+          <p:cNvPr id="11" name="Image 10">
+            <a:extLst>
+              <a:ext uri="{FF2B5EF4-FFF2-40B4-BE49-F238E27FC236}">
+                <a16:creationId xmlns:a16="http://schemas.microsoft.com/office/drawing/2014/main" id="{C2F9BCA1-0522-4EBB-8B2D-EF31767AEBD4}"/>
+              </a:ext>
+            </a:extLst>
+          </p:cNvPr>
+          <p:cNvPicPr>
+            <a:picLocks noChangeAspect="1"/>
+          </p:cNvPicPr>
+          <p:nvPr/>
+        </p:nvPicPr>
+        <p:blipFill>
+          <a:blip r:embed="rId4"/>
+          <a:stretch>
+            <a:fillRect/>
+          </a:stretch>
+        </p:blipFill>
+        <p:spPr>
+          <a:xfrm>
+            <a:off x="3153133" y="4193037"/>
+            <a:ext cx="3257550" cy="409575"/>
+          </a:xfrm>
+          <a:prstGeom prst="rect">
+            <a:avLst/>
+          </a:prstGeom>
+        </p:spPr>
+      </p:pic>
+    </p:spTree>
+    <p:extLst>
+      <p:ext uri="{BB962C8B-B14F-4D97-AF65-F5344CB8AC3E}">
+        <p14:creationId xmlns:p14="http://schemas.microsoft.com/office/powerpoint/2010/main" val="4063238433"/>
       </p:ext>
     </p:extLst>
   </p:cSld>

--- a/presentation.pptx
+++ b/presentation.pptx
@@ -4457,8 +4457,12 @@
               <a:t>Variation de </a:t>
             </a:r>
             <a:r>
+              <a:rPr lang="fr-FR" i="1"/>
+              <a:t>q (1 et </a:t>
+            </a:r>
+            <a:r>
               <a:rPr lang="fr-FR" i="1" dirty="0"/>
-              <a:t>q (0 et 5) </a:t>
+              <a:t>5) </a:t>
             </a:r>
             <a:r>
               <a:rPr lang="fr-FR" i="1" dirty="0">
@@ -4477,16 +4481,22 @@
               <a:t>Augmente le </a:t>
             </a:r>
             <a:r>
-              <a:rPr lang="fr-FR" dirty="0" err="1">
+              <a:rPr lang="fr-FR" i="1" dirty="0" err="1">
                 <a:sym typeface="Wingdings" panose="05000000000000000000" pitchFamily="2" charset="2"/>
               </a:rPr>
               <a:t>computing</a:t>
             </a:r>
             <a:r>
+              <a:rPr lang="fr-FR" i="1" dirty="0">
+                <a:sym typeface="Wingdings" panose="05000000000000000000" pitchFamily="2" charset="2"/>
+              </a:rPr>
+              <a:t> time</a:t>
+            </a:r>
+            <a:r>
               <a:rPr lang="fr-FR" dirty="0">
                 <a:sym typeface="Wingdings" panose="05000000000000000000" pitchFamily="2" charset="2"/>
               </a:rPr>
-              <a:t> time </a:t>
+              <a:t> </a:t>
             </a:r>
             <a:br>
               <a:rPr lang="fr-FR" dirty="0">
@@ -5107,7 +5117,7 @@
         <p:spPr>
           <a:xfrm>
             <a:off x="703349" y="2217428"/>
-            <a:ext cx="5777159" cy="2784737"/>
+            <a:ext cx="6033639" cy="2784737"/>
           </a:xfrm>
           <a:prstGeom prst="rect">
             <a:avLst/>
@@ -5190,14 +5200,24 @@
               <a:t>Variation de </a:t>
             </a:r>
             <a:r>
+              <a:rPr lang="fr-FR" i="1"/>
+              <a:t>q (1 </a:t>
+            </a:r>
+            <a:r>
               <a:rPr lang="fr-FR" i="1" dirty="0"/>
-              <a:t>q (0 et 5)</a:t>
+              <a:t>et 5)</a:t>
             </a:r>
             <a:r>
               <a:rPr lang="fr-FR" i="1" dirty="0">
                 <a:sym typeface="Wingdings" panose="05000000000000000000" pitchFamily="2" charset="2"/>
               </a:rPr>
-              <a:t> Augmente le </a:t>
+              <a:t>  </a:t>
+            </a:r>
+            <a:r>
+              <a:rPr lang="fr-FR" dirty="0">
+                <a:sym typeface="Wingdings" panose="05000000000000000000" pitchFamily="2" charset="2"/>
+              </a:rPr>
+              <a:t>Augmente le </a:t>
             </a:r>
             <a:r>
               <a:rPr lang="fr-FR" i="1" dirty="0" err="1">
@@ -5209,20 +5229,26 @@
               <a:rPr lang="fr-FR" i="1" dirty="0">
                 <a:sym typeface="Wingdings" panose="05000000000000000000" pitchFamily="2" charset="2"/>
               </a:rPr>
-              <a:t> time </a:t>
+              <a:t> tim</a:t>
+            </a:r>
+            <a:r>
+              <a:rPr lang="fr-FR" dirty="0">
+                <a:sym typeface="Wingdings" panose="05000000000000000000" pitchFamily="2" charset="2"/>
+              </a:rPr>
+              <a:t>e </a:t>
             </a:r>
             <a:br>
-              <a:rPr lang="fr-FR" i="1" dirty="0">
+              <a:rPr lang="fr-FR" dirty="0">
                 <a:sym typeface="Wingdings" panose="05000000000000000000" pitchFamily="2" charset="2"/>
               </a:rPr>
             </a:br>
             <a:r>
-              <a:rPr lang="fr-FR" i="1" dirty="0">
+              <a:rPr lang="fr-FR" dirty="0">
                 <a:sym typeface="Wingdings" panose="05000000000000000000" pitchFamily="2" charset="2"/>
               </a:rPr>
               <a:t>mais affine les valeurs singulières</a:t>
             </a:r>
-            <a:endParaRPr lang="fr-FR" i="1" dirty="0"/>
+            <a:endParaRPr lang="fr-FR" dirty="0"/>
           </a:p>
           <a:p>
             <a:pPr marL="742950" lvl="1" indent="-285750">
@@ -7165,7 +7191,7 @@
           <a:lstStyle/>
           <a:p>
             <a:pPr algn="ctr"/>
-            <a:endParaRPr lang="en-GB"/>
+            <a:endParaRPr lang="en-GB" dirty="0"/>
           </a:p>
         </p:txBody>
       </p:sp>
@@ -7717,7 +7743,7 @@
           <a:lstStyle/>
           <a:p>
             <a:pPr algn="ctr"/>
-            <a:endParaRPr lang="en-GB"/>
+            <a:endParaRPr lang="en-GB" dirty="0"/>
           </a:p>
         </p:txBody>
       </p:sp>
